--- a/Deck/C# Selenium Test Automation Bootcamp Kick-Off.pptx
+++ b/Deck/C# Selenium Test Automation Bootcamp Kick-Off.pptx
@@ -5,37 +5,33 @@
     <p:sldMasterId id="2147483648" r:id="rId1"/>
   </p:sldMasterIdLst>
   <p:notesMasterIdLst>
-    <p:notesMasterId r:id="rId20"/>
+    <p:notesMasterId r:id="rId16"/>
   </p:notesMasterIdLst>
   <p:sldIdLst>
     <p:sldId id="256" r:id="rId2"/>
     <p:sldId id="265" r:id="rId3"/>
     <p:sldId id="260" r:id="rId4"/>
-    <p:sldId id="261" r:id="rId5"/>
-    <p:sldId id="262" r:id="rId6"/>
-    <p:sldId id="263" r:id="rId7"/>
-    <p:sldId id="264" r:id="rId8"/>
-    <p:sldId id="266" r:id="rId9"/>
-    <p:sldId id="267" r:id="rId10"/>
-    <p:sldId id="272" r:id="rId11"/>
-    <p:sldId id="274" r:id="rId12"/>
-    <p:sldId id="275" r:id="rId13"/>
-    <p:sldId id="276" r:id="rId14"/>
-    <p:sldId id="268" r:id="rId15"/>
-    <p:sldId id="270" r:id="rId16"/>
-    <p:sldId id="269" r:id="rId17"/>
-    <p:sldId id="271" r:id="rId18"/>
-    <p:sldId id="277" r:id="rId19"/>
+    <p:sldId id="266" r:id="rId5"/>
+    <p:sldId id="267" r:id="rId6"/>
+    <p:sldId id="272" r:id="rId7"/>
+    <p:sldId id="274" r:id="rId8"/>
+    <p:sldId id="275" r:id="rId9"/>
+    <p:sldId id="276" r:id="rId10"/>
+    <p:sldId id="268" r:id="rId11"/>
+    <p:sldId id="270" r:id="rId12"/>
+    <p:sldId id="269" r:id="rId13"/>
+    <p:sldId id="271" r:id="rId14"/>
+    <p:sldId id="277" r:id="rId15"/>
   </p:sldIdLst>
   <p:sldSz cx="12192000" cy="6858000"/>
   <p:notesSz cx="6858000" cy="9144000"/>
   <p:embeddedFontLst>
     <p:embeddedFont>
       <p:font typeface="Roboto" panose="02000000000000000000" pitchFamily="2" charset="0"/>
-      <p:regular r:id="rId21"/>
-      <p:bold r:id="rId22"/>
-      <p:italic r:id="rId23"/>
-      <p:boldItalic r:id="rId24"/>
+      <p:regular r:id="rId17"/>
+      <p:bold r:id="rId18"/>
+      <p:italic r:id="rId19"/>
+      <p:boldItalic r:id="rId20"/>
     </p:embeddedFont>
   </p:embeddedFontLst>
   <p:defaultTextStyle>
@@ -272,7 +268,7 @@
       <p15:sldGuideLst xmlns:p15="http://schemas.microsoft.com/office/powerpoint/2012/main"/>
     </p:ext>
     <p:ext uri="GoogleSlidesCustomDataVersion2">
-      <go:slidesCustomData xmlns:go="http://customooxmlschemas.google.com/" xmlns:ahyp="http://schemas.microsoft.com/office/drawing/2018/hyperlinkcolor" xmlns:p15="http://schemas.microsoft.com/office/powerpoint/2012/main" xmlns:p14="http://schemas.microsoft.com/office/powerpoint/2010/main" xmlns:com="http://schemas.openxmlformats.org/drawingml/2006/compatibility" xmlns:pvml="urn:schemas-microsoft-com:office:powerpoint" xmlns:v="urn:schemas-microsoft-com:vml" xmlns:o="urn:schemas-microsoft-com:office:office" xmlns:dgm="http://schemas.openxmlformats.org/drawingml/2006/diagram" xmlns:c="http://schemas.openxmlformats.org/drawingml/2006/chart" xmlns:mv="urn:schemas-microsoft-com:mac:vml" xmlns:mc="http://schemas.openxmlformats.org/markup-compatibility/2006" xmlns="" r:id="rId25" roundtripDataSignature="AMtx7mj/SFBP9pynvHIuyc3n/5kUnwPtFg=="/>
+      <go:slidesCustomData xmlns="" xmlns:mc="http://schemas.openxmlformats.org/markup-compatibility/2006" xmlns:mv="urn:schemas-microsoft-com:mac:vml" xmlns:c="http://schemas.openxmlformats.org/drawingml/2006/chart" xmlns:dgm="http://schemas.openxmlformats.org/drawingml/2006/diagram" xmlns:o="urn:schemas-microsoft-com:office:office" xmlns:v="urn:schemas-microsoft-com:vml" xmlns:pvml="urn:schemas-microsoft-com:office:powerpoint" xmlns:com="http://schemas.openxmlformats.org/drawingml/2006/compatibility" xmlns:p14="http://schemas.microsoft.com/office/powerpoint/2010/main" xmlns:p15="http://schemas.microsoft.com/office/powerpoint/2012/main" xmlns:ahyp="http://schemas.microsoft.com/office/drawing/2018/hyperlinkcolor" xmlns:go="http://customooxmlschemas.google.com/" r:id="rId25" roundtripDataSignature="AMtx7mj/SFBP9pynvHIuyc3n/5kUnwPtFg=="/>
     </p:ext>
   </p:extLst>
 </p:presentation>
@@ -1640,580 +1636,6 @@
   <p:cSld>
     <p:spTree>
       <p:nvGrpSpPr>
-        <p:cNvPr id="1" name="Shape 102">
-          <a:extLst>
-            <a:ext uri="{FF2B5EF4-FFF2-40B4-BE49-F238E27FC236}">
-              <a16:creationId xmlns:a16="http://schemas.microsoft.com/office/drawing/2014/main" id="{235B77C4-1E33-1F5B-5F23-2253A58C5637}"/>
-            </a:ext>
-          </a:extLst>
-        </p:cNvPr>
-        <p:cNvGrpSpPr/>
-        <p:nvPr/>
-      </p:nvGrpSpPr>
-      <p:grpSpPr>
-        <a:xfrm>
-          <a:off x="0" y="0"/>
-          <a:ext cx="0" cy="0"/>
-          <a:chOff x="0" y="0"/>
-          <a:chExt cx="0" cy="0"/>
-        </a:xfrm>
-      </p:grpSpPr>
-      <p:sp>
-        <p:nvSpPr>
-          <p:cNvPr id="103" name="Google Shape;103;p3:notes">
-            <a:extLst>
-              <a:ext uri="{FF2B5EF4-FFF2-40B4-BE49-F238E27FC236}">
-                <a16:creationId xmlns:a16="http://schemas.microsoft.com/office/drawing/2014/main" id="{DB471363-199A-771B-1D4B-512337E6F13F}"/>
-              </a:ext>
-            </a:extLst>
-          </p:cNvPr>
-          <p:cNvSpPr txBox="1">
-            <a:spLocks noGrp="1"/>
-          </p:cNvSpPr>
-          <p:nvPr>
-            <p:ph type="body" idx="1"/>
-          </p:nvPr>
-        </p:nvSpPr>
-        <p:spPr>
-          <a:xfrm>
-            <a:off x="685800" y="4400550"/>
-            <a:ext cx="5486400" cy="3600450"/>
-          </a:xfrm>
-          <a:prstGeom prst="rect">
-            <a:avLst/>
-          </a:prstGeom>
-        </p:spPr>
-        <p:txBody>
-          <a:bodyPr spcFirstLastPara="1" wrap="square" lIns="91425" tIns="45700" rIns="91425" bIns="45700" anchor="t" anchorCtr="0">
-            <a:noAutofit/>
-          </a:bodyPr>
-          <a:lstStyle/>
-          <a:p>
-            <a:pPr marL="0" lvl="0" indent="0" algn="l" rtl="0">
-              <a:spcBef>
-                <a:spcPts val="0"/>
-              </a:spcBef>
-              <a:spcAft>
-                <a:spcPts val="0"/>
-              </a:spcAft>
-              <a:buNone/>
-            </a:pPr>
-            <a:endParaRPr/>
-          </a:p>
-        </p:txBody>
-      </p:sp>
-      <p:sp>
-        <p:nvSpPr>
-          <p:cNvPr id="104" name="Google Shape;104;p3:notes">
-            <a:extLst>
-              <a:ext uri="{FF2B5EF4-FFF2-40B4-BE49-F238E27FC236}">
-                <a16:creationId xmlns:a16="http://schemas.microsoft.com/office/drawing/2014/main" id="{B28109DB-65D2-878C-381C-6CA907AF69AE}"/>
-              </a:ext>
-            </a:extLst>
-          </p:cNvPr>
-          <p:cNvSpPr>
-            <a:spLocks noGrp="1" noRot="1" noChangeAspect="1"/>
-          </p:cNvSpPr>
-          <p:nvPr>
-            <p:ph type="sldImg" idx="2"/>
-          </p:nvPr>
-        </p:nvSpPr>
-        <p:spPr>
-          <a:xfrm>
-            <a:off x="685800" y="1143000"/>
-            <a:ext cx="5486400" cy="3086100"/>
-          </a:xfrm>
-          <a:custGeom>
-            <a:avLst/>
-            <a:gdLst/>
-            <a:ahLst/>
-            <a:cxnLst/>
-            <a:rect l="l" t="t" r="r" b="b"/>
-            <a:pathLst>
-              <a:path w="120000" h="120000" extrusionOk="0">
-                <a:moveTo>
-                  <a:pt x="0" y="0"/>
-                </a:moveTo>
-                <a:lnTo>
-                  <a:pt x="120000" y="0"/>
-                </a:lnTo>
-                <a:lnTo>
-                  <a:pt x="120000" y="120000"/>
-                </a:lnTo>
-                <a:lnTo>
-                  <a:pt x="0" y="120000"/>
-                </a:lnTo>
-                <a:close/>
-              </a:path>
-            </a:pathLst>
-          </a:custGeom>
-        </p:spPr>
-      </p:sp>
-    </p:spTree>
-    <p:extLst>
-      <p:ext uri="{BB962C8B-B14F-4D97-AF65-F5344CB8AC3E}">
-        <p14:creationId xmlns:p14="http://schemas.microsoft.com/office/powerpoint/2010/main" val="1505827389"/>
-      </p:ext>
-    </p:extLst>
-  </p:cSld>
-  <p:clrMapOvr>
-    <a:masterClrMapping/>
-  </p:clrMapOvr>
-</p:notes>
-</file>
-
-<file path=ppt/notesSlides/notesSlide11.xml><?xml version="1.0" encoding="utf-8"?>
-<p:notes xmlns:a="http://schemas.openxmlformats.org/drawingml/2006/main" xmlns:r="http://schemas.openxmlformats.org/officeDocument/2006/relationships" xmlns:p="http://schemas.openxmlformats.org/presentationml/2006/main" showMasterSp="0" showMasterPhAnim="0">
-  <p:cSld>
-    <p:spTree>
-      <p:nvGrpSpPr>
-        <p:cNvPr id="1" name="Shape 102">
-          <a:extLst>
-            <a:ext uri="{FF2B5EF4-FFF2-40B4-BE49-F238E27FC236}">
-              <a16:creationId xmlns:a16="http://schemas.microsoft.com/office/drawing/2014/main" id="{3F16C4EF-9D32-3BE6-5130-729DCCF1FED0}"/>
-            </a:ext>
-          </a:extLst>
-        </p:cNvPr>
-        <p:cNvGrpSpPr/>
-        <p:nvPr/>
-      </p:nvGrpSpPr>
-      <p:grpSpPr>
-        <a:xfrm>
-          <a:off x="0" y="0"/>
-          <a:ext cx="0" cy="0"/>
-          <a:chOff x="0" y="0"/>
-          <a:chExt cx="0" cy="0"/>
-        </a:xfrm>
-      </p:grpSpPr>
-      <p:sp>
-        <p:nvSpPr>
-          <p:cNvPr id="103" name="Google Shape;103;p3:notes">
-            <a:extLst>
-              <a:ext uri="{FF2B5EF4-FFF2-40B4-BE49-F238E27FC236}">
-                <a16:creationId xmlns:a16="http://schemas.microsoft.com/office/drawing/2014/main" id="{9F3AB627-B5C0-6EF1-E135-18B7367729DE}"/>
-              </a:ext>
-            </a:extLst>
-          </p:cNvPr>
-          <p:cNvSpPr txBox="1">
-            <a:spLocks noGrp="1"/>
-          </p:cNvSpPr>
-          <p:nvPr>
-            <p:ph type="body" idx="1"/>
-          </p:nvPr>
-        </p:nvSpPr>
-        <p:spPr>
-          <a:xfrm>
-            <a:off x="685800" y="4400550"/>
-            <a:ext cx="5486400" cy="3600450"/>
-          </a:xfrm>
-          <a:prstGeom prst="rect">
-            <a:avLst/>
-          </a:prstGeom>
-        </p:spPr>
-        <p:txBody>
-          <a:bodyPr spcFirstLastPara="1" wrap="square" lIns="91425" tIns="45700" rIns="91425" bIns="45700" anchor="t" anchorCtr="0">
-            <a:noAutofit/>
-          </a:bodyPr>
-          <a:lstStyle/>
-          <a:p>
-            <a:pPr marL="0" lvl="0" indent="0" algn="l" rtl="0">
-              <a:spcBef>
-                <a:spcPts val="0"/>
-              </a:spcBef>
-              <a:spcAft>
-                <a:spcPts val="0"/>
-              </a:spcAft>
-              <a:buNone/>
-            </a:pPr>
-            <a:endParaRPr/>
-          </a:p>
-        </p:txBody>
-      </p:sp>
-      <p:sp>
-        <p:nvSpPr>
-          <p:cNvPr id="104" name="Google Shape;104;p3:notes">
-            <a:extLst>
-              <a:ext uri="{FF2B5EF4-FFF2-40B4-BE49-F238E27FC236}">
-                <a16:creationId xmlns:a16="http://schemas.microsoft.com/office/drawing/2014/main" id="{78B8A8AE-3D9B-57B6-17FE-6B635EE74FAE}"/>
-              </a:ext>
-            </a:extLst>
-          </p:cNvPr>
-          <p:cNvSpPr>
-            <a:spLocks noGrp="1" noRot="1" noChangeAspect="1"/>
-          </p:cNvSpPr>
-          <p:nvPr>
-            <p:ph type="sldImg" idx="2"/>
-          </p:nvPr>
-        </p:nvSpPr>
-        <p:spPr>
-          <a:xfrm>
-            <a:off x="685800" y="1143000"/>
-            <a:ext cx="5486400" cy="3086100"/>
-          </a:xfrm>
-          <a:custGeom>
-            <a:avLst/>
-            <a:gdLst/>
-            <a:ahLst/>
-            <a:cxnLst/>
-            <a:rect l="l" t="t" r="r" b="b"/>
-            <a:pathLst>
-              <a:path w="120000" h="120000" extrusionOk="0">
-                <a:moveTo>
-                  <a:pt x="0" y="0"/>
-                </a:moveTo>
-                <a:lnTo>
-                  <a:pt x="120000" y="0"/>
-                </a:lnTo>
-                <a:lnTo>
-                  <a:pt x="120000" y="120000"/>
-                </a:lnTo>
-                <a:lnTo>
-                  <a:pt x="0" y="120000"/>
-                </a:lnTo>
-                <a:close/>
-              </a:path>
-            </a:pathLst>
-          </a:custGeom>
-        </p:spPr>
-      </p:sp>
-    </p:spTree>
-    <p:extLst>
-      <p:ext uri="{BB962C8B-B14F-4D97-AF65-F5344CB8AC3E}">
-        <p14:creationId xmlns:p14="http://schemas.microsoft.com/office/powerpoint/2010/main" val="1710593805"/>
-      </p:ext>
-    </p:extLst>
-  </p:cSld>
-  <p:clrMapOvr>
-    <a:masterClrMapping/>
-  </p:clrMapOvr>
-</p:notes>
-</file>
-
-<file path=ppt/notesSlides/notesSlide12.xml><?xml version="1.0" encoding="utf-8"?>
-<p:notes xmlns:a="http://schemas.openxmlformats.org/drawingml/2006/main" xmlns:r="http://schemas.openxmlformats.org/officeDocument/2006/relationships" xmlns:p="http://schemas.openxmlformats.org/presentationml/2006/main" showMasterSp="0" showMasterPhAnim="0">
-  <p:cSld>
-    <p:spTree>
-      <p:nvGrpSpPr>
-        <p:cNvPr id="1" name="Shape 84">
-          <a:extLst>
-            <a:ext uri="{FF2B5EF4-FFF2-40B4-BE49-F238E27FC236}">
-              <a16:creationId xmlns:a16="http://schemas.microsoft.com/office/drawing/2014/main" id="{5931626E-397C-5725-2D7D-DD2208073A47}"/>
-            </a:ext>
-          </a:extLst>
-        </p:cNvPr>
-        <p:cNvGrpSpPr/>
-        <p:nvPr/>
-      </p:nvGrpSpPr>
-      <p:grpSpPr>
-        <a:xfrm>
-          <a:off x="0" y="0"/>
-          <a:ext cx="0" cy="0"/>
-          <a:chOff x="0" y="0"/>
-          <a:chExt cx="0" cy="0"/>
-        </a:xfrm>
-      </p:grpSpPr>
-      <p:sp>
-        <p:nvSpPr>
-          <p:cNvPr id="85" name="Google Shape;85;p1:notes">
-            <a:extLst>
-              <a:ext uri="{FF2B5EF4-FFF2-40B4-BE49-F238E27FC236}">
-                <a16:creationId xmlns:a16="http://schemas.microsoft.com/office/drawing/2014/main" id="{404B9322-6F71-D9AE-81CE-61353CB5D190}"/>
-              </a:ext>
-            </a:extLst>
-          </p:cNvPr>
-          <p:cNvSpPr>
-            <a:spLocks noGrp="1" noRot="1" noChangeAspect="1"/>
-          </p:cNvSpPr>
-          <p:nvPr>
-            <p:ph type="sldImg" idx="2"/>
-          </p:nvPr>
-        </p:nvSpPr>
-        <p:spPr>
-          <a:xfrm>
-            <a:off x="685800" y="1143000"/>
-            <a:ext cx="5486400" cy="3086100"/>
-          </a:xfrm>
-          <a:custGeom>
-            <a:avLst/>
-            <a:gdLst/>
-            <a:ahLst/>
-            <a:cxnLst/>
-            <a:rect l="l" t="t" r="r" b="b"/>
-            <a:pathLst>
-              <a:path w="120000" h="120000" extrusionOk="0">
-                <a:moveTo>
-                  <a:pt x="0" y="0"/>
-                </a:moveTo>
-                <a:lnTo>
-                  <a:pt x="120000" y="0"/>
-                </a:lnTo>
-                <a:lnTo>
-                  <a:pt x="120000" y="120000"/>
-                </a:lnTo>
-                <a:lnTo>
-                  <a:pt x="0" y="120000"/>
-                </a:lnTo>
-                <a:close/>
-              </a:path>
-            </a:pathLst>
-          </a:custGeom>
-          <a:noFill/>
-          <a:ln w="12700" cap="flat" cmpd="sng">
-            <a:solidFill>
-              <a:srgbClr val="000000"/>
-            </a:solidFill>
-            <a:prstDash val="solid"/>
-            <a:round/>
-            <a:headEnd type="none" w="sm" len="sm"/>
-            <a:tailEnd type="none" w="sm" len="sm"/>
-          </a:ln>
-        </p:spPr>
-      </p:sp>
-      <p:sp>
-        <p:nvSpPr>
-          <p:cNvPr id="86" name="Google Shape;86;p1:notes">
-            <a:extLst>
-              <a:ext uri="{FF2B5EF4-FFF2-40B4-BE49-F238E27FC236}">
-                <a16:creationId xmlns:a16="http://schemas.microsoft.com/office/drawing/2014/main" id="{64CEE8EE-611F-8BD4-F8C7-849448991022}"/>
-              </a:ext>
-            </a:extLst>
-          </p:cNvPr>
-          <p:cNvSpPr txBox="1">
-            <a:spLocks noGrp="1"/>
-          </p:cNvSpPr>
-          <p:nvPr>
-            <p:ph type="body" idx="1"/>
-          </p:nvPr>
-        </p:nvSpPr>
-        <p:spPr>
-          <a:xfrm>
-            <a:off x="685800" y="4400550"/>
-            <a:ext cx="5486400" cy="3600450"/>
-          </a:xfrm>
-          <a:prstGeom prst="rect">
-            <a:avLst/>
-          </a:prstGeom>
-          <a:noFill/>
-          <a:ln>
-            <a:noFill/>
-          </a:ln>
-        </p:spPr>
-        <p:txBody>
-          <a:bodyPr spcFirstLastPara="1" wrap="square" lIns="91425" tIns="45700" rIns="91425" bIns="45700" anchor="t" anchorCtr="0">
-            <a:noAutofit/>
-          </a:bodyPr>
-          <a:lstStyle/>
-          <a:p>
-            <a:pPr marL="0" lvl="0" indent="0" algn="l" rtl="0">
-              <a:spcBef>
-                <a:spcPts val="0"/>
-              </a:spcBef>
-              <a:spcAft>
-                <a:spcPts val="0"/>
-              </a:spcAft>
-              <a:buNone/>
-            </a:pPr>
-            <a:endParaRPr/>
-          </a:p>
-        </p:txBody>
-      </p:sp>
-      <p:sp>
-        <p:nvSpPr>
-          <p:cNvPr id="87" name="Google Shape;87;p1:notes">
-            <a:extLst>
-              <a:ext uri="{FF2B5EF4-FFF2-40B4-BE49-F238E27FC236}">
-                <a16:creationId xmlns:a16="http://schemas.microsoft.com/office/drawing/2014/main" id="{00D4CC24-7966-A461-72FF-F8213CF09AED}"/>
-              </a:ext>
-            </a:extLst>
-          </p:cNvPr>
-          <p:cNvSpPr txBox="1">
-            <a:spLocks noGrp="1"/>
-          </p:cNvSpPr>
-          <p:nvPr>
-            <p:ph type="sldNum" idx="12"/>
-          </p:nvPr>
-        </p:nvSpPr>
-        <p:spPr>
-          <a:xfrm>
-            <a:off x="3884613" y="8685213"/>
-            <a:ext cx="2971800" cy="458787"/>
-          </a:xfrm>
-          <a:prstGeom prst="rect">
-            <a:avLst/>
-          </a:prstGeom>
-          <a:noFill/>
-          <a:ln>
-            <a:noFill/>
-          </a:ln>
-        </p:spPr>
-        <p:txBody>
-          <a:bodyPr spcFirstLastPara="1" wrap="square" lIns="91425" tIns="45700" rIns="91425" bIns="45700" anchor="b" anchorCtr="0">
-            <a:noAutofit/>
-          </a:bodyPr>
-          <a:lstStyle/>
-          <a:p>
-            <a:pPr marL="0" lvl="0" indent="0" algn="r" rtl="0">
-              <a:spcBef>
-                <a:spcPts val="0"/>
-              </a:spcBef>
-              <a:spcAft>
-                <a:spcPts val="0"/>
-              </a:spcAft>
-              <a:buNone/>
-            </a:pPr>
-            <a:fld id="{00000000-1234-1234-1234-123412341234}" type="slidenum">
-              <a:rPr lang="en-PH"/>
-              <a:t>12</a:t>
-            </a:fld>
-            <a:endParaRPr/>
-          </a:p>
-        </p:txBody>
-      </p:sp>
-    </p:spTree>
-    <p:extLst>
-      <p:ext uri="{BB962C8B-B14F-4D97-AF65-F5344CB8AC3E}">
-        <p14:creationId xmlns:p14="http://schemas.microsoft.com/office/powerpoint/2010/main" val="2382585599"/>
-      </p:ext>
-    </p:extLst>
-  </p:cSld>
-  <p:clrMapOvr>
-    <a:masterClrMapping/>
-  </p:clrMapOvr>
-</p:notes>
-</file>
-
-<file path=ppt/notesSlides/notesSlide13.xml><?xml version="1.0" encoding="utf-8"?>
-<p:notes xmlns:a="http://schemas.openxmlformats.org/drawingml/2006/main" xmlns:r="http://schemas.openxmlformats.org/officeDocument/2006/relationships" xmlns:p="http://schemas.openxmlformats.org/presentationml/2006/main" showMasterSp="0" showMasterPhAnim="0">
-  <p:cSld>
-    <p:spTree>
-      <p:nvGrpSpPr>
-        <p:cNvPr id="1" name="Shape 102">
-          <a:extLst>
-            <a:ext uri="{FF2B5EF4-FFF2-40B4-BE49-F238E27FC236}">
-              <a16:creationId xmlns:a16="http://schemas.microsoft.com/office/drawing/2014/main" id="{07D9CC46-9E91-F279-3CF3-4178229D664B}"/>
-            </a:ext>
-          </a:extLst>
-        </p:cNvPr>
-        <p:cNvGrpSpPr/>
-        <p:nvPr/>
-      </p:nvGrpSpPr>
-      <p:grpSpPr>
-        <a:xfrm>
-          <a:off x="0" y="0"/>
-          <a:ext cx="0" cy="0"/>
-          <a:chOff x="0" y="0"/>
-          <a:chExt cx="0" cy="0"/>
-        </a:xfrm>
-      </p:grpSpPr>
-      <p:sp>
-        <p:nvSpPr>
-          <p:cNvPr id="103" name="Google Shape;103;p3:notes">
-            <a:extLst>
-              <a:ext uri="{FF2B5EF4-FFF2-40B4-BE49-F238E27FC236}">
-                <a16:creationId xmlns:a16="http://schemas.microsoft.com/office/drawing/2014/main" id="{1786ECEA-1613-799F-288C-63E3DB60983E}"/>
-              </a:ext>
-            </a:extLst>
-          </p:cNvPr>
-          <p:cNvSpPr txBox="1">
-            <a:spLocks noGrp="1"/>
-          </p:cNvSpPr>
-          <p:nvPr>
-            <p:ph type="body" idx="1"/>
-          </p:nvPr>
-        </p:nvSpPr>
-        <p:spPr>
-          <a:xfrm>
-            <a:off x="685800" y="4400550"/>
-            <a:ext cx="5486400" cy="3600450"/>
-          </a:xfrm>
-          <a:prstGeom prst="rect">
-            <a:avLst/>
-          </a:prstGeom>
-        </p:spPr>
-        <p:txBody>
-          <a:bodyPr spcFirstLastPara="1" wrap="square" lIns="91425" tIns="45700" rIns="91425" bIns="45700" anchor="t" anchorCtr="0">
-            <a:noAutofit/>
-          </a:bodyPr>
-          <a:lstStyle/>
-          <a:p>
-            <a:pPr marL="0" lvl="0" indent="0" algn="l" rtl="0">
-              <a:spcBef>
-                <a:spcPts val="0"/>
-              </a:spcBef>
-              <a:spcAft>
-                <a:spcPts val="0"/>
-              </a:spcAft>
-              <a:buNone/>
-            </a:pPr>
-            <a:endParaRPr/>
-          </a:p>
-        </p:txBody>
-      </p:sp>
-      <p:sp>
-        <p:nvSpPr>
-          <p:cNvPr id="104" name="Google Shape;104;p3:notes">
-            <a:extLst>
-              <a:ext uri="{FF2B5EF4-FFF2-40B4-BE49-F238E27FC236}">
-                <a16:creationId xmlns:a16="http://schemas.microsoft.com/office/drawing/2014/main" id="{69B1CFF6-FF55-7CF3-C04C-55AD49BE4A05}"/>
-              </a:ext>
-            </a:extLst>
-          </p:cNvPr>
-          <p:cNvSpPr>
-            <a:spLocks noGrp="1" noRot="1" noChangeAspect="1"/>
-          </p:cNvSpPr>
-          <p:nvPr>
-            <p:ph type="sldImg" idx="2"/>
-          </p:nvPr>
-        </p:nvSpPr>
-        <p:spPr>
-          <a:xfrm>
-            <a:off x="685800" y="1143000"/>
-            <a:ext cx="5486400" cy="3086100"/>
-          </a:xfrm>
-          <a:custGeom>
-            <a:avLst/>
-            <a:gdLst/>
-            <a:ahLst/>
-            <a:cxnLst/>
-            <a:rect l="l" t="t" r="r" b="b"/>
-            <a:pathLst>
-              <a:path w="120000" h="120000" extrusionOk="0">
-                <a:moveTo>
-                  <a:pt x="0" y="0"/>
-                </a:moveTo>
-                <a:lnTo>
-                  <a:pt x="120000" y="0"/>
-                </a:lnTo>
-                <a:lnTo>
-                  <a:pt x="120000" y="120000"/>
-                </a:lnTo>
-                <a:lnTo>
-                  <a:pt x="0" y="120000"/>
-                </a:lnTo>
-                <a:close/>
-              </a:path>
-            </a:pathLst>
-          </a:custGeom>
-        </p:spPr>
-      </p:sp>
-    </p:spTree>
-    <p:extLst>
-      <p:ext uri="{BB962C8B-B14F-4D97-AF65-F5344CB8AC3E}">
-        <p14:creationId xmlns:p14="http://schemas.microsoft.com/office/powerpoint/2010/main" val="3208316306"/>
-      </p:ext>
-    </p:extLst>
-  </p:cSld>
-  <p:clrMapOvr>
-    <a:masterClrMapping/>
-  </p:clrMapOvr>
-</p:notes>
-</file>
-
-<file path=ppt/notesSlides/notesSlide14.xml><?xml version="1.0" encoding="utf-8"?>
-<p:notes xmlns:a="http://schemas.openxmlformats.org/drawingml/2006/main" xmlns:r="http://schemas.openxmlformats.org/officeDocument/2006/relationships" xmlns:p="http://schemas.openxmlformats.org/presentationml/2006/main" showMasterSp="0" showMasterPhAnim="0">
-  <p:cSld>
-    <p:spTree>
-      <p:nvGrpSpPr>
         <p:cNvPr id="1" name="Shape 84">
           <a:extLst>
             <a:ext uri="{FF2B5EF4-FFF2-40B4-BE49-F238E27FC236}">
@@ -2383,7 +1805,7 @@
             </a:pPr>
             <a:fld id="{00000000-1234-1234-1234-123412341234}" type="slidenum">
               <a:rPr lang="en-PH"/>
-              <a:t>14</a:t>
+              <a:t>10</a:t>
             </a:fld>
             <a:endParaRPr/>
           </a:p>
@@ -2402,7 +1824,7 @@
 </p:notes>
 </file>
 
-<file path=ppt/notesSlides/notesSlide15.xml><?xml version="1.0" encoding="utf-8"?>
+<file path=ppt/notesSlides/notesSlide11.xml><?xml version="1.0" encoding="utf-8"?>
 <p:notes xmlns:a="http://schemas.openxmlformats.org/drawingml/2006/main" xmlns:r="http://schemas.openxmlformats.org/officeDocument/2006/relationships" xmlns:p="http://schemas.openxmlformats.org/presentationml/2006/main" showMasterSp="0" showMasterPhAnim="0">
   <p:cSld>
     <p:spTree>
@@ -2529,7 +1951,7 @@
 </p:notes>
 </file>
 
-<file path=ppt/notesSlides/notesSlide16.xml><?xml version="1.0" encoding="utf-8"?>
+<file path=ppt/notesSlides/notesSlide12.xml><?xml version="1.0" encoding="utf-8"?>
 <p:notes xmlns:a="http://schemas.openxmlformats.org/drawingml/2006/main" xmlns:r="http://schemas.openxmlformats.org/officeDocument/2006/relationships" xmlns:p="http://schemas.openxmlformats.org/presentationml/2006/main" showMasterSp="0" showMasterPhAnim="0">
   <p:cSld>
     <p:spTree>
@@ -2703,7 +2125,7 @@
             </a:pPr>
             <a:fld id="{00000000-1234-1234-1234-123412341234}" type="slidenum">
               <a:rPr lang="en-PH"/>
-              <a:t>16</a:t>
+              <a:t>12</a:t>
             </a:fld>
             <a:endParaRPr/>
           </a:p>
@@ -2722,7 +2144,7 @@
 </p:notes>
 </file>
 
-<file path=ppt/notesSlides/notesSlide17.xml><?xml version="1.0" encoding="utf-8"?>
+<file path=ppt/notesSlides/notesSlide13.xml><?xml version="1.0" encoding="utf-8"?>
 <p:notes xmlns:a="http://schemas.openxmlformats.org/drawingml/2006/main" xmlns:r="http://schemas.openxmlformats.org/officeDocument/2006/relationships" xmlns:p="http://schemas.openxmlformats.org/presentationml/2006/main" showMasterSp="0" showMasterPhAnim="0">
   <p:cSld>
     <p:spTree>
@@ -2849,7 +2271,7 @@
 </p:notes>
 </file>
 
-<file path=ppt/notesSlides/notesSlide18.xml><?xml version="1.0" encoding="utf-8"?>
+<file path=ppt/notesSlides/notesSlide14.xml><?xml version="1.0" encoding="utf-8"?>
 <p:notes xmlns:a="http://schemas.openxmlformats.org/drawingml/2006/main" xmlns:r="http://schemas.openxmlformats.org/officeDocument/2006/relationships" xmlns:p="http://schemas.openxmlformats.org/presentationml/2006/main" showMasterSp="0" showMasterPhAnim="0">
   <p:cSld>
     <p:spTree>
@@ -3301,514 +2723,6 @@
   <p:cSld>
     <p:spTree>
       <p:nvGrpSpPr>
-        <p:cNvPr id="1" name="Shape 102">
-          <a:extLst>
-            <a:ext uri="{FF2B5EF4-FFF2-40B4-BE49-F238E27FC236}">
-              <a16:creationId xmlns:a16="http://schemas.microsoft.com/office/drawing/2014/main" id="{F28E8241-7453-5380-BC25-7633B955B10F}"/>
-            </a:ext>
-          </a:extLst>
-        </p:cNvPr>
-        <p:cNvGrpSpPr/>
-        <p:nvPr/>
-      </p:nvGrpSpPr>
-      <p:grpSpPr>
-        <a:xfrm>
-          <a:off x="0" y="0"/>
-          <a:ext cx="0" cy="0"/>
-          <a:chOff x="0" y="0"/>
-          <a:chExt cx="0" cy="0"/>
-        </a:xfrm>
-      </p:grpSpPr>
-      <p:sp>
-        <p:nvSpPr>
-          <p:cNvPr id="103" name="Google Shape;103;p3:notes">
-            <a:extLst>
-              <a:ext uri="{FF2B5EF4-FFF2-40B4-BE49-F238E27FC236}">
-                <a16:creationId xmlns:a16="http://schemas.microsoft.com/office/drawing/2014/main" id="{C5E0F968-4359-A515-E9B6-0CDED2B72653}"/>
-              </a:ext>
-            </a:extLst>
-          </p:cNvPr>
-          <p:cNvSpPr txBox="1">
-            <a:spLocks noGrp="1"/>
-          </p:cNvSpPr>
-          <p:nvPr>
-            <p:ph type="body" idx="1"/>
-          </p:nvPr>
-        </p:nvSpPr>
-        <p:spPr>
-          <a:xfrm>
-            <a:off x="685800" y="4400550"/>
-            <a:ext cx="5486400" cy="3600450"/>
-          </a:xfrm>
-          <a:prstGeom prst="rect">
-            <a:avLst/>
-          </a:prstGeom>
-        </p:spPr>
-        <p:txBody>
-          <a:bodyPr spcFirstLastPara="1" wrap="square" lIns="91425" tIns="45700" rIns="91425" bIns="45700" anchor="t" anchorCtr="0">
-            <a:noAutofit/>
-          </a:bodyPr>
-          <a:lstStyle/>
-          <a:p>
-            <a:pPr marL="0" lvl="0" indent="0" algn="l" rtl="0">
-              <a:spcBef>
-                <a:spcPts val="0"/>
-              </a:spcBef>
-              <a:spcAft>
-                <a:spcPts val="0"/>
-              </a:spcAft>
-              <a:buNone/>
-            </a:pPr>
-            <a:endParaRPr/>
-          </a:p>
-        </p:txBody>
-      </p:sp>
-      <p:sp>
-        <p:nvSpPr>
-          <p:cNvPr id="104" name="Google Shape;104;p3:notes">
-            <a:extLst>
-              <a:ext uri="{FF2B5EF4-FFF2-40B4-BE49-F238E27FC236}">
-                <a16:creationId xmlns:a16="http://schemas.microsoft.com/office/drawing/2014/main" id="{1EAEF014-7B12-7EE3-95ED-0D24C6D93B8B}"/>
-              </a:ext>
-            </a:extLst>
-          </p:cNvPr>
-          <p:cNvSpPr>
-            <a:spLocks noGrp="1" noRot="1" noChangeAspect="1"/>
-          </p:cNvSpPr>
-          <p:nvPr>
-            <p:ph type="sldImg" idx="2"/>
-          </p:nvPr>
-        </p:nvSpPr>
-        <p:spPr>
-          <a:xfrm>
-            <a:off x="685800" y="1143000"/>
-            <a:ext cx="5486400" cy="3086100"/>
-          </a:xfrm>
-          <a:custGeom>
-            <a:avLst/>
-            <a:gdLst/>
-            <a:ahLst/>
-            <a:cxnLst/>
-            <a:rect l="l" t="t" r="r" b="b"/>
-            <a:pathLst>
-              <a:path w="120000" h="120000" extrusionOk="0">
-                <a:moveTo>
-                  <a:pt x="0" y="0"/>
-                </a:moveTo>
-                <a:lnTo>
-                  <a:pt x="120000" y="0"/>
-                </a:lnTo>
-                <a:lnTo>
-                  <a:pt x="120000" y="120000"/>
-                </a:lnTo>
-                <a:lnTo>
-                  <a:pt x="0" y="120000"/>
-                </a:lnTo>
-                <a:close/>
-              </a:path>
-            </a:pathLst>
-          </a:custGeom>
-        </p:spPr>
-      </p:sp>
-    </p:spTree>
-    <p:extLst>
-      <p:ext uri="{BB962C8B-B14F-4D97-AF65-F5344CB8AC3E}">
-        <p14:creationId xmlns:p14="http://schemas.microsoft.com/office/powerpoint/2010/main" val="2633592981"/>
-      </p:ext>
-    </p:extLst>
-  </p:cSld>
-  <p:clrMapOvr>
-    <a:masterClrMapping/>
-  </p:clrMapOvr>
-</p:notes>
-</file>
-
-<file path=ppt/notesSlides/notesSlide5.xml><?xml version="1.0" encoding="utf-8"?>
-<p:notes xmlns:a="http://schemas.openxmlformats.org/drawingml/2006/main" xmlns:r="http://schemas.openxmlformats.org/officeDocument/2006/relationships" xmlns:p="http://schemas.openxmlformats.org/presentationml/2006/main" showMasterSp="0" showMasterPhAnim="0">
-  <p:cSld>
-    <p:spTree>
-      <p:nvGrpSpPr>
-        <p:cNvPr id="1" name="Shape 102">
-          <a:extLst>
-            <a:ext uri="{FF2B5EF4-FFF2-40B4-BE49-F238E27FC236}">
-              <a16:creationId xmlns:a16="http://schemas.microsoft.com/office/drawing/2014/main" id="{0F8BD6D7-E4A6-C6D0-738D-66F085F401EE}"/>
-            </a:ext>
-          </a:extLst>
-        </p:cNvPr>
-        <p:cNvGrpSpPr/>
-        <p:nvPr/>
-      </p:nvGrpSpPr>
-      <p:grpSpPr>
-        <a:xfrm>
-          <a:off x="0" y="0"/>
-          <a:ext cx="0" cy="0"/>
-          <a:chOff x="0" y="0"/>
-          <a:chExt cx="0" cy="0"/>
-        </a:xfrm>
-      </p:grpSpPr>
-      <p:sp>
-        <p:nvSpPr>
-          <p:cNvPr id="103" name="Google Shape;103;p3:notes">
-            <a:extLst>
-              <a:ext uri="{FF2B5EF4-FFF2-40B4-BE49-F238E27FC236}">
-                <a16:creationId xmlns:a16="http://schemas.microsoft.com/office/drawing/2014/main" id="{7F75CE6F-CA70-AF51-2D55-928F580ACA6A}"/>
-              </a:ext>
-            </a:extLst>
-          </p:cNvPr>
-          <p:cNvSpPr txBox="1">
-            <a:spLocks noGrp="1"/>
-          </p:cNvSpPr>
-          <p:nvPr>
-            <p:ph type="body" idx="1"/>
-          </p:nvPr>
-        </p:nvSpPr>
-        <p:spPr>
-          <a:xfrm>
-            <a:off x="685800" y="4400550"/>
-            <a:ext cx="5486400" cy="3600450"/>
-          </a:xfrm>
-          <a:prstGeom prst="rect">
-            <a:avLst/>
-          </a:prstGeom>
-        </p:spPr>
-        <p:txBody>
-          <a:bodyPr spcFirstLastPara="1" wrap="square" lIns="91425" tIns="45700" rIns="91425" bIns="45700" anchor="t" anchorCtr="0">
-            <a:noAutofit/>
-          </a:bodyPr>
-          <a:lstStyle/>
-          <a:p>
-            <a:pPr marL="0" lvl="0" indent="0" algn="l" rtl="0">
-              <a:spcBef>
-                <a:spcPts val="0"/>
-              </a:spcBef>
-              <a:spcAft>
-                <a:spcPts val="0"/>
-              </a:spcAft>
-              <a:buNone/>
-            </a:pPr>
-            <a:endParaRPr/>
-          </a:p>
-        </p:txBody>
-      </p:sp>
-      <p:sp>
-        <p:nvSpPr>
-          <p:cNvPr id="104" name="Google Shape;104;p3:notes">
-            <a:extLst>
-              <a:ext uri="{FF2B5EF4-FFF2-40B4-BE49-F238E27FC236}">
-                <a16:creationId xmlns:a16="http://schemas.microsoft.com/office/drawing/2014/main" id="{DB359F34-20BA-70A0-8F71-8570ECA0A869}"/>
-              </a:ext>
-            </a:extLst>
-          </p:cNvPr>
-          <p:cNvSpPr>
-            <a:spLocks noGrp="1" noRot="1" noChangeAspect="1"/>
-          </p:cNvSpPr>
-          <p:nvPr>
-            <p:ph type="sldImg" idx="2"/>
-          </p:nvPr>
-        </p:nvSpPr>
-        <p:spPr>
-          <a:xfrm>
-            <a:off x="685800" y="1143000"/>
-            <a:ext cx="5486400" cy="3086100"/>
-          </a:xfrm>
-          <a:custGeom>
-            <a:avLst/>
-            <a:gdLst/>
-            <a:ahLst/>
-            <a:cxnLst/>
-            <a:rect l="l" t="t" r="r" b="b"/>
-            <a:pathLst>
-              <a:path w="120000" h="120000" extrusionOk="0">
-                <a:moveTo>
-                  <a:pt x="0" y="0"/>
-                </a:moveTo>
-                <a:lnTo>
-                  <a:pt x="120000" y="0"/>
-                </a:lnTo>
-                <a:lnTo>
-                  <a:pt x="120000" y="120000"/>
-                </a:lnTo>
-                <a:lnTo>
-                  <a:pt x="0" y="120000"/>
-                </a:lnTo>
-                <a:close/>
-              </a:path>
-            </a:pathLst>
-          </a:custGeom>
-        </p:spPr>
-      </p:sp>
-    </p:spTree>
-    <p:extLst>
-      <p:ext uri="{BB962C8B-B14F-4D97-AF65-F5344CB8AC3E}">
-        <p14:creationId xmlns:p14="http://schemas.microsoft.com/office/powerpoint/2010/main" val="3227790082"/>
-      </p:ext>
-    </p:extLst>
-  </p:cSld>
-  <p:clrMapOvr>
-    <a:masterClrMapping/>
-  </p:clrMapOvr>
-</p:notes>
-</file>
-
-<file path=ppt/notesSlides/notesSlide6.xml><?xml version="1.0" encoding="utf-8"?>
-<p:notes xmlns:a="http://schemas.openxmlformats.org/drawingml/2006/main" xmlns:r="http://schemas.openxmlformats.org/officeDocument/2006/relationships" xmlns:p="http://schemas.openxmlformats.org/presentationml/2006/main" showMasterSp="0" showMasterPhAnim="0">
-  <p:cSld>
-    <p:spTree>
-      <p:nvGrpSpPr>
-        <p:cNvPr id="1" name="Shape 102">
-          <a:extLst>
-            <a:ext uri="{FF2B5EF4-FFF2-40B4-BE49-F238E27FC236}">
-              <a16:creationId xmlns:a16="http://schemas.microsoft.com/office/drawing/2014/main" id="{346E3F68-F1C9-B2AD-8B5D-9D8B01AFD9AC}"/>
-            </a:ext>
-          </a:extLst>
-        </p:cNvPr>
-        <p:cNvGrpSpPr/>
-        <p:nvPr/>
-      </p:nvGrpSpPr>
-      <p:grpSpPr>
-        <a:xfrm>
-          <a:off x="0" y="0"/>
-          <a:ext cx="0" cy="0"/>
-          <a:chOff x="0" y="0"/>
-          <a:chExt cx="0" cy="0"/>
-        </a:xfrm>
-      </p:grpSpPr>
-      <p:sp>
-        <p:nvSpPr>
-          <p:cNvPr id="103" name="Google Shape;103;p3:notes">
-            <a:extLst>
-              <a:ext uri="{FF2B5EF4-FFF2-40B4-BE49-F238E27FC236}">
-                <a16:creationId xmlns:a16="http://schemas.microsoft.com/office/drawing/2014/main" id="{3735C3C3-5DC0-DE67-7903-D7FEAD8992A5}"/>
-              </a:ext>
-            </a:extLst>
-          </p:cNvPr>
-          <p:cNvSpPr txBox="1">
-            <a:spLocks noGrp="1"/>
-          </p:cNvSpPr>
-          <p:nvPr>
-            <p:ph type="body" idx="1"/>
-          </p:nvPr>
-        </p:nvSpPr>
-        <p:spPr>
-          <a:xfrm>
-            <a:off x="685800" y="4400550"/>
-            <a:ext cx="5486400" cy="3600450"/>
-          </a:xfrm>
-          <a:prstGeom prst="rect">
-            <a:avLst/>
-          </a:prstGeom>
-        </p:spPr>
-        <p:txBody>
-          <a:bodyPr spcFirstLastPara="1" wrap="square" lIns="91425" tIns="45700" rIns="91425" bIns="45700" anchor="t" anchorCtr="0">
-            <a:noAutofit/>
-          </a:bodyPr>
-          <a:lstStyle/>
-          <a:p>
-            <a:pPr marL="0" lvl="0" indent="0" algn="l" rtl="0">
-              <a:spcBef>
-                <a:spcPts val="0"/>
-              </a:spcBef>
-              <a:spcAft>
-                <a:spcPts val="0"/>
-              </a:spcAft>
-              <a:buNone/>
-            </a:pPr>
-            <a:endParaRPr/>
-          </a:p>
-        </p:txBody>
-      </p:sp>
-      <p:sp>
-        <p:nvSpPr>
-          <p:cNvPr id="104" name="Google Shape;104;p3:notes">
-            <a:extLst>
-              <a:ext uri="{FF2B5EF4-FFF2-40B4-BE49-F238E27FC236}">
-                <a16:creationId xmlns:a16="http://schemas.microsoft.com/office/drawing/2014/main" id="{CAA55018-3523-63B8-0D5A-030F794AA187}"/>
-              </a:ext>
-            </a:extLst>
-          </p:cNvPr>
-          <p:cNvSpPr>
-            <a:spLocks noGrp="1" noRot="1" noChangeAspect="1"/>
-          </p:cNvSpPr>
-          <p:nvPr>
-            <p:ph type="sldImg" idx="2"/>
-          </p:nvPr>
-        </p:nvSpPr>
-        <p:spPr>
-          <a:xfrm>
-            <a:off x="685800" y="1143000"/>
-            <a:ext cx="5486400" cy="3086100"/>
-          </a:xfrm>
-          <a:custGeom>
-            <a:avLst/>
-            <a:gdLst/>
-            <a:ahLst/>
-            <a:cxnLst/>
-            <a:rect l="l" t="t" r="r" b="b"/>
-            <a:pathLst>
-              <a:path w="120000" h="120000" extrusionOk="0">
-                <a:moveTo>
-                  <a:pt x="0" y="0"/>
-                </a:moveTo>
-                <a:lnTo>
-                  <a:pt x="120000" y="0"/>
-                </a:lnTo>
-                <a:lnTo>
-                  <a:pt x="120000" y="120000"/>
-                </a:lnTo>
-                <a:lnTo>
-                  <a:pt x="0" y="120000"/>
-                </a:lnTo>
-                <a:close/>
-              </a:path>
-            </a:pathLst>
-          </a:custGeom>
-        </p:spPr>
-      </p:sp>
-    </p:spTree>
-    <p:extLst>
-      <p:ext uri="{BB962C8B-B14F-4D97-AF65-F5344CB8AC3E}">
-        <p14:creationId xmlns:p14="http://schemas.microsoft.com/office/powerpoint/2010/main" val="2032304554"/>
-      </p:ext>
-    </p:extLst>
-  </p:cSld>
-  <p:clrMapOvr>
-    <a:masterClrMapping/>
-  </p:clrMapOvr>
-</p:notes>
-</file>
-
-<file path=ppt/notesSlides/notesSlide7.xml><?xml version="1.0" encoding="utf-8"?>
-<p:notes xmlns:a="http://schemas.openxmlformats.org/drawingml/2006/main" xmlns:r="http://schemas.openxmlformats.org/officeDocument/2006/relationships" xmlns:p="http://schemas.openxmlformats.org/presentationml/2006/main" showMasterSp="0" showMasterPhAnim="0">
-  <p:cSld>
-    <p:spTree>
-      <p:nvGrpSpPr>
-        <p:cNvPr id="1" name="Shape 102">
-          <a:extLst>
-            <a:ext uri="{FF2B5EF4-FFF2-40B4-BE49-F238E27FC236}">
-              <a16:creationId xmlns:a16="http://schemas.microsoft.com/office/drawing/2014/main" id="{8152B30C-D735-A348-6F3E-EB70FA1AE7AA}"/>
-            </a:ext>
-          </a:extLst>
-        </p:cNvPr>
-        <p:cNvGrpSpPr/>
-        <p:nvPr/>
-      </p:nvGrpSpPr>
-      <p:grpSpPr>
-        <a:xfrm>
-          <a:off x="0" y="0"/>
-          <a:ext cx="0" cy="0"/>
-          <a:chOff x="0" y="0"/>
-          <a:chExt cx="0" cy="0"/>
-        </a:xfrm>
-      </p:grpSpPr>
-      <p:sp>
-        <p:nvSpPr>
-          <p:cNvPr id="103" name="Google Shape;103;p3:notes">
-            <a:extLst>
-              <a:ext uri="{FF2B5EF4-FFF2-40B4-BE49-F238E27FC236}">
-                <a16:creationId xmlns:a16="http://schemas.microsoft.com/office/drawing/2014/main" id="{022D048C-E833-1FA6-B1AA-0D948A281DBC}"/>
-              </a:ext>
-            </a:extLst>
-          </p:cNvPr>
-          <p:cNvSpPr txBox="1">
-            <a:spLocks noGrp="1"/>
-          </p:cNvSpPr>
-          <p:nvPr>
-            <p:ph type="body" idx="1"/>
-          </p:nvPr>
-        </p:nvSpPr>
-        <p:spPr>
-          <a:xfrm>
-            <a:off x="685800" y="4400550"/>
-            <a:ext cx="5486400" cy="3600450"/>
-          </a:xfrm>
-          <a:prstGeom prst="rect">
-            <a:avLst/>
-          </a:prstGeom>
-        </p:spPr>
-        <p:txBody>
-          <a:bodyPr spcFirstLastPara="1" wrap="square" lIns="91425" tIns="45700" rIns="91425" bIns="45700" anchor="t" anchorCtr="0">
-            <a:noAutofit/>
-          </a:bodyPr>
-          <a:lstStyle/>
-          <a:p>
-            <a:pPr marL="0" lvl="0" indent="0" algn="l" rtl="0">
-              <a:spcBef>
-                <a:spcPts val="0"/>
-              </a:spcBef>
-              <a:spcAft>
-                <a:spcPts val="0"/>
-              </a:spcAft>
-              <a:buNone/>
-            </a:pPr>
-            <a:endParaRPr/>
-          </a:p>
-        </p:txBody>
-      </p:sp>
-      <p:sp>
-        <p:nvSpPr>
-          <p:cNvPr id="104" name="Google Shape;104;p3:notes">
-            <a:extLst>
-              <a:ext uri="{FF2B5EF4-FFF2-40B4-BE49-F238E27FC236}">
-                <a16:creationId xmlns:a16="http://schemas.microsoft.com/office/drawing/2014/main" id="{EBA78BE1-AC06-5C38-3D3A-1A98CF6B0DF1}"/>
-              </a:ext>
-            </a:extLst>
-          </p:cNvPr>
-          <p:cNvSpPr>
-            <a:spLocks noGrp="1" noRot="1" noChangeAspect="1"/>
-          </p:cNvSpPr>
-          <p:nvPr>
-            <p:ph type="sldImg" idx="2"/>
-          </p:nvPr>
-        </p:nvSpPr>
-        <p:spPr>
-          <a:xfrm>
-            <a:off x="685800" y="1143000"/>
-            <a:ext cx="5486400" cy="3086100"/>
-          </a:xfrm>
-          <a:custGeom>
-            <a:avLst/>
-            <a:gdLst/>
-            <a:ahLst/>
-            <a:cxnLst/>
-            <a:rect l="l" t="t" r="r" b="b"/>
-            <a:pathLst>
-              <a:path w="120000" h="120000" extrusionOk="0">
-                <a:moveTo>
-                  <a:pt x="0" y="0"/>
-                </a:moveTo>
-                <a:lnTo>
-                  <a:pt x="120000" y="0"/>
-                </a:lnTo>
-                <a:lnTo>
-                  <a:pt x="120000" y="120000"/>
-                </a:lnTo>
-                <a:lnTo>
-                  <a:pt x="0" y="120000"/>
-                </a:lnTo>
-                <a:close/>
-              </a:path>
-            </a:pathLst>
-          </a:custGeom>
-        </p:spPr>
-      </p:sp>
-    </p:spTree>
-    <p:extLst>
-      <p:ext uri="{BB962C8B-B14F-4D97-AF65-F5344CB8AC3E}">
-        <p14:creationId xmlns:p14="http://schemas.microsoft.com/office/powerpoint/2010/main" val="2084322171"/>
-      </p:ext>
-    </p:extLst>
-  </p:cSld>
-  <p:clrMapOvr>
-    <a:masterClrMapping/>
-  </p:clrMapOvr>
-</p:notes>
-</file>
-
-<file path=ppt/notesSlides/notesSlide8.xml><?xml version="1.0" encoding="utf-8"?>
-<p:notes xmlns:a="http://schemas.openxmlformats.org/drawingml/2006/main" xmlns:r="http://schemas.openxmlformats.org/officeDocument/2006/relationships" xmlns:p="http://schemas.openxmlformats.org/presentationml/2006/main" showMasterSp="0" showMasterPhAnim="0">
-  <p:cSld>
-    <p:spTree>
-      <p:nvGrpSpPr>
         <p:cNvPr id="1" name="Shape 84">
           <a:extLst>
             <a:ext uri="{FF2B5EF4-FFF2-40B4-BE49-F238E27FC236}">
@@ -3978,7 +2892,7 @@
             </a:pPr>
             <a:fld id="{00000000-1234-1234-1234-123412341234}" type="slidenum">
               <a:rPr lang="en-PH"/>
-              <a:t>8</a:t>
+              <a:t>4</a:t>
             </a:fld>
             <a:endParaRPr/>
           </a:p>
@@ -3997,7 +2911,7 @@
 </p:notes>
 </file>
 
-<file path=ppt/notesSlides/notesSlide9.xml><?xml version="1.0" encoding="utf-8"?>
+<file path=ppt/notesSlides/notesSlide5.xml><?xml version="1.0" encoding="utf-8"?>
 <p:notes xmlns:a="http://schemas.openxmlformats.org/drawingml/2006/main" xmlns:r="http://schemas.openxmlformats.org/officeDocument/2006/relationships" xmlns:p="http://schemas.openxmlformats.org/presentationml/2006/main" showMasterSp="0" showMasterPhAnim="0">
   <p:cSld>
     <p:spTree>
@@ -4115,6 +3029,580 @@
     <p:extLst>
       <p:ext uri="{BB962C8B-B14F-4D97-AF65-F5344CB8AC3E}">
         <p14:creationId xmlns:p14="http://schemas.microsoft.com/office/powerpoint/2010/main" val="52164459"/>
+      </p:ext>
+    </p:extLst>
+  </p:cSld>
+  <p:clrMapOvr>
+    <a:masterClrMapping/>
+  </p:clrMapOvr>
+</p:notes>
+</file>
+
+<file path=ppt/notesSlides/notesSlide6.xml><?xml version="1.0" encoding="utf-8"?>
+<p:notes xmlns:a="http://schemas.openxmlformats.org/drawingml/2006/main" xmlns:r="http://schemas.openxmlformats.org/officeDocument/2006/relationships" xmlns:p="http://schemas.openxmlformats.org/presentationml/2006/main" showMasterSp="0" showMasterPhAnim="0">
+  <p:cSld>
+    <p:spTree>
+      <p:nvGrpSpPr>
+        <p:cNvPr id="1" name="Shape 102">
+          <a:extLst>
+            <a:ext uri="{FF2B5EF4-FFF2-40B4-BE49-F238E27FC236}">
+              <a16:creationId xmlns:a16="http://schemas.microsoft.com/office/drawing/2014/main" id="{235B77C4-1E33-1F5B-5F23-2253A58C5637}"/>
+            </a:ext>
+          </a:extLst>
+        </p:cNvPr>
+        <p:cNvGrpSpPr/>
+        <p:nvPr/>
+      </p:nvGrpSpPr>
+      <p:grpSpPr>
+        <a:xfrm>
+          <a:off x="0" y="0"/>
+          <a:ext cx="0" cy="0"/>
+          <a:chOff x="0" y="0"/>
+          <a:chExt cx="0" cy="0"/>
+        </a:xfrm>
+      </p:grpSpPr>
+      <p:sp>
+        <p:nvSpPr>
+          <p:cNvPr id="103" name="Google Shape;103;p3:notes">
+            <a:extLst>
+              <a:ext uri="{FF2B5EF4-FFF2-40B4-BE49-F238E27FC236}">
+                <a16:creationId xmlns:a16="http://schemas.microsoft.com/office/drawing/2014/main" id="{DB471363-199A-771B-1D4B-512337E6F13F}"/>
+              </a:ext>
+            </a:extLst>
+          </p:cNvPr>
+          <p:cNvSpPr txBox="1">
+            <a:spLocks noGrp="1"/>
+          </p:cNvSpPr>
+          <p:nvPr>
+            <p:ph type="body" idx="1"/>
+          </p:nvPr>
+        </p:nvSpPr>
+        <p:spPr>
+          <a:xfrm>
+            <a:off x="685800" y="4400550"/>
+            <a:ext cx="5486400" cy="3600450"/>
+          </a:xfrm>
+          <a:prstGeom prst="rect">
+            <a:avLst/>
+          </a:prstGeom>
+        </p:spPr>
+        <p:txBody>
+          <a:bodyPr spcFirstLastPara="1" wrap="square" lIns="91425" tIns="45700" rIns="91425" bIns="45700" anchor="t" anchorCtr="0">
+            <a:noAutofit/>
+          </a:bodyPr>
+          <a:lstStyle/>
+          <a:p>
+            <a:pPr marL="0" lvl="0" indent="0" algn="l" rtl="0">
+              <a:spcBef>
+                <a:spcPts val="0"/>
+              </a:spcBef>
+              <a:spcAft>
+                <a:spcPts val="0"/>
+              </a:spcAft>
+              <a:buNone/>
+            </a:pPr>
+            <a:endParaRPr/>
+          </a:p>
+        </p:txBody>
+      </p:sp>
+      <p:sp>
+        <p:nvSpPr>
+          <p:cNvPr id="104" name="Google Shape;104;p3:notes">
+            <a:extLst>
+              <a:ext uri="{FF2B5EF4-FFF2-40B4-BE49-F238E27FC236}">
+                <a16:creationId xmlns:a16="http://schemas.microsoft.com/office/drawing/2014/main" id="{B28109DB-65D2-878C-381C-6CA907AF69AE}"/>
+              </a:ext>
+            </a:extLst>
+          </p:cNvPr>
+          <p:cNvSpPr>
+            <a:spLocks noGrp="1" noRot="1" noChangeAspect="1"/>
+          </p:cNvSpPr>
+          <p:nvPr>
+            <p:ph type="sldImg" idx="2"/>
+          </p:nvPr>
+        </p:nvSpPr>
+        <p:spPr>
+          <a:xfrm>
+            <a:off x="685800" y="1143000"/>
+            <a:ext cx="5486400" cy="3086100"/>
+          </a:xfrm>
+          <a:custGeom>
+            <a:avLst/>
+            <a:gdLst/>
+            <a:ahLst/>
+            <a:cxnLst/>
+            <a:rect l="l" t="t" r="r" b="b"/>
+            <a:pathLst>
+              <a:path w="120000" h="120000" extrusionOk="0">
+                <a:moveTo>
+                  <a:pt x="0" y="0"/>
+                </a:moveTo>
+                <a:lnTo>
+                  <a:pt x="120000" y="0"/>
+                </a:lnTo>
+                <a:lnTo>
+                  <a:pt x="120000" y="120000"/>
+                </a:lnTo>
+                <a:lnTo>
+                  <a:pt x="0" y="120000"/>
+                </a:lnTo>
+                <a:close/>
+              </a:path>
+            </a:pathLst>
+          </a:custGeom>
+        </p:spPr>
+      </p:sp>
+    </p:spTree>
+    <p:extLst>
+      <p:ext uri="{BB962C8B-B14F-4D97-AF65-F5344CB8AC3E}">
+        <p14:creationId xmlns:p14="http://schemas.microsoft.com/office/powerpoint/2010/main" val="1505827389"/>
+      </p:ext>
+    </p:extLst>
+  </p:cSld>
+  <p:clrMapOvr>
+    <a:masterClrMapping/>
+  </p:clrMapOvr>
+</p:notes>
+</file>
+
+<file path=ppt/notesSlides/notesSlide7.xml><?xml version="1.0" encoding="utf-8"?>
+<p:notes xmlns:a="http://schemas.openxmlformats.org/drawingml/2006/main" xmlns:r="http://schemas.openxmlformats.org/officeDocument/2006/relationships" xmlns:p="http://schemas.openxmlformats.org/presentationml/2006/main" showMasterSp="0" showMasterPhAnim="0">
+  <p:cSld>
+    <p:spTree>
+      <p:nvGrpSpPr>
+        <p:cNvPr id="1" name="Shape 102">
+          <a:extLst>
+            <a:ext uri="{FF2B5EF4-FFF2-40B4-BE49-F238E27FC236}">
+              <a16:creationId xmlns:a16="http://schemas.microsoft.com/office/drawing/2014/main" id="{3F16C4EF-9D32-3BE6-5130-729DCCF1FED0}"/>
+            </a:ext>
+          </a:extLst>
+        </p:cNvPr>
+        <p:cNvGrpSpPr/>
+        <p:nvPr/>
+      </p:nvGrpSpPr>
+      <p:grpSpPr>
+        <a:xfrm>
+          <a:off x="0" y="0"/>
+          <a:ext cx="0" cy="0"/>
+          <a:chOff x="0" y="0"/>
+          <a:chExt cx="0" cy="0"/>
+        </a:xfrm>
+      </p:grpSpPr>
+      <p:sp>
+        <p:nvSpPr>
+          <p:cNvPr id="103" name="Google Shape;103;p3:notes">
+            <a:extLst>
+              <a:ext uri="{FF2B5EF4-FFF2-40B4-BE49-F238E27FC236}">
+                <a16:creationId xmlns:a16="http://schemas.microsoft.com/office/drawing/2014/main" id="{9F3AB627-B5C0-6EF1-E135-18B7367729DE}"/>
+              </a:ext>
+            </a:extLst>
+          </p:cNvPr>
+          <p:cNvSpPr txBox="1">
+            <a:spLocks noGrp="1"/>
+          </p:cNvSpPr>
+          <p:nvPr>
+            <p:ph type="body" idx="1"/>
+          </p:nvPr>
+        </p:nvSpPr>
+        <p:spPr>
+          <a:xfrm>
+            <a:off x="685800" y="4400550"/>
+            <a:ext cx="5486400" cy="3600450"/>
+          </a:xfrm>
+          <a:prstGeom prst="rect">
+            <a:avLst/>
+          </a:prstGeom>
+        </p:spPr>
+        <p:txBody>
+          <a:bodyPr spcFirstLastPara="1" wrap="square" lIns="91425" tIns="45700" rIns="91425" bIns="45700" anchor="t" anchorCtr="0">
+            <a:noAutofit/>
+          </a:bodyPr>
+          <a:lstStyle/>
+          <a:p>
+            <a:pPr marL="0" lvl="0" indent="0" algn="l" rtl="0">
+              <a:spcBef>
+                <a:spcPts val="0"/>
+              </a:spcBef>
+              <a:spcAft>
+                <a:spcPts val="0"/>
+              </a:spcAft>
+              <a:buNone/>
+            </a:pPr>
+            <a:endParaRPr/>
+          </a:p>
+        </p:txBody>
+      </p:sp>
+      <p:sp>
+        <p:nvSpPr>
+          <p:cNvPr id="104" name="Google Shape;104;p3:notes">
+            <a:extLst>
+              <a:ext uri="{FF2B5EF4-FFF2-40B4-BE49-F238E27FC236}">
+                <a16:creationId xmlns:a16="http://schemas.microsoft.com/office/drawing/2014/main" id="{78B8A8AE-3D9B-57B6-17FE-6B635EE74FAE}"/>
+              </a:ext>
+            </a:extLst>
+          </p:cNvPr>
+          <p:cNvSpPr>
+            <a:spLocks noGrp="1" noRot="1" noChangeAspect="1"/>
+          </p:cNvSpPr>
+          <p:nvPr>
+            <p:ph type="sldImg" idx="2"/>
+          </p:nvPr>
+        </p:nvSpPr>
+        <p:spPr>
+          <a:xfrm>
+            <a:off x="685800" y="1143000"/>
+            <a:ext cx="5486400" cy="3086100"/>
+          </a:xfrm>
+          <a:custGeom>
+            <a:avLst/>
+            <a:gdLst/>
+            <a:ahLst/>
+            <a:cxnLst/>
+            <a:rect l="l" t="t" r="r" b="b"/>
+            <a:pathLst>
+              <a:path w="120000" h="120000" extrusionOk="0">
+                <a:moveTo>
+                  <a:pt x="0" y="0"/>
+                </a:moveTo>
+                <a:lnTo>
+                  <a:pt x="120000" y="0"/>
+                </a:lnTo>
+                <a:lnTo>
+                  <a:pt x="120000" y="120000"/>
+                </a:lnTo>
+                <a:lnTo>
+                  <a:pt x="0" y="120000"/>
+                </a:lnTo>
+                <a:close/>
+              </a:path>
+            </a:pathLst>
+          </a:custGeom>
+        </p:spPr>
+      </p:sp>
+    </p:spTree>
+    <p:extLst>
+      <p:ext uri="{BB962C8B-B14F-4D97-AF65-F5344CB8AC3E}">
+        <p14:creationId xmlns:p14="http://schemas.microsoft.com/office/powerpoint/2010/main" val="1710593805"/>
+      </p:ext>
+    </p:extLst>
+  </p:cSld>
+  <p:clrMapOvr>
+    <a:masterClrMapping/>
+  </p:clrMapOvr>
+</p:notes>
+</file>
+
+<file path=ppt/notesSlides/notesSlide8.xml><?xml version="1.0" encoding="utf-8"?>
+<p:notes xmlns:a="http://schemas.openxmlformats.org/drawingml/2006/main" xmlns:r="http://schemas.openxmlformats.org/officeDocument/2006/relationships" xmlns:p="http://schemas.openxmlformats.org/presentationml/2006/main" showMasterSp="0" showMasterPhAnim="0">
+  <p:cSld>
+    <p:spTree>
+      <p:nvGrpSpPr>
+        <p:cNvPr id="1" name="Shape 84">
+          <a:extLst>
+            <a:ext uri="{FF2B5EF4-FFF2-40B4-BE49-F238E27FC236}">
+              <a16:creationId xmlns:a16="http://schemas.microsoft.com/office/drawing/2014/main" id="{5931626E-397C-5725-2D7D-DD2208073A47}"/>
+            </a:ext>
+          </a:extLst>
+        </p:cNvPr>
+        <p:cNvGrpSpPr/>
+        <p:nvPr/>
+      </p:nvGrpSpPr>
+      <p:grpSpPr>
+        <a:xfrm>
+          <a:off x="0" y="0"/>
+          <a:ext cx="0" cy="0"/>
+          <a:chOff x="0" y="0"/>
+          <a:chExt cx="0" cy="0"/>
+        </a:xfrm>
+      </p:grpSpPr>
+      <p:sp>
+        <p:nvSpPr>
+          <p:cNvPr id="85" name="Google Shape;85;p1:notes">
+            <a:extLst>
+              <a:ext uri="{FF2B5EF4-FFF2-40B4-BE49-F238E27FC236}">
+                <a16:creationId xmlns:a16="http://schemas.microsoft.com/office/drawing/2014/main" id="{404B9322-6F71-D9AE-81CE-61353CB5D190}"/>
+              </a:ext>
+            </a:extLst>
+          </p:cNvPr>
+          <p:cNvSpPr>
+            <a:spLocks noGrp="1" noRot="1" noChangeAspect="1"/>
+          </p:cNvSpPr>
+          <p:nvPr>
+            <p:ph type="sldImg" idx="2"/>
+          </p:nvPr>
+        </p:nvSpPr>
+        <p:spPr>
+          <a:xfrm>
+            <a:off x="685800" y="1143000"/>
+            <a:ext cx="5486400" cy="3086100"/>
+          </a:xfrm>
+          <a:custGeom>
+            <a:avLst/>
+            <a:gdLst/>
+            <a:ahLst/>
+            <a:cxnLst/>
+            <a:rect l="l" t="t" r="r" b="b"/>
+            <a:pathLst>
+              <a:path w="120000" h="120000" extrusionOk="0">
+                <a:moveTo>
+                  <a:pt x="0" y="0"/>
+                </a:moveTo>
+                <a:lnTo>
+                  <a:pt x="120000" y="0"/>
+                </a:lnTo>
+                <a:lnTo>
+                  <a:pt x="120000" y="120000"/>
+                </a:lnTo>
+                <a:lnTo>
+                  <a:pt x="0" y="120000"/>
+                </a:lnTo>
+                <a:close/>
+              </a:path>
+            </a:pathLst>
+          </a:custGeom>
+          <a:noFill/>
+          <a:ln w="12700" cap="flat" cmpd="sng">
+            <a:solidFill>
+              <a:srgbClr val="000000"/>
+            </a:solidFill>
+            <a:prstDash val="solid"/>
+            <a:round/>
+            <a:headEnd type="none" w="sm" len="sm"/>
+            <a:tailEnd type="none" w="sm" len="sm"/>
+          </a:ln>
+        </p:spPr>
+      </p:sp>
+      <p:sp>
+        <p:nvSpPr>
+          <p:cNvPr id="86" name="Google Shape;86;p1:notes">
+            <a:extLst>
+              <a:ext uri="{FF2B5EF4-FFF2-40B4-BE49-F238E27FC236}">
+                <a16:creationId xmlns:a16="http://schemas.microsoft.com/office/drawing/2014/main" id="{64CEE8EE-611F-8BD4-F8C7-849448991022}"/>
+              </a:ext>
+            </a:extLst>
+          </p:cNvPr>
+          <p:cNvSpPr txBox="1">
+            <a:spLocks noGrp="1"/>
+          </p:cNvSpPr>
+          <p:nvPr>
+            <p:ph type="body" idx="1"/>
+          </p:nvPr>
+        </p:nvSpPr>
+        <p:spPr>
+          <a:xfrm>
+            <a:off x="685800" y="4400550"/>
+            <a:ext cx="5486400" cy="3600450"/>
+          </a:xfrm>
+          <a:prstGeom prst="rect">
+            <a:avLst/>
+          </a:prstGeom>
+          <a:noFill/>
+          <a:ln>
+            <a:noFill/>
+          </a:ln>
+        </p:spPr>
+        <p:txBody>
+          <a:bodyPr spcFirstLastPara="1" wrap="square" lIns="91425" tIns="45700" rIns="91425" bIns="45700" anchor="t" anchorCtr="0">
+            <a:noAutofit/>
+          </a:bodyPr>
+          <a:lstStyle/>
+          <a:p>
+            <a:pPr marL="0" lvl="0" indent="0" algn="l" rtl="0">
+              <a:spcBef>
+                <a:spcPts val="0"/>
+              </a:spcBef>
+              <a:spcAft>
+                <a:spcPts val="0"/>
+              </a:spcAft>
+              <a:buNone/>
+            </a:pPr>
+            <a:endParaRPr/>
+          </a:p>
+        </p:txBody>
+      </p:sp>
+      <p:sp>
+        <p:nvSpPr>
+          <p:cNvPr id="87" name="Google Shape;87;p1:notes">
+            <a:extLst>
+              <a:ext uri="{FF2B5EF4-FFF2-40B4-BE49-F238E27FC236}">
+                <a16:creationId xmlns:a16="http://schemas.microsoft.com/office/drawing/2014/main" id="{00D4CC24-7966-A461-72FF-F8213CF09AED}"/>
+              </a:ext>
+            </a:extLst>
+          </p:cNvPr>
+          <p:cNvSpPr txBox="1">
+            <a:spLocks noGrp="1"/>
+          </p:cNvSpPr>
+          <p:nvPr>
+            <p:ph type="sldNum" idx="12"/>
+          </p:nvPr>
+        </p:nvSpPr>
+        <p:spPr>
+          <a:xfrm>
+            <a:off x="3884613" y="8685213"/>
+            <a:ext cx="2971800" cy="458787"/>
+          </a:xfrm>
+          <a:prstGeom prst="rect">
+            <a:avLst/>
+          </a:prstGeom>
+          <a:noFill/>
+          <a:ln>
+            <a:noFill/>
+          </a:ln>
+        </p:spPr>
+        <p:txBody>
+          <a:bodyPr spcFirstLastPara="1" wrap="square" lIns="91425" tIns="45700" rIns="91425" bIns="45700" anchor="b" anchorCtr="0">
+            <a:noAutofit/>
+          </a:bodyPr>
+          <a:lstStyle/>
+          <a:p>
+            <a:pPr marL="0" lvl="0" indent="0" algn="r" rtl="0">
+              <a:spcBef>
+                <a:spcPts val="0"/>
+              </a:spcBef>
+              <a:spcAft>
+                <a:spcPts val="0"/>
+              </a:spcAft>
+              <a:buNone/>
+            </a:pPr>
+            <a:fld id="{00000000-1234-1234-1234-123412341234}" type="slidenum">
+              <a:rPr lang="en-PH"/>
+              <a:t>8</a:t>
+            </a:fld>
+            <a:endParaRPr/>
+          </a:p>
+        </p:txBody>
+      </p:sp>
+    </p:spTree>
+    <p:extLst>
+      <p:ext uri="{BB962C8B-B14F-4D97-AF65-F5344CB8AC3E}">
+        <p14:creationId xmlns:p14="http://schemas.microsoft.com/office/powerpoint/2010/main" val="2382585599"/>
+      </p:ext>
+    </p:extLst>
+  </p:cSld>
+  <p:clrMapOvr>
+    <a:masterClrMapping/>
+  </p:clrMapOvr>
+</p:notes>
+</file>
+
+<file path=ppt/notesSlides/notesSlide9.xml><?xml version="1.0" encoding="utf-8"?>
+<p:notes xmlns:a="http://schemas.openxmlformats.org/drawingml/2006/main" xmlns:r="http://schemas.openxmlformats.org/officeDocument/2006/relationships" xmlns:p="http://schemas.openxmlformats.org/presentationml/2006/main" showMasterSp="0" showMasterPhAnim="0">
+  <p:cSld>
+    <p:spTree>
+      <p:nvGrpSpPr>
+        <p:cNvPr id="1" name="Shape 102">
+          <a:extLst>
+            <a:ext uri="{FF2B5EF4-FFF2-40B4-BE49-F238E27FC236}">
+              <a16:creationId xmlns:a16="http://schemas.microsoft.com/office/drawing/2014/main" id="{07D9CC46-9E91-F279-3CF3-4178229D664B}"/>
+            </a:ext>
+          </a:extLst>
+        </p:cNvPr>
+        <p:cNvGrpSpPr/>
+        <p:nvPr/>
+      </p:nvGrpSpPr>
+      <p:grpSpPr>
+        <a:xfrm>
+          <a:off x="0" y="0"/>
+          <a:ext cx="0" cy="0"/>
+          <a:chOff x="0" y="0"/>
+          <a:chExt cx="0" cy="0"/>
+        </a:xfrm>
+      </p:grpSpPr>
+      <p:sp>
+        <p:nvSpPr>
+          <p:cNvPr id="103" name="Google Shape;103;p3:notes">
+            <a:extLst>
+              <a:ext uri="{FF2B5EF4-FFF2-40B4-BE49-F238E27FC236}">
+                <a16:creationId xmlns:a16="http://schemas.microsoft.com/office/drawing/2014/main" id="{1786ECEA-1613-799F-288C-63E3DB60983E}"/>
+              </a:ext>
+            </a:extLst>
+          </p:cNvPr>
+          <p:cNvSpPr txBox="1">
+            <a:spLocks noGrp="1"/>
+          </p:cNvSpPr>
+          <p:nvPr>
+            <p:ph type="body" idx="1"/>
+          </p:nvPr>
+        </p:nvSpPr>
+        <p:spPr>
+          <a:xfrm>
+            <a:off x="685800" y="4400550"/>
+            <a:ext cx="5486400" cy="3600450"/>
+          </a:xfrm>
+          <a:prstGeom prst="rect">
+            <a:avLst/>
+          </a:prstGeom>
+        </p:spPr>
+        <p:txBody>
+          <a:bodyPr spcFirstLastPara="1" wrap="square" lIns="91425" tIns="45700" rIns="91425" bIns="45700" anchor="t" anchorCtr="0">
+            <a:noAutofit/>
+          </a:bodyPr>
+          <a:lstStyle/>
+          <a:p>
+            <a:pPr marL="0" lvl="0" indent="0" algn="l" rtl="0">
+              <a:spcBef>
+                <a:spcPts val="0"/>
+              </a:spcBef>
+              <a:spcAft>
+                <a:spcPts val="0"/>
+              </a:spcAft>
+              <a:buNone/>
+            </a:pPr>
+            <a:endParaRPr/>
+          </a:p>
+        </p:txBody>
+      </p:sp>
+      <p:sp>
+        <p:nvSpPr>
+          <p:cNvPr id="104" name="Google Shape;104;p3:notes">
+            <a:extLst>
+              <a:ext uri="{FF2B5EF4-FFF2-40B4-BE49-F238E27FC236}">
+                <a16:creationId xmlns:a16="http://schemas.microsoft.com/office/drawing/2014/main" id="{69B1CFF6-FF55-7CF3-C04C-55AD49BE4A05}"/>
+              </a:ext>
+            </a:extLst>
+          </p:cNvPr>
+          <p:cNvSpPr>
+            <a:spLocks noGrp="1" noRot="1" noChangeAspect="1"/>
+          </p:cNvSpPr>
+          <p:nvPr>
+            <p:ph type="sldImg" idx="2"/>
+          </p:nvPr>
+        </p:nvSpPr>
+        <p:spPr>
+          <a:xfrm>
+            <a:off x="685800" y="1143000"/>
+            <a:ext cx="5486400" cy="3086100"/>
+          </a:xfrm>
+          <a:custGeom>
+            <a:avLst/>
+            <a:gdLst/>
+            <a:ahLst/>
+            <a:cxnLst/>
+            <a:rect l="l" t="t" r="r" b="b"/>
+            <a:pathLst>
+              <a:path w="120000" h="120000" extrusionOk="0">
+                <a:moveTo>
+                  <a:pt x="0" y="0"/>
+                </a:moveTo>
+                <a:lnTo>
+                  <a:pt x="120000" y="0"/>
+                </a:lnTo>
+                <a:lnTo>
+                  <a:pt x="120000" y="120000"/>
+                </a:lnTo>
+                <a:lnTo>
+                  <a:pt x="0" y="120000"/>
+                </a:lnTo>
+                <a:close/>
+              </a:path>
+            </a:pathLst>
+          </a:custGeom>
+        </p:spPr>
+      </p:sp>
+    </p:spTree>
+    <p:extLst>
+      <p:ext uri="{BB962C8B-B14F-4D97-AF65-F5344CB8AC3E}">
+        <p14:creationId xmlns:p14="http://schemas.microsoft.com/office/powerpoint/2010/main" val="3208316306"/>
       </p:ext>
     </p:extLst>
   </p:cSld>
@@ -13130,1004 +12618,6 @@
   <p:cSld>
     <p:spTree>
       <p:nvGrpSpPr>
-        <p:cNvPr id="1" name="Shape 105">
-          <a:extLst>
-            <a:ext uri="{FF2B5EF4-FFF2-40B4-BE49-F238E27FC236}">
-              <a16:creationId xmlns:a16="http://schemas.microsoft.com/office/drawing/2014/main" id="{2D6DAF03-5BDB-FC15-5B8A-977ABA05652A}"/>
-            </a:ext>
-          </a:extLst>
-        </p:cNvPr>
-        <p:cNvGrpSpPr/>
-        <p:nvPr/>
-      </p:nvGrpSpPr>
-      <p:grpSpPr>
-        <a:xfrm>
-          <a:off x="0" y="0"/>
-          <a:ext cx="0" cy="0"/>
-          <a:chOff x="0" y="0"/>
-          <a:chExt cx="0" cy="0"/>
-        </a:xfrm>
-      </p:grpSpPr>
-      <p:grpSp>
-        <p:nvGrpSpPr>
-          <p:cNvPr id="106" name="Google Shape;106;p3">
-            <a:extLst>
-              <a:ext uri="{FF2B5EF4-FFF2-40B4-BE49-F238E27FC236}">
-                <a16:creationId xmlns:a16="http://schemas.microsoft.com/office/drawing/2014/main" id="{CF1A24C3-7F12-8BBA-A430-C0A8BFFD0E36}"/>
-              </a:ext>
-            </a:extLst>
-          </p:cNvPr>
-          <p:cNvGrpSpPr/>
-          <p:nvPr/>
-        </p:nvGrpSpPr>
-        <p:grpSpPr>
-          <a:xfrm>
-            <a:off x="1" y="-4473"/>
-            <a:ext cx="12191999" cy="1798983"/>
-            <a:chOff x="1" y="-4473"/>
-            <a:chExt cx="12191999" cy="1798983"/>
-          </a:xfrm>
-        </p:grpSpPr>
-        <p:pic>
-          <p:nvPicPr>
-            <p:cNvPr id="107" name="Google Shape;107;p3">
-              <a:extLst>
-                <a:ext uri="{FF2B5EF4-FFF2-40B4-BE49-F238E27FC236}">
-                  <a16:creationId xmlns:a16="http://schemas.microsoft.com/office/drawing/2014/main" id="{7677C0D8-A825-EB90-86DE-0908871792BB}"/>
-                </a:ext>
-              </a:extLst>
-            </p:cNvPr>
-            <p:cNvPicPr preferRelativeResize="0"/>
-            <p:nvPr/>
-          </p:nvPicPr>
-          <p:blipFill rotWithShape="1">
-            <a:blip r:embed="rId3">
-              <a:alphaModFix/>
-            </a:blip>
-            <a:srcRect r="17643"/>
-            <a:stretch/>
-          </p:blipFill>
-          <p:spPr>
-            <a:xfrm>
-              <a:off x="1" y="0"/>
-              <a:ext cx="6410035" cy="1794510"/>
-            </a:xfrm>
-            <a:prstGeom prst="rect">
-              <a:avLst/>
-            </a:prstGeom>
-            <a:noFill/>
-            <a:ln>
-              <a:noFill/>
-            </a:ln>
-          </p:spPr>
-        </p:pic>
-        <p:pic>
-          <p:nvPicPr>
-            <p:cNvPr id="108" name="Google Shape;108;p3">
-              <a:extLst>
-                <a:ext uri="{FF2B5EF4-FFF2-40B4-BE49-F238E27FC236}">
-                  <a16:creationId xmlns:a16="http://schemas.microsoft.com/office/drawing/2014/main" id="{BEAE153B-5121-4D02-E4AE-22A365134DFF}"/>
-                </a:ext>
-              </a:extLst>
-            </p:cNvPr>
-            <p:cNvPicPr preferRelativeResize="0"/>
-            <p:nvPr/>
-          </p:nvPicPr>
-          <p:blipFill rotWithShape="1">
-            <a:blip r:embed="rId3">
-              <a:alphaModFix/>
-            </a:blip>
-            <a:srcRect l="74798" r="17642"/>
-            <a:stretch/>
-          </p:blipFill>
-          <p:spPr>
-            <a:xfrm>
-              <a:off x="5821680" y="-4473"/>
-              <a:ext cx="6370320" cy="1794510"/>
-            </a:xfrm>
-            <a:prstGeom prst="rect">
-              <a:avLst/>
-            </a:prstGeom>
-            <a:noFill/>
-            <a:ln>
-              <a:noFill/>
-            </a:ln>
-          </p:spPr>
-        </p:pic>
-      </p:grpSp>
-      <p:sp>
-        <p:nvSpPr>
-          <p:cNvPr id="8" name="Text Placeholder 7">
-            <a:extLst>
-              <a:ext uri="{FF2B5EF4-FFF2-40B4-BE49-F238E27FC236}">
-                <a16:creationId xmlns:a16="http://schemas.microsoft.com/office/drawing/2014/main" id="{795B65CE-3807-9F8E-6BBF-CD346EDBF41A}"/>
-              </a:ext>
-            </a:extLst>
-          </p:cNvPr>
-          <p:cNvSpPr>
-            <a:spLocks noGrp="1"/>
-          </p:cNvSpPr>
-          <p:nvPr>
-            <p:ph type="body" idx="2"/>
-          </p:nvPr>
-        </p:nvSpPr>
-        <p:spPr>
-          <a:xfrm>
-            <a:off x="1032220" y="1307144"/>
-            <a:ext cx="9702586" cy="5200127"/>
-          </a:xfrm>
-        </p:spPr>
-        <p:txBody>
-          <a:bodyPr>
-            <a:normAutofit/>
-          </a:bodyPr>
-          <a:lstStyle/>
-          <a:p>
-            <a:pPr>
-              <a:lnSpc>
-                <a:spcPct val="150000"/>
-              </a:lnSpc>
-            </a:pPr>
-            <a:r>
-              <a:rPr lang="en-PH" sz="1800" b="1" dirty="0">
-                <a:solidFill>
-                  <a:schemeClr val="accent2"/>
-                </a:solidFill>
-                <a:latin typeface="Roboto"/>
-                <a:ea typeface="Roboto"/>
-                <a:cs typeface="Roboto"/>
-                <a:sym typeface="Roboto"/>
-              </a:rPr>
-              <a:t>Self Study Materials</a:t>
-            </a:r>
-          </a:p>
-          <a:p>
-            <a:pPr marL="514350" indent="-285750">
-              <a:lnSpc>
-                <a:spcPct val="150000"/>
-              </a:lnSpc>
-              <a:buFont typeface="Arial" panose="020B0604020202020204" pitchFamily="34" charset="0"/>
-              <a:buChar char="•"/>
-            </a:pPr>
-            <a:r>
-              <a:rPr lang="en-PH" dirty="0">
-                <a:latin typeface="Roboto" panose="02000000000000000000" pitchFamily="2" charset="0"/>
-                <a:ea typeface="Roboto" panose="02000000000000000000" pitchFamily="2" charset="0"/>
-                <a:cs typeface="Roboto" panose="02000000000000000000" pitchFamily="2" charset="0"/>
-                <a:hlinkClick r:id="rId4"/>
-              </a:rPr>
-              <a:t>https://www.youtube.com/watch?v=GhQdlIFylQ8</a:t>
-            </a:r>
-            <a:endParaRPr lang="en-PH" dirty="0">
-              <a:latin typeface="Roboto" panose="02000000000000000000" pitchFamily="2" charset="0"/>
-              <a:ea typeface="Roboto" panose="02000000000000000000" pitchFamily="2" charset="0"/>
-              <a:cs typeface="Roboto" panose="02000000000000000000" pitchFamily="2" charset="0"/>
-            </a:endParaRPr>
-          </a:p>
-          <a:p>
-            <a:pPr marL="514350" indent="-285750">
-              <a:lnSpc>
-                <a:spcPct val="150000"/>
-              </a:lnSpc>
-              <a:buFont typeface="Arial" panose="020B0604020202020204" pitchFamily="34" charset="0"/>
-              <a:buChar char="•"/>
-            </a:pPr>
-            <a:r>
-              <a:rPr lang="en-PH" dirty="0">
-                <a:latin typeface="Roboto" panose="02000000000000000000" pitchFamily="2" charset="0"/>
-                <a:ea typeface="Roboto" panose="02000000000000000000" pitchFamily="2" charset="0"/>
-                <a:cs typeface="Roboto" panose="02000000000000000000" pitchFamily="2" charset="0"/>
-                <a:hlinkClick r:id="rId5"/>
-              </a:rPr>
-              <a:t>https://www.youtube.com/watch?v=gfkTfcpWqAY</a:t>
-            </a:r>
-            <a:endParaRPr lang="en-PH" dirty="0">
-              <a:latin typeface="Roboto" panose="02000000000000000000" pitchFamily="2" charset="0"/>
-              <a:ea typeface="Roboto" panose="02000000000000000000" pitchFamily="2" charset="0"/>
-              <a:cs typeface="Roboto" panose="02000000000000000000" pitchFamily="2" charset="0"/>
-            </a:endParaRPr>
-          </a:p>
-          <a:p>
-            <a:pPr marL="514350" indent="-285750">
-              <a:lnSpc>
-                <a:spcPct val="150000"/>
-              </a:lnSpc>
-              <a:buFont typeface="Arial" panose="020B0604020202020204" pitchFamily="34" charset="0"/>
-              <a:buChar char="•"/>
-            </a:pPr>
-            <a:endParaRPr lang="en-PH" dirty="0">
-              <a:latin typeface="Roboto" panose="02000000000000000000" pitchFamily="2" charset="0"/>
-              <a:ea typeface="Roboto" panose="02000000000000000000" pitchFamily="2" charset="0"/>
-              <a:cs typeface="Roboto" panose="02000000000000000000" pitchFamily="2" charset="0"/>
-            </a:endParaRPr>
-          </a:p>
-        </p:txBody>
-      </p:sp>
-    </p:spTree>
-    <p:extLst>
-      <p:ext uri="{BB962C8B-B14F-4D97-AF65-F5344CB8AC3E}">
-        <p14:creationId xmlns:p14="http://schemas.microsoft.com/office/powerpoint/2010/main" val="4176255162"/>
-      </p:ext>
-    </p:extLst>
-  </p:cSld>
-  <p:clrMapOvr>
-    <a:masterClrMapping/>
-  </p:clrMapOvr>
-</p:sld>
-</file>
-
-<file path=ppt/slides/slide11.xml><?xml version="1.0" encoding="utf-8"?>
-<p:sld xmlns:a="http://schemas.openxmlformats.org/drawingml/2006/main" xmlns:r="http://schemas.openxmlformats.org/officeDocument/2006/relationships" xmlns:p="http://schemas.openxmlformats.org/presentationml/2006/main">
-  <p:cSld>
-    <p:spTree>
-      <p:nvGrpSpPr>
-        <p:cNvPr id="1" name="Shape 105">
-          <a:extLst>
-            <a:ext uri="{FF2B5EF4-FFF2-40B4-BE49-F238E27FC236}">
-              <a16:creationId xmlns:a16="http://schemas.microsoft.com/office/drawing/2014/main" id="{13C347E9-66DE-BFC0-4D89-AC015BE3F87B}"/>
-            </a:ext>
-          </a:extLst>
-        </p:cNvPr>
-        <p:cNvGrpSpPr/>
-        <p:nvPr/>
-      </p:nvGrpSpPr>
-      <p:grpSpPr>
-        <a:xfrm>
-          <a:off x="0" y="0"/>
-          <a:ext cx="0" cy="0"/>
-          <a:chOff x="0" y="0"/>
-          <a:chExt cx="0" cy="0"/>
-        </a:xfrm>
-      </p:grpSpPr>
-      <p:grpSp>
-        <p:nvGrpSpPr>
-          <p:cNvPr id="106" name="Google Shape;106;p3">
-            <a:extLst>
-              <a:ext uri="{FF2B5EF4-FFF2-40B4-BE49-F238E27FC236}">
-                <a16:creationId xmlns:a16="http://schemas.microsoft.com/office/drawing/2014/main" id="{664C9E7B-F7B1-25E0-4031-D7976971B98F}"/>
-              </a:ext>
-            </a:extLst>
-          </p:cNvPr>
-          <p:cNvGrpSpPr/>
-          <p:nvPr/>
-        </p:nvGrpSpPr>
-        <p:grpSpPr>
-          <a:xfrm>
-            <a:off x="1" y="-4473"/>
-            <a:ext cx="12191999" cy="1798983"/>
-            <a:chOff x="1" y="-4473"/>
-            <a:chExt cx="12191999" cy="1798983"/>
-          </a:xfrm>
-        </p:grpSpPr>
-        <p:pic>
-          <p:nvPicPr>
-            <p:cNvPr id="107" name="Google Shape;107;p3">
-              <a:extLst>
-                <a:ext uri="{FF2B5EF4-FFF2-40B4-BE49-F238E27FC236}">
-                  <a16:creationId xmlns:a16="http://schemas.microsoft.com/office/drawing/2014/main" id="{16789FAE-4A62-17E4-AD11-57D7009DD63D}"/>
-                </a:ext>
-              </a:extLst>
-            </p:cNvPr>
-            <p:cNvPicPr preferRelativeResize="0"/>
-            <p:nvPr/>
-          </p:nvPicPr>
-          <p:blipFill rotWithShape="1">
-            <a:blip r:embed="rId3">
-              <a:alphaModFix/>
-            </a:blip>
-            <a:srcRect r="17643"/>
-            <a:stretch/>
-          </p:blipFill>
-          <p:spPr>
-            <a:xfrm>
-              <a:off x="1" y="0"/>
-              <a:ext cx="6410035" cy="1794510"/>
-            </a:xfrm>
-            <a:prstGeom prst="rect">
-              <a:avLst/>
-            </a:prstGeom>
-            <a:noFill/>
-            <a:ln>
-              <a:noFill/>
-            </a:ln>
-          </p:spPr>
-        </p:pic>
-        <p:pic>
-          <p:nvPicPr>
-            <p:cNvPr id="108" name="Google Shape;108;p3">
-              <a:extLst>
-                <a:ext uri="{FF2B5EF4-FFF2-40B4-BE49-F238E27FC236}">
-                  <a16:creationId xmlns:a16="http://schemas.microsoft.com/office/drawing/2014/main" id="{219F8B5B-AF57-5FB4-1042-FC1D7A1EAC8C}"/>
-                </a:ext>
-              </a:extLst>
-            </p:cNvPr>
-            <p:cNvPicPr preferRelativeResize="0"/>
-            <p:nvPr/>
-          </p:nvPicPr>
-          <p:blipFill rotWithShape="1">
-            <a:blip r:embed="rId3">
-              <a:alphaModFix/>
-            </a:blip>
-            <a:srcRect l="74798" r="17642"/>
-            <a:stretch/>
-          </p:blipFill>
-          <p:spPr>
-            <a:xfrm>
-              <a:off x="5821680" y="-4473"/>
-              <a:ext cx="6370320" cy="1794510"/>
-            </a:xfrm>
-            <a:prstGeom prst="rect">
-              <a:avLst/>
-            </a:prstGeom>
-            <a:noFill/>
-            <a:ln>
-              <a:noFill/>
-            </a:ln>
-          </p:spPr>
-        </p:pic>
-      </p:grpSp>
-      <p:sp>
-        <p:nvSpPr>
-          <p:cNvPr id="8" name="Text Placeholder 7">
-            <a:extLst>
-              <a:ext uri="{FF2B5EF4-FFF2-40B4-BE49-F238E27FC236}">
-                <a16:creationId xmlns:a16="http://schemas.microsoft.com/office/drawing/2014/main" id="{425097C4-68D7-0CFD-9101-5E5A4720781F}"/>
-              </a:ext>
-            </a:extLst>
-          </p:cNvPr>
-          <p:cNvSpPr>
-            <a:spLocks noGrp="1"/>
-          </p:cNvSpPr>
-          <p:nvPr>
-            <p:ph type="body" idx="2"/>
-          </p:nvPr>
-        </p:nvSpPr>
-        <p:spPr>
-          <a:xfrm>
-            <a:off x="1032220" y="1307144"/>
-            <a:ext cx="9702586" cy="5200127"/>
-          </a:xfrm>
-        </p:spPr>
-        <p:txBody>
-          <a:bodyPr>
-            <a:normAutofit/>
-          </a:bodyPr>
-          <a:lstStyle/>
-          <a:p>
-            <a:pPr>
-              <a:lnSpc>
-                <a:spcPct val="150000"/>
-              </a:lnSpc>
-            </a:pPr>
-            <a:r>
-              <a:rPr lang="en-PH" sz="1800" b="1" dirty="0">
-                <a:solidFill>
-                  <a:schemeClr val="accent2"/>
-                </a:solidFill>
-                <a:latin typeface="Roboto"/>
-                <a:ea typeface="Roboto"/>
-                <a:cs typeface="Roboto"/>
-                <a:sym typeface="Roboto"/>
-              </a:rPr>
-              <a:t>Tools</a:t>
-            </a:r>
-          </a:p>
-          <a:p>
-            <a:pPr marL="514350" indent="-285750">
-              <a:lnSpc>
-                <a:spcPct val="150000"/>
-              </a:lnSpc>
-              <a:buFont typeface="Arial" panose="020B0604020202020204" pitchFamily="34" charset="0"/>
-              <a:buChar char="•"/>
-            </a:pPr>
-            <a:r>
-              <a:rPr lang="en-PH" dirty="0">
-                <a:latin typeface="Roboto" panose="02000000000000000000" pitchFamily="2" charset="0"/>
-                <a:ea typeface="Roboto" panose="02000000000000000000" pitchFamily="2" charset="0"/>
-                <a:cs typeface="Roboto" panose="02000000000000000000" pitchFamily="2" charset="0"/>
-              </a:rPr>
-              <a:t>For PC users, use Visual Studio Community Edition 2022 or latest</a:t>
-            </a:r>
-          </a:p>
-          <a:p>
-            <a:pPr marL="514350" indent="-285750">
-              <a:lnSpc>
-                <a:spcPct val="150000"/>
-              </a:lnSpc>
-              <a:buFont typeface="Arial" panose="020B0604020202020204" pitchFamily="34" charset="0"/>
-              <a:buChar char="•"/>
-            </a:pPr>
-            <a:r>
-              <a:rPr lang="en-PH" dirty="0">
-                <a:latin typeface="Roboto" panose="02000000000000000000" pitchFamily="2" charset="0"/>
-                <a:ea typeface="Roboto" panose="02000000000000000000" pitchFamily="2" charset="0"/>
-                <a:cs typeface="Roboto" panose="02000000000000000000" pitchFamily="2" charset="0"/>
-              </a:rPr>
-              <a:t>For MAC users, use Visual Studio Code with the following plugins</a:t>
-            </a:r>
-          </a:p>
-          <a:p>
-            <a:pPr marL="971550" lvl="1" indent="-285750">
-              <a:lnSpc>
-                <a:spcPct val="150000"/>
-              </a:lnSpc>
-              <a:buFont typeface="Arial" panose="020B0604020202020204" pitchFamily="34" charset="0"/>
-              <a:buChar char="•"/>
-            </a:pPr>
-            <a:r>
-              <a:rPr lang="en-PH" dirty="0">
-                <a:latin typeface="Roboto" panose="02000000000000000000" pitchFamily="2" charset="0"/>
-                <a:ea typeface="Roboto" panose="02000000000000000000" pitchFamily="2" charset="0"/>
-                <a:cs typeface="Roboto" panose="02000000000000000000" pitchFamily="2" charset="0"/>
-              </a:rPr>
-              <a:t>C# Plugin</a:t>
-            </a:r>
-          </a:p>
-          <a:p>
-            <a:pPr marL="971550" lvl="1" indent="-285750">
-              <a:lnSpc>
-                <a:spcPct val="150000"/>
-              </a:lnSpc>
-              <a:buFont typeface="Arial" panose="020B0604020202020204" pitchFamily="34" charset="0"/>
-              <a:buChar char="•"/>
-            </a:pPr>
-            <a:r>
-              <a:rPr lang="en-PH" dirty="0">
-                <a:latin typeface="Roboto" panose="02000000000000000000" pitchFamily="2" charset="0"/>
-                <a:ea typeface="Roboto" panose="02000000000000000000" pitchFamily="2" charset="0"/>
-                <a:cs typeface="Roboto" panose="02000000000000000000" pitchFamily="2" charset="0"/>
-              </a:rPr>
-              <a:t>C# Dev Kit Plugin</a:t>
-            </a:r>
-          </a:p>
-          <a:p>
-            <a:pPr marL="971550" lvl="1" indent="-285750">
-              <a:lnSpc>
-                <a:spcPct val="150000"/>
-              </a:lnSpc>
-              <a:buFont typeface="Arial" panose="020B0604020202020204" pitchFamily="34" charset="0"/>
-              <a:buChar char="•"/>
-            </a:pPr>
-            <a:r>
-              <a:rPr lang="en-PH" dirty="0">
-                <a:latin typeface="Roboto" panose="02000000000000000000" pitchFamily="2" charset="0"/>
-                <a:ea typeface="Roboto" panose="02000000000000000000" pitchFamily="2" charset="0"/>
-                <a:cs typeface="Roboto" panose="02000000000000000000" pitchFamily="2" charset="0"/>
-              </a:rPr>
-              <a:t>IntelliCode for C# Dev Kit Plugin</a:t>
-            </a:r>
-          </a:p>
-          <a:p>
-            <a:pPr marL="514350" indent="-285750">
-              <a:lnSpc>
-                <a:spcPct val="150000"/>
-              </a:lnSpc>
-              <a:buFont typeface="Arial" panose="020B0604020202020204" pitchFamily="34" charset="0"/>
-              <a:buChar char="•"/>
-            </a:pPr>
-            <a:r>
-              <a:rPr lang="en-PH" dirty="0">
-                <a:latin typeface="Roboto" panose="02000000000000000000" pitchFamily="2" charset="0"/>
-                <a:ea typeface="Roboto" panose="02000000000000000000" pitchFamily="2" charset="0"/>
-                <a:cs typeface="Roboto" panose="02000000000000000000" pitchFamily="2" charset="0"/>
-              </a:rPr>
-              <a:t>Personal GitHub Account</a:t>
-            </a:r>
-          </a:p>
-          <a:p>
-            <a:pPr marL="514350" indent="-285750">
-              <a:lnSpc>
-                <a:spcPct val="150000"/>
-              </a:lnSpc>
-              <a:buFont typeface="Arial" panose="020B0604020202020204" pitchFamily="34" charset="0"/>
-              <a:buChar char="•"/>
-            </a:pPr>
-            <a:r>
-              <a:rPr lang="en-PH" dirty="0">
-                <a:latin typeface="Roboto" panose="02000000000000000000" pitchFamily="2" charset="0"/>
-                <a:ea typeface="Roboto" panose="02000000000000000000" pitchFamily="2" charset="0"/>
-                <a:cs typeface="Roboto" panose="02000000000000000000" pitchFamily="2" charset="0"/>
-              </a:rPr>
-              <a:t>GitHub Desktop Application</a:t>
-            </a:r>
-          </a:p>
-        </p:txBody>
-      </p:sp>
-    </p:spTree>
-    <p:extLst>
-      <p:ext uri="{BB962C8B-B14F-4D97-AF65-F5344CB8AC3E}">
-        <p14:creationId xmlns:p14="http://schemas.microsoft.com/office/powerpoint/2010/main" val="228613590"/>
-      </p:ext>
-    </p:extLst>
-  </p:cSld>
-  <p:clrMapOvr>
-    <a:masterClrMapping/>
-  </p:clrMapOvr>
-</p:sld>
-</file>
-
-<file path=ppt/slides/slide12.xml><?xml version="1.0" encoding="utf-8"?>
-<p:sld xmlns:a="http://schemas.openxmlformats.org/drawingml/2006/main" xmlns:r="http://schemas.openxmlformats.org/officeDocument/2006/relationships" xmlns:p="http://schemas.openxmlformats.org/presentationml/2006/main">
-  <p:cSld>
-    <p:spTree>
-      <p:nvGrpSpPr>
-        <p:cNvPr id="1" name="Shape 88">
-          <a:extLst>
-            <a:ext uri="{FF2B5EF4-FFF2-40B4-BE49-F238E27FC236}">
-              <a16:creationId xmlns:a16="http://schemas.microsoft.com/office/drawing/2014/main" id="{AAF67807-0FF5-2D1B-7FA3-B7A53DD5BCCE}"/>
-            </a:ext>
-          </a:extLst>
-        </p:cNvPr>
-        <p:cNvGrpSpPr/>
-        <p:nvPr/>
-      </p:nvGrpSpPr>
-      <p:grpSpPr>
-        <a:xfrm>
-          <a:off x="0" y="0"/>
-          <a:ext cx="0" cy="0"/>
-          <a:chOff x="0" y="0"/>
-          <a:chExt cx="0" cy="0"/>
-        </a:xfrm>
-      </p:grpSpPr>
-      <p:sp>
-        <p:nvSpPr>
-          <p:cNvPr id="89" name="Google Shape;89;p1">
-            <a:extLst>
-              <a:ext uri="{FF2B5EF4-FFF2-40B4-BE49-F238E27FC236}">
-                <a16:creationId xmlns:a16="http://schemas.microsoft.com/office/drawing/2014/main" id="{C6DF9F92-3B3E-EC37-9F85-D075289039D7}"/>
-              </a:ext>
-            </a:extLst>
-          </p:cNvPr>
-          <p:cNvSpPr txBox="1">
-            <a:spLocks noGrp="1"/>
-          </p:cNvSpPr>
-          <p:nvPr>
-            <p:ph type="ctrTitle"/>
-          </p:nvPr>
-        </p:nvSpPr>
-        <p:spPr>
-          <a:xfrm>
-            <a:off x="1524000" y="1524699"/>
-            <a:ext cx="9144000" cy="2387600"/>
-          </a:xfrm>
-          <a:prstGeom prst="rect">
-            <a:avLst/>
-          </a:prstGeom>
-          <a:noFill/>
-          <a:ln>
-            <a:noFill/>
-          </a:ln>
-        </p:spPr>
-        <p:txBody>
-          <a:bodyPr spcFirstLastPara="1" wrap="square" lIns="91425" tIns="45700" rIns="91425" bIns="45700" anchor="b" anchorCtr="0">
-            <a:normAutofit/>
-          </a:bodyPr>
-          <a:lstStyle/>
-          <a:p>
-            <a:pPr marL="0" lvl="0" indent="0" algn="ctr" rtl="0">
-              <a:lnSpc>
-                <a:spcPct val="90000"/>
-              </a:lnSpc>
-              <a:spcBef>
-                <a:spcPts val="0"/>
-              </a:spcBef>
-              <a:spcAft>
-                <a:spcPts val="0"/>
-              </a:spcAft>
-              <a:buClr>
-                <a:schemeClr val="dk1"/>
-              </a:buClr>
-              <a:buSzPct val="100000"/>
-              <a:buFont typeface="Roboto"/>
-              <a:buNone/>
-            </a:pPr>
-            <a:br>
-              <a:rPr lang="en-PH" dirty="0">
-                <a:latin typeface="Roboto"/>
-                <a:ea typeface="Roboto"/>
-                <a:cs typeface="Roboto"/>
-                <a:sym typeface="Roboto"/>
-              </a:rPr>
-            </a:br>
-            <a:r>
-              <a:rPr lang="en-US" dirty="0">
-                <a:solidFill>
-                  <a:schemeClr val="accent2"/>
-                </a:solidFill>
-                <a:latin typeface="Roboto"/>
-                <a:ea typeface="Roboto"/>
-                <a:cs typeface="Roboto"/>
-                <a:sym typeface="Roboto"/>
-              </a:rPr>
-              <a:t>Guidelines</a:t>
-            </a:r>
-            <a:endParaRPr lang="en-PH" dirty="0">
-              <a:solidFill>
-                <a:schemeClr val="accent2"/>
-              </a:solidFill>
-              <a:latin typeface="Roboto"/>
-              <a:ea typeface="Roboto"/>
-              <a:cs typeface="Roboto"/>
-              <a:sym typeface="Roboto"/>
-            </a:endParaRPr>
-          </a:p>
-        </p:txBody>
-      </p:sp>
-      <p:grpSp>
-        <p:nvGrpSpPr>
-          <p:cNvPr id="91" name="Google Shape;91;p1">
-            <a:extLst>
-              <a:ext uri="{FF2B5EF4-FFF2-40B4-BE49-F238E27FC236}">
-                <a16:creationId xmlns:a16="http://schemas.microsoft.com/office/drawing/2014/main" id="{A566EF60-9177-E00E-C0C6-DFCDEB7A1863}"/>
-              </a:ext>
-            </a:extLst>
-          </p:cNvPr>
-          <p:cNvGrpSpPr/>
-          <p:nvPr/>
-        </p:nvGrpSpPr>
-        <p:grpSpPr>
-          <a:xfrm>
-            <a:off x="1" y="-4473"/>
-            <a:ext cx="12191999" cy="1798983"/>
-            <a:chOff x="1" y="-4473"/>
-            <a:chExt cx="12191999" cy="1798983"/>
-          </a:xfrm>
-        </p:grpSpPr>
-        <p:pic>
-          <p:nvPicPr>
-            <p:cNvPr id="92" name="Google Shape;92;p1">
-              <a:extLst>
-                <a:ext uri="{FF2B5EF4-FFF2-40B4-BE49-F238E27FC236}">
-                  <a16:creationId xmlns:a16="http://schemas.microsoft.com/office/drawing/2014/main" id="{947241A5-C708-B905-D98F-E25DD97E4D4C}"/>
-                </a:ext>
-              </a:extLst>
-            </p:cNvPr>
-            <p:cNvPicPr preferRelativeResize="0"/>
-            <p:nvPr/>
-          </p:nvPicPr>
-          <p:blipFill rotWithShape="1">
-            <a:blip r:embed="rId3">
-              <a:alphaModFix/>
-            </a:blip>
-            <a:srcRect r="17643"/>
-            <a:stretch/>
-          </p:blipFill>
-          <p:spPr>
-            <a:xfrm>
-              <a:off x="1" y="0"/>
-              <a:ext cx="6410035" cy="1794510"/>
-            </a:xfrm>
-            <a:prstGeom prst="rect">
-              <a:avLst/>
-            </a:prstGeom>
-            <a:noFill/>
-            <a:ln>
-              <a:noFill/>
-            </a:ln>
-          </p:spPr>
-        </p:pic>
-        <p:pic>
-          <p:nvPicPr>
-            <p:cNvPr id="93" name="Google Shape;93;p1">
-              <a:extLst>
-                <a:ext uri="{FF2B5EF4-FFF2-40B4-BE49-F238E27FC236}">
-                  <a16:creationId xmlns:a16="http://schemas.microsoft.com/office/drawing/2014/main" id="{C2A77CF9-6FED-36D8-69B0-C47AF536032E}"/>
-                </a:ext>
-              </a:extLst>
-            </p:cNvPr>
-            <p:cNvPicPr preferRelativeResize="0"/>
-            <p:nvPr/>
-          </p:nvPicPr>
-          <p:blipFill rotWithShape="1">
-            <a:blip r:embed="rId3">
-              <a:alphaModFix/>
-            </a:blip>
-            <a:srcRect l="74798" r="17642"/>
-            <a:stretch/>
-          </p:blipFill>
-          <p:spPr>
-            <a:xfrm>
-              <a:off x="5821680" y="-4473"/>
-              <a:ext cx="6370320" cy="1794510"/>
-            </a:xfrm>
-            <a:prstGeom prst="rect">
-              <a:avLst/>
-            </a:prstGeom>
-            <a:noFill/>
-            <a:ln>
-              <a:noFill/>
-            </a:ln>
-          </p:spPr>
-        </p:pic>
-      </p:grpSp>
-    </p:spTree>
-    <p:extLst>
-      <p:ext uri="{BB962C8B-B14F-4D97-AF65-F5344CB8AC3E}">
-        <p14:creationId xmlns:p14="http://schemas.microsoft.com/office/powerpoint/2010/main" val="261434923"/>
-      </p:ext>
-    </p:extLst>
-  </p:cSld>
-  <p:clrMapOvr>
-    <a:masterClrMapping/>
-  </p:clrMapOvr>
-</p:sld>
-</file>
-
-<file path=ppt/slides/slide13.xml><?xml version="1.0" encoding="utf-8"?>
-<p:sld xmlns:a="http://schemas.openxmlformats.org/drawingml/2006/main" xmlns:r="http://schemas.openxmlformats.org/officeDocument/2006/relationships" xmlns:p="http://schemas.openxmlformats.org/presentationml/2006/main">
-  <p:cSld>
-    <p:spTree>
-      <p:nvGrpSpPr>
-        <p:cNvPr id="1" name="Shape 105">
-          <a:extLst>
-            <a:ext uri="{FF2B5EF4-FFF2-40B4-BE49-F238E27FC236}">
-              <a16:creationId xmlns:a16="http://schemas.microsoft.com/office/drawing/2014/main" id="{D5DF55FC-C69B-EC06-FD0C-03EA30310BB1}"/>
-            </a:ext>
-          </a:extLst>
-        </p:cNvPr>
-        <p:cNvGrpSpPr/>
-        <p:nvPr/>
-      </p:nvGrpSpPr>
-      <p:grpSpPr>
-        <a:xfrm>
-          <a:off x="0" y="0"/>
-          <a:ext cx="0" cy="0"/>
-          <a:chOff x="0" y="0"/>
-          <a:chExt cx="0" cy="0"/>
-        </a:xfrm>
-      </p:grpSpPr>
-      <p:grpSp>
-        <p:nvGrpSpPr>
-          <p:cNvPr id="106" name="Google Shape;106;p3">
-            <a:extLst>
-              <a:ext uri="{FF2B5EF4-FFF2-40B4-BE49-F238E27FC236}">
-                <a16:creationId xmlns:a16="http://schemas.microsoft.com/office/drawing/2014/main" id="{D2ABE210-EC55-CD0C-D0B2-FBB5B61D1814}"/>
-              </a:ext>
-            </a:extLst>
-          </p:cNvPr>
-          <p:cNvGrpSpPr/>
-          <p:nvPr/>
-        </p:nvGrpSpPr>
-        <p:grpSpPr>
-          <a:xfrm>
-            <a:off x="1" y="-4473"/>
-            <a:ext cx="12191999" cy="1798983"/>
-            <a:chOff x="1" y="-4473"/>
-            <a:chExt cx="12191999" cy="1798983"/>
-          </a:xfrm>
-        </p:grpSpPr>
-        <p:pic>
-          <p:nvPicPr>
-            <p:cNvPr id="107" name="Google Shape;107;p3">
-              <a:extLst>
-                <a:ext uri="{FF2B5EF4-FFF2-40B4-BE49-F238E27FC236}">
-                  <a16:creationId xmlns:a16="http://schemas.microsoft.com/office/drawing/2014/main" id="{DBA252D4-7134-B61E-9966-F9758FEF8F63}"/>
-                </a:ext>
-              </a:extLst>
-            </p:cNvPr>
-            <p:cNvPicPr preferRelativeResize="0"/>
-            <p:nvPr/>
-          </p:nvPicPr>
-          <p:blipFill rotWithShape="1">
-            <a:blip r:embed="rId3">
-              <a:alphaModFix/>
-            </a:blip>
-            <a:srcRect r="17643"/>
-            <a:stretch/>
-          </p:blipFill>
-          <p:spPr>
-            <a:xfrm>
-              <a:off x="1" y="0"/>
-              <a:ext cx="6410035" cy="1794510"/>
-            </a:xfrm>
-            <a:prstGeom prst="rect">
-              <a:avLst/>
-            </a:prstGeom>
-            <a:noFill/>
-            <a:ln>
-              <a:noFill/>
-            </a:ln>
-          </p:spPr>
-        </p:pic>
-        <p:pic>
-          <p:nvPicPr>
-            <p:cNvPr id="108" name="Google Shape;108;p3">
-              <a:extLst>
-                <a:ext uri="{FF2B5EF4-FFF2-40B4-BE49-F238E27FC236}">
-                  <a16:creationId xmlns:a16="http://schemas.microsoft.com/office/drawing/2014/main" id="{2AD02BFF-B01B-C78A-BF2A-BE4CC44D4AC8}"/>
-                </a:ext>
-              </a:extLst>
-            </p:cNvPr>
-            <p:cNvPicPr preferRelativeResize="0"/>
-            <p:nvPr/>
-          </p:nvPicPr>
-          <p:blipFill rotWithShape="1">
-            <a:blip r:embed="rId3">
-              <a:alphaModFix/>
-            </a:blip>
-            <a:srcRect l="74798" r="17642"/>
-            <a:stretch/>
-          </p:blipFill>
-          <p:spPr>
-            <a:xfrm>
-              <a:off x="5821680" y="-4473"/>
-              <a:ext cx="6370320" cy="1794510"/>
-            </a:xfrm>
-            <a:prstGeom prst="rect">
-              <a:avLst/>
-            </a:prstGeom>
-            <a:noFill/>
-            <a:ln>
-              <a:noFill/>
-            </a:ln>
-          </p:spPr>
-        </p:pic>
-      </p:grpSp>
-      <p:sp>
-        <p:nvSpPr>
-          <p:cNvPr id="8" name="Text Placeholder 7">
-            <a:extLst>
-              <a:ext uri="{FF2B5EF4-FFF2-40B4-BE49-F238E27FC236}">
-                <a16:creationId xmlns:a16="http://schemas.microsoft.com/office/drawing/2014/main" id="{151AD2A5-A48C-D406-24ED-A81305F4F3D9}"/>
-              </a:ext>
-            </a:extLst>
-          </p:cNvPr>
-          <p:cNvSpPr>
-            <a:spLocks noGrp="1"/>
-          </p:cNvSpPr>
-          <p:nvPr>
-            <p:ph type="body" idx="2"/>
-          </p:nvPr>
-        </p:nvSpPr>
-        <p:spPr>
-          <a:xfrm>
-            <a:off x="1032220" y="1307144"/>
-            <a:ext cx="9702586" cy="5200127"/>
-          </a:xfrm>
-        </p:spPr>
-        <p:txBody>
-          <a:bodyPr>
-            <a:normAutofit/>
-          </a:bodyPr>
-          <a:lstStyle/>
-          <a:p>
-            <a:pPr>
-              <a:lnSpc>
-                <a:spcPct val="150000"/>
-              </a:lnSpc>
-            </a:pPr>
-            <a:r>
-              <a:rPr lang="en-PH" sz="1800" b="1" dirty="0">
-                <a:solidFill>
-                  <a:schemeClr val="accent2"/>
-                </a:solidFill>
-                <a:latin typeface="Roboto"/>
-                <a:ea typeface="Roboto"/>
-                <a:cs typeface="Roboto"/>
-                <a:sym typeface="Roboto"/>
-              </a:rPr>
-              <a:t>Guidelines</a:t>
-            </a:r>
-          </a:p>
-          <a:p>
-            <a:pPr marL="514350" indent="-285750">
-              <a:lnSpc>
-                <a:spcPct val="150000"/>
-              </a:lnSpc>
-              <a:buFont typeface="Arial" panose="020B0604020202020204" pitchFamily="34" charset="0"/>
-              <a:buChar char="•"/>
-            </a:pPr>
-            <a:r>
-              <a:rPr lang="en-PH" dirty="0">
-                <a:latin typeface="Roboto" panose="02000000000000000000" pitchFamily="2" charset="0"/>
-                <a:ea typeface="Roboto" panose="02000000000000000000" pitchFamily="2" charset="0"/>
-                <a:cs typeface="Roboto" panose="02000000000000000000" pitchFamily="2" charset="0"/>
-              </a:rPr>
-              <a:t>Everyone should utilize GitHub Co-pilot and/or ChatGPT</a:t>
-            </a:r>
-          </a:p>
-          <a:p>
-            <a:pPr marL="514350" indent="-285750">
-              <a:lnSpc>
-                <a:spcPct val="150000"/>
-              </a:lnSpc>
-              <a:buFont typeface="Arial" panose="020B0604020202020204" pitchFamily="34" charset="0"/>
-              <a:buChar char="•"/>
-            </a:pPr>
-            <a:r>
-              <a:rPr lang="en-PH" dirty="0">
-                <a:latin typeface="Roboto" panose="02000000000000000000" pitchFamily="2" charset="0"/>
-                <a:ea typeface="Roboto" panose="02000000000000000000" pitchFamily="2" charset="0"/>
-                <a:cs typeface="Roboto" panose="02000000000000000000" pitchFamily="2" charset="0"/>
-              </a:rPr>
-              <a:t>Presentation material, recording and demo codes will be available after each sessions</a:t>
-            </a:r>
-          </a:p>
-          <a:p>
-            <a:pPr marL="514350" indent="-285750">
-              <a:lnSpc>
-                <a:spcPct val="150000"/>
-              </a:lnSpc>
-              <a:buFont typeface="Arial" panose="020B0604020202020204" pitchFamily="34" charset="0"/>
-              <a:buChar char="•"/>
-            </a:pPr>
-            <a:r>
-              <a:rPr lang="en-PH" dirty="0">
-                <a:latin typeface="Roboto" panose="02000000000000000000" pitchFamily="2" charset="0"/>
-                <a:ea typeface="Roboto" panose="02000000000000000000" pitchFamily="2" charset="0"/>
-                <a:cs typeface="Roboto" panose="02000000000000000000" pitchFamily="2" charset="0"/>
-              </a:rPr>
-              <a:t>Questions and clarification can be raised anytime during and after sessions</a:t>
-            </a:r>
-          </a:p>
-          <a:p>
-            <a:pPr marL="514350" indent="-285750">
-              <a:lnSpc>
-                <a:spcPct val="150000"/>
-              </a:lnSpc>
-              <a:buFont typeface="Arial" panose="020B0604020202020204" pitchFamily="34" charset="0"/>
-              <a:buChar char="•"/>
-            </a:pPr>
-            <a:r>
-              <a:rPr lang="en-PH" dirty="0">
-                <a:latin typeface="Roboto" panose="02000000000000000000" pitchFamily="2" charset="0"/>
-                <a:ea typeface="Roboto" panose="02000000000000000000" pitchFamily="2" charset="0"/>
-                <a:cs typeface="Roboto" panose="02000000000000000000" pitchFamily="2" charset="0"/>
-              </a:rPr>
-              <a:t>Push all hands-on activity codes and final project to personal GitHub Repos</a:t>
-            </a:r>
-          </a:p>
-          <a:p>
-            <a:pPr marL="514350" indent="-285750">
-              <a:lnSpc>
-                <a:spcPct val="150000"/>
-              </a:lnSpc>
-              <a:buFont typeface="Arial" panose="020B0604020202020204" pitchFamily="34" charset="0"/>
-              <a:buChar char="•"/>
-            </a:pPr>
-            <a:r>
-              <a:rPr lang="en-PH" dirty="0">
-                <a:latin typeface="Roboto" panose="02000000000000000000" pitchFamily="2" charset="0"/>
-                <a:ea typeface="Roboto" panose="02000000000000000000" pitchFamily="2" charset="0"/>
-                <a:cs typeface="Roboto" panose="02000000000000000000" pitchFamily="2" charset="0"/>
-              </a:rPr>
-              <a:t>Overall results will send after completion of all requirements </a:t>
-            </a:r>
-          </a:p>
-          <a:p>
-            <a:pPr marL="514350" indent="-285750">
-              <a:lnSpc>
-                <a:spcPct val="150000"/>
-              </a:lnSpc>
-              <a:buFont typeface="Arial" panose="020B0604020202020204" pitchFamily="34" charset="0"/>
-              <a:buChar char="•"/>
-            </a:pPr>
-            <a:endParaRPr lang="en-PH" dirty="0">
-              <a:latin typeface="Roboto" panose="02000000000000000000" pitchFamily="2" charset="0"/>
-              <a:ea typeface="Roboto" panose="02000000000000000000" pitchFamily="2" charset="0"/>
-              <a:cs typeface="Roboto" panose="02000000000000000000" pitchFamily="2" charset="0"/>
-            </a:endParaRPr>
-          </a:p>
-        </p:txBody>
-      </p:sp>
-    </p:spTree>
-    <p:extLst>
-      <p:ext uri="{BB962C8B-B14F-4D97-AF65-F5344CB8AC3E}">
-        <p14:creationId xmlns:p14="http://schemas.microsoft.com/office/powerpoint/2010/main" val="1754782304"/>
-      </p:ext>
-    </p:extLst>
-  </p:cSld>
-  <p:clrMapOvr>
-    <a:masterClrMapping/>
-  </p:clrMapOvr>
-</p:sld>
-</file>
-
-<file path=ppt/slides/slide14.xml><?xml version="1.0" encoding="utf-8"?>
-<p:sld xmlns:a="http://schemas.openxmlformats.org/drawingml/2006/main" xmlns:r="http://schemas.openxmlformats.org/officeDocument/2006/relationships" xmlns:p="http://schemas.openxmlformats.org/presentationml/2006/main">
-  <p:cSld>
-    <p:spTree>
-      <p:nvGrpSpPr>
         <p:cNvPr id="1" name="Shape 88">
           <a:extLst>
             <a:ext uri="{FF2B5EF4-FFF2-40B4-BE49-F238E27FC236}">
@@ -14330,7 +12820,7 @@
 </p:sld>
 </file>
 
-<file path=ppt/slides/slide15.xml><?xml version="1.0" encoding="utf-8"?>
+<file path=ppt/slides/slide11.xml><?xml version="1.0" encoding="utf-8"?>
 <p:sld xmlns:a="http://schemas.openxmlformats.org/drawingml/2006/main" xmlns:r="http://schemas.openxmlformats.org/officeDocument/2006/relationships" xmlns:p="http://schemas.openxmlformats.org/presentationml/2006/main">
   <p:cSld>
     <p:spTree>
@@ -14959,7 +13449,7 @@
 </p:sld>
 </file>
 
-<file path=ppt/slides/slide16.xml><?xml version="1.0" encoding="utf-8"?>
+<file path=ppt/slides/slide12.xml><?xml version="1.0" encoding="utf-8"?>
 <p:sld xmlns:a="http://schemas.openxmlformats.org/drawingml/2006/main" xmlns:r="http://schemas.openxmlformats.org/officeDocument/2006/relationships" xmlns:p="http://schemas.openxmlformats.org/presentationml/2006/main">
   <p:cSld>
     <p:spTree>
@@ -15166,7 +13656,7 @@
 </p:sld>
 </file>
 
-<file path=ppt/slides/slide17.xml><?xml version="1.0" encoding="utf-8"?>
+<file path=ppt/slides/slide13.xml><?xml version="1.0" encoding="utf-8"?>
 <p:sld xmlns:a="http://schemas.openxmlformats.org/drawingml/2006/main" xmlns:r="http://schemas.openxmlformats.org/officeDocument/2006/relationships" xmlns:p="http://schemas.openxmlformats.org/presentationml/2006/main">
   <p:cSld>
     <p:spTree>
@@ -15491,7 +13981,7 @@
 </p:sld>
 </file>
 
-<file path=ppt/slides/slide18.xml><?xml version="1.0" encoding="utf-8"?>
+<file path=ppt/slides/slide14.xml><?xml version="1.0" encoding="utf-8"?>
 <p:sld xmlns:a="http://schemas.openxmlformats.org/drawingml/2006/main" xmlns:r="http://schemas.openxmlformats.org/officeDocument/2006/relationships" xmlns:p="http://schemas.openxmlformats.org/presentationml/2006/main">
   <p:cSld>
     <p:spTree>
@@ -16297,1748 +14787,6 @@
   <p:cSld>
     <p:spTree>
       <p:nvGrpSpPr>
-        <p:cNvPr id="1" name="Shape 105">
-          <a:extLst>
-            <a:ext uri="{FF2B5EF4-FFF2-40B4-BE49-F238E27FC236}">
-              <a16:creationId xmlns:a16="http://schemas.microsoft.com/office/drawing/2014/main" id="{8B99334D-12D9-2423-DC57-24B92594DC2B}"/>
-            </a:ext>
-          </a:extLst>
-        </p:cNvPr>
-        <p:cNvGrpSpPr/>
-        <p:nvPr/>
-      </p:nvGrpSpPr>
-      <p:grpSpPr>
-        <a:xfrm>
-          <a:off x="0" y="0"/>
-          <a:ext cx="0" cy="0"/>
-          <a:chOff x="0" y="0"/>
-          <a:chExt cx="0" cy="0"/>
-        </a:xfrm>
-      </p:grpSpPr>
-      <p:grpSp>
-        <p:nvGrpSpPr>
-          <p:cNvPr id="106" name="Google Shape;106;p3">
-            <a:extLst>
-              <a:ext uri="{FF2B5EF4-FFF2-40B4-BE49-F238E27FC236}">
-                <a16:creationId xmlns:a16="http://schemas.microsoft.com/office/drawing/2014/main" id="{393156A1-5C89-1D12-C66B-D53798D8947F}"/>
-              </a:ext>
-            </a:extLst>
-          </p:cNvPr>
-          <p:cNvGrpSpPr/>
-          <p:nvPr/>
-        </p:nvGrpSpPr>
-        <p:grpSpPr>
-          <a:xfrm>
-            <a:off x="1" y="-4473"/>
-            <a:ext cx="12191999" cy="1798983"/>
-            <a:chOff x="1" y="-4473"/>
-            <a:chExt cx="12191999" cy="1798983"/>
-          </a:xfrm>
-        </p:grpSpPr>
-        <p:pic>
-          <p:nvPicPr>
-            <p:cNvPr id="107" name="Google Shape;107;p3">
-              <a:extLst>
-                <a:ext uri="{FF2B5EF4-FFF2-40B4-BE49-F238E27FC236}">
-                  <a16:creationId xmlns:a16="http://schemas.microsoft.com/office/drawing/2014/main" id="{C117E9D9-05D2-91E3-87A9-4D3094F9A1AC}"/>
-                </a:ext>
-              </a:extLst>
-            </p:cNvPr>
-            <p:cNvPicPr preferRelativeResize="0"/>
-            <p:nvPr/>
-          </p:nvPicPr>
-          <p:blipFill rotWithShape="1">
-            <a:blip r:embed="rId3">
-              <a:alphaModFix/>
-            </a:blip>
-            <a:srcRect r="17643"/>
-            <a:stretch/>
-          </p:blipFill>
-          <p:spPr>
-            <a:xfrm>
-              <a:off x="1" y="0"/>
-              <a:ext cx="6410035" cy="1794510"/>
-            </a:xfrm>
-            <a:prstGeom prst="rect">
-              <a:avLst/>
-            </a:prstGeom>
-            <a:noFill/>
-            <a:ln>
-              <a:noFill/>
-            </a:ln>
-          </p:spPr>
-        </p:pic>
-        <p:pic>
-          <p:nvPicPr>
-            <p:cNvPr id="108" name="Google Shape;108;p3">
-              <a:extLst>
-                <a:ext uri="{FF2B5EF4-FFF2-40B4-BE49-F238E27FC236}">
-                  <a16:creationId xmlns:a16="http://schemas.microsoft.com/office/drawing/2014/main" id="{A79F988D-029A-90AF-9BE9-13870AE51C42}"/>
-                </a:ext>
-              </a:extLst>
-            </p:cNvPr>
-            <p:cNvPicPr preferRelativeResize="0"/>
-            <p:nvPr/>
-          </p:nvPicPr>
-          <p:blipFill rotWithShape="1">
-            <a:blip r:embed="rId3">
-              <a:alphaModFix/>
-            </a:blip>
-            <a:srcRect l="74798" r="17642"/>
-            <a:stretch/>
-          </p:blipFill>
-          <p:spPr>
-            <a:xfrm>
-              <a:off x="5821680" y="-4473"/>
-              <a:ext cx="6370320" cy="1794510"/>
-            </a:xfrm>
-            <a:prstGeom prst="rect">
-              <a:avLst/>
-            </a:prstGeom>
-            <a:noFill/>
-            <a:ln>
-              <a:noFill/>
-            </a:ln>
-          </p:spPr>
-        </p:pic>
-      </p:grpSp>
-      <p:sp>
-        <p:nvSpPr>
-          <p:cNvPr id="8" name="Text Placeholder 7">
-            <a:extLst>
-              <a:ext uri="{FF2B5EF4-FFF2-40B4-BE49-F238E27FC236}">
-                <a16:creationId xmlns:a16="http://schemas.microsoft.com/office/drawing/2014/main" id="{495CAB60-5F81-AF79-056D-4F3A1FBD217E}"/>
-              </a:ext>
-            </a:extLst>
-          </p:cNvPr>
-          <p:cNvSpPr>
-            <a:spLocks noGrp="1"/>
-          </p:cNvSpPr>
-          <p:nvPr>
-            <p:ph type="body" idx="2"/>
-          </p:nvPr>
-        </p:nvSpPr>
-        <p:spPr>
-          <a:xfrm>
-            <a:off x="1032220" y="1307144"/>
-            <a:ext cx="9702586" cy="5200127"/>
-          </a:xfrm>
-        </p:spPr>
-        <p:txBody>
-          <a:bodyPr>
-            <a:normAutofit/>
-          </a:bodyPr>
-          <a:lstStyle/>
-          <a:p>
-            <a:pPr marL="228600" indent="0">
-              <a:lnSpc>
-                <a:spcPct val="150000"/>
-              </a:lnSpc>
-            </a:pPr>
-            <a:r>
-              <a:rPr lang="en-PH" sz="1800" b="1" dirty="0">
-                <a:solidFill>
-                  <a:schemeClr val="accent2"/>
-                </a:solidFill>
-                <a:latin typeface="Roboto"/>
-                <a:ea typeface="Roboto"/>
-                <a:cs typeface="Roboto"/>
-                <a:sym typeface="Roboto"/>
-              </a:rPr>
-              <a:t>I. Introduction to Automation Testing</a:t>
-            </a:r>
-          </a:p>
-          <a:p>
-            <a:pPr marL="1085850" lvl="1" indent="-400050">
-              <a:lnSpc>
-                <a:spcPct val="150000"/>
-              </a:lnSpc>
-              <a:buFont typeface="+mj-lt"/>
-              <a:buAutoNum type="romanLcPeriod"/>
-            </a:pPr>
-            <a:r>
-              <a:rPr lang="en-PH" dirty="0">
-                <a:latin typeface="Roboto" panose="02000000000000000000" pitchFamily="2" charset="0"/>
-                <a:ea typeface="Roboto" panose="02000000000000000000" pitchFamily="2" charset="0"/>
-                <a:cs typeface="Roboto" panose="02000000000000000000" pitchFamily="2" charset="0"/>
-              </a:rPr>
-              <a:t>Overview of Automation Testing</a:t>
-            </a:r>
-          </a:p>
-          <a:p>
-            <a:pPr marL="1085850" lvl="1" indent="-400050">
-              <a:lnSpc>
-                <a:spcPct val="150000"/>
-              </a:lnSpc>
-              <a:buFont typeface="+mj-lt"/>
-              <a:buAutoNum type="romanLcPeriod"/>
-            </a:pPr>
-            <a:r>
-              <a:rPr lang="en-PH" dirty="0">
-                <a:latin typeface="Roboto" panose="02000000000000000000" pitchFamily="2" charset="0"/>
-                <a:ea typeface="Roboto" panose="02000000000000000000" pitchFamily="2" charset="0"/>
-                <a:cs typeface="Roboto" panose="02000000000000000000" pitchFamily="2" charset="0"/>
-              </a:rPr>
-              <a:t>Introduction to Selenium</a:t>
-            </a:r>
-          </a:p>
-          <a:p>
-            <a:pPr marL="1085850" lvl="1" indent="-400050">
-              <a:lnSpc>
-                <a:spcPct val="150000"/>
-              </a:lnSpc>
-              <a:buFont typeface="+mj-lt"/>
-              <a:buAutoNum type="romanLcPeriod"/>
-            </a:pPr>
-            <a:r>
-              <a:rPr lang="en-PH" dirty="0">
-                <a:latin typeface="Roboto" panose="02000000000000000000" pitchFamily="2" charset="0"/>
-                <a:ea typeface="Roboto" panose="02000000000000000000" pitchFamily="2" charset="0"/>
-                <a:cs typeface="Roboto" panose="02000000000000000000" pitchFamily="2" charset="0"/>
-              </a:rPr>
-              <a:t>Why C# for Selenium</a:t>
-            </a:r>
-          </a:p>
-          <a:p>
-            <a:pPr marL="228600" indent="0">
-              <a:lnSpc>
-                <a:spcPct val="150000"/>
-              </a:lnSpc>
-            </a:pPr>
-            <a:r>
-              <a:rPr lang="en-PH" sz="1600" b="1" dirty="0">
-                <a:solidFill>
-                  <a:schemeClr val="accent2"/>
-                </a:solidFill>
-                <a:latin typeface="Roboto"/>
-                <a:ea typeface="Roboto"/>
-                <a:cs typeface="Roboto"/>
-                <a:sym typeface="Roboto"/>
-              </a:rPr>
-              <a:t>II. </a:t>
-            </a:r>
-            <a:r>
-              <a:rPr lang="en-US" sz="1600" b="1" dirty="0">
-                <a:solidFill>
-                  <a:schemeClr val="accent2"/>
-                </a:solidFill>
-                <a:latin typeface="Roboto"/>
-                <a:ea typeface="Roboto"/>
-                <a:cs typeface="Roboto"/>
-                <a:sym typeface="Roboto"/>
-              </a:rPr>
-              <a:t>Setting Up Your Automation Environment</a:t>
-            </a:r>
-          </a:p>
-          <a:p>
-            <a:pPr marL="1085850" lvl="1" indent="-400050">
-              <a:lnSpc>
-                <a:spcPct val="150000"/>
-              </a:lnSpc>
-              <a:buFont typeface="+mj-lt"/>
-              <a:buAutoNum type="romanLcPeriod"/>
-            </a:pPr>
-            <a:r>
-              <a:rPr lang="en-US" dirty="0">
-                <a:latin typeface="Roboto" panose="02000000000000000000" pitchFamily="2" charset="0"/>
-                <a:ea typeface="Roboto" panose="02000000000000000000" pitchFamily="2" charset="0"/>
-                <a:cs typeface="Roboto" panose="02000000000000000000" pitchFamily="2" charset="0"/>
-                <a:sym typeface="Roboto"/>
-              </a:rPr>
-              <a:t>Installing Necessary Tools</a:t>
-            </a:r>
-          </a:p>
-          <a:p>
-            <a:pPr marL="1085850" lvl="1" indent="-400050">
-              <a:lnSpc>
-                <a:spcPct val="150000"/>
-              </a:lnSpc>
-              <a:buFont typeface="+mj-lt"/>
-              <a:buAutoNum type="romanLcPeriod"/>
-            </a:pPr>
-            <a:r>
-              <a:rPr lang="en-US" dirty="0">
-                <a:latin typeface="Roboto" panose="02000000000000000000" pitchFamily="2" charset="0"/>
-                <a:ea typeface="Roboto" panose="02000000000000000000" pitchFamily="2" charset="0"/>
-                <a:cs typeface="Roboto" panose="02000000000000000000" pitchFamily="2" charset="0"/>
-                <a:sym typeface="Roboto"/>
-              </a:rPr>
-              <a:t>First Selenium WebDriver Test in C#</a:t>
-            </a:r>
-          </a:p>
-          <a:p>
-            <a:pPr marL="228600" indent="0">
-              <a:lnSpc>
-                <a:spcPct val="150000"/>
-              </a:lnSpc>
-            </a:pPr>
-            <a:r>
-              <a:rPr lang="en-PH" sz="1600" b="1" dirty="0">
-                <a:solidFill>
-                  <a:schemeClr val="accent2"/>
-                </a:solidFill>
-                <a:latin typeface="Roboto"/>
-                <a:ea typeface="Roboto"/>
-                <a:cs typeface="Roboto"/>
-                <a:sym typeface="Roboto"/>
-              </a:rPr>
-              <a:t>III. </a:t>
-            </a:r>
-            <a:r>
-              <a:rPr lang="en-US" sz="1600" b="1" dirty="0">
-                <a:solidFill>
-                  <a:schemeClr val="accent2"/>
-                </a:solidFill>
-                <a:latin typeface="Roboto"/>
-                <a:ea typeface="Roboto"/>
-                <a:cs typeface="Roboto"/>
-                <a:sym typeface="Roboto"/>
-              </a:rPr>
-              <a:t>WebDriver Basics - Interactions &amp; Locators</a:t>
-            </a:r>
-          </a:p>
-          <a:p>
-            <a:pPr marL="1085850" lvl="1" indent="-400050">
-              <a:lnSpc>
-                <a:spcPct val="150000"/>
-              </a:lnSpc>
-              <a:buFont typeface="+mj-lt"/>
-              <a:buAutoNum type="romanLcPeriod"/>
-            </a:pPr>
-            <a:r>
-              <a:rPr lang="en-US" dirty="0">
-                <a:latin typeface="Roboto" panose="02000000000000000000" pitchFamily="2" charset="0"/>
-                <a:ea typeface="Roboto" panose="02000000000000000000" pitchFamily="2" charset="0"/>
-                <a:cs typeface="Roboto" panose="02000000000000000000" pitchFamily="2" charset="0"/>
-                <a:sym typeface="Roboto"/>
-              </a:rPr>
-              <a:t>Understanding WebDriver</a:t>
-            </a:r>
-          </a:p>
-          <a:p>
-            <a:pPr marL="1085850" lvl="1" indent="-400050">
-              <a:lnSpc>
-                <a:spcPct val="150000"/>
-              </a:lnSpc>
-              <a:buFont typeface="+mj-lt"/>
-              <a:buAutoNum type="romanLcPeriod"/>
-            </a:pPr>
-            <a:r>
-              <a:rPr lang="en-US" dirty="0">
-                <a:latin typeface="Roboto" panose="02000000000000000000" pitchFamily="2" charset="0"/>
-                <a:ea typeface="Roboto" panose="02000000000000000000" pitchFamily="2" charset="0"/>
-                <a:cs typeface="Roboto" panose="02000000000000000000" pitchFamily="2" charset="0"/>
-                <a:sym typeface="Roboto"/>
-              </a:rPr>
-              <a:t>Locating Elements on a Web Page</a:t>
-            </a:r>
-          </a:p>
-          <a:p>
-            <a:pPr marL="1085850" lvl="1" indent="-400050">
-              <a:lnSpc>
-                <a:spcPct val="150000"/>
-              </a:lnSpc>
-              <a:buFont typeface="+mj-lt"/>
-              <a:buAutoNum type="romanLcPeriod"/>
-            </a:pPr>
-            <a:r>
-              <a:rPr lang="en-US" dirty="0">
-                <a:latin typeface="Roboto" panose="02000000000000000000" pitchFamily="2" charset="0"/>
-                <a:ea typeface="Roboto" panose="02000000000000000000" pitchFamily="2" charset="0"/>
-                <a:cs typeface="Roboto" panose="02000000000000000000" pitchFamily="2" charset="0"/>
-                <a:sym typeface="Roboto"/>
-              </a:rPr>
-              <a:t>Basic Interactions with Web Elements</a:t>
-            </a:r>
-          </a:p>
-          <a:p>
-            <a:pPr marL="228600" indent="0">
-              <a:lnSpc>
-                <a:spcPct val="150000"/>
-              </a:lnSpc>
-            </a:pPr>
-            <a:endParaRPr lang="en-US" dirty="0">
-              <a:latin typeface="Roboto" panose="02000000000000000000" pitchFamily="2" charset="0"/>
-              <a:ea typeface="Roboto" panose="02000000000000000000" pitchFamily="2" charset="0"/>
-              <a:cs typeface="Roboto" panose="02000000000000000000" pitchFamily="2" charset="0"/>
-              <a:sym typeface="Roboto"/>
-            </a:endParaRPr>
-          </a:p>
-          <a:p>
-            <a:pPr marL="1085850" lvl="1" indent="-400050">
-              <a:lnSpc>
-                <a:spcPct val="150000"/>
-              </a:lnSpc>
-              <a:buFont typeface="+mj-lt"/>
-              <a:buAutoNum type="romanLcPeriod"/>
-            </a:pPr>
-            <a:endParaRPr lang="en-US" dirty="0">
-              <a:latin typeface="Roboto" panose="02000000000000000000" pitchFamily="2" charset="0"/>
-              <a:ea typeface="Roboto" panose="02000000000000000000" pitchFamily="2" charset="0"/>
-              <a:cs typeface="Roboto" panose="02000000000000000000" pitchFamily="2" charset="0"/>
-              <a:sym typeface="Roboto"/>
-            </a:endParaRPr>
-          </a:p>
-          <a:p>
-            <a:pPr marL="228600" indent="0">
-              <a:lnSpc>
-                <a:spcPct val="150000"/>
-              </a:lnSpc>
-            </a:pPr>
-            <a:endParaRPr lang="en-PH" sz="1600" b="1" dirty="0">
-              <a:solidFill>
-                <a:schemeClr val="accent2"/>
-              </a:solidFill>
-              <a:latin typeface="Roboto"/>
-              <a:ea typeface="Roboto"/>
-              <a:cs typeface="Roboto"/>
-              <a:sym typeface="Roboto"/>
-            </a:endParaRPr>
-          </a:p>
-          <a:p>
-            <a:pPr marL="228600" indent="0">
-              <a:lnSpc>
-                <a:spcPct val="150000"/>
-              </a:lnSpc>
-            </a:pPr>
-            <a:endParaRPr lang="en-PH" dirty="0">
-              <a:latin typeface="Roboto" panose="02000000000000000000" pitchFamily="2" charset="0"/>
-              <a:ea typeface="Roboto" panose="02000000000000000000" pitchFamily="2" charset="0"/>
-              <a:cs typeface="Roboto" panose="02000000000000000000" pitchFamily="2" charset="0"/>
-            </a:endParaRPr>
-          </a:p>
-        </p:txBody>
-      </p:sp>
-    </p:spTree>
-    <p:extLst>
-      <p:ext uri="{BB962C8B-B14F-4D97-AF65-F5344CB8AC3E}">
-        <p14:creationId xmlns:p14="http://schemas.microsoft.com/office/powerpoint/2010/main" val="1557157866"/>
-      </p:ext>
-    </p:extLst>
-  </p:cSld>
-  <p:clrMapOvr>
-    <a:masterClrMapping/>
-  </p:clrMapOvr>
-</p:sld>
-</file>
-
-<file path=ppt/slides/slide5.xml><?xml version="1.0" encoding="utf-8"?>
-<p:sld xmlns:a="http://schemas.openxmlformats.org/drawingml/2006/main" xmlns:r="http://schemas.openxmlformats.org/officeDocument/2006/relationships" xmlns:p="http://schemas.openxmlformats.org/presentationml/2006/main">
-  <p:cSld>
-    <p:spTree>
-      <p:nvGrpSpPr>
-        <p:cNvPr id="1" name="Shape 105">
-          <a:extLst>
-            <a:ext uri="{FF2B5EF4-FFF2-40B4-BE49-F238E27FC236}">
-              <a16:creationId xmlns:a16="http://schemas.microsoft.com/office/drawing/2014/main" id="{09908D2D-FD28-397B-939B-DE07D5A2D12A}"/>
-            </a:ext>
-          </a:extLst>
-        </p:cNvPr>
-        <p:cNvGrpSpPr/>
-        <p:nvPr/>
-      </p:nvGrpSpPr>
-      <p:grpSpPr>
-        <a:xfrm>
-          <a:off x="0" y="0"/>
-          <a:ext cx="0" cy="0"/>
-          <a:chOff x="0" y="0"/>
-          <a:chExt cx="0" cy="0"/>
-        </a:xfrm>
-      </p:grpSpPr>
-      <p:grpSp>
-        <p:nvGrpSpPr>
-          <p:cNvPr id="106" name="Google Shape;106;p3">
-            <a:extLst>
-              <a:ext uri="{FF2B5EF4-FFF2-40B4-BE49-F238E27FC236}">
-                <a16:creationId xmlns:a16="http://schemas.microsoft.com/office/drawing/2014/main" id="{EBE0797A-082C-A286-326D-5E80853609B1}"/>
-              </a:ext>
-            </a:extLst>
-          </p:cNvPr>
-          <p:cNvGrpSpPr/>
-          <p:nvPr/>
-        </p:nvGrpSpPr>
-        <p:grpSpPr>
-          <a:xfrm>
-            <a:off x="1" y="-4473"/>
-            <a:ext cx="12191999" cy="1798983"/>
-            <a:chOff x="1" y="-4473"/>
-            <a:chExt cx="12191999" cy="1798983"/>
-          </a:xfrm>
-        </p:grpSpPr>
-        <p:pic>
-          <p:nvPicPr>
-            <p:cNvPr id="107" name="Google Shape;107;p3">
-              <a:extLst>
-                <a:ext uri="{FF2B5EF4-FFF2-40B4-BE49-F238E27FC236}">
-                  <a16:creationId xmlns:a16="http://schemas.microsoft.com/office/drawing/2014/main" id="{794B983A-1D13-945B-F360-E1F014078A24}"/>
-                </a:ext>
-              </a:extLst>
-            </p:cNvPr>
-            <p:cNvPicPr preferRelativeResize="0"/>
-            <p:nvPr/>
-          </p:nvPicPr>
-          <p:blipFill rotWithShape="1">
-            <a:blip r:embed="rId3">
-              <a:alphaModFix/>
-            </a:blip>
-            <a:srcRect r="17643"/>
-            <a:stretch/>
-          </p:blipFill>
-          <p:spPr>
-            <a:xfrm>
-              <a:off x="1" y="0"/>
-              <a:ext cx="6410035" cy="1794510"/>
-            </a:xfrm>
-            <a:prstGeom prst="rect">
-              <a:avLst/>
-            </a:prstGeom>
-            <a:noFill/>
-            <a:ln>
-              <a:noFill/>
-            </a:ln>
-          </p:spPr>
-        </p:pic>
-        <p:pic>
-          <p:nvPicPr>
-            <p:cNvPr id="108" name="Google Shape;108;p3">
-              <a:extLst>
-                <a:ext uri="{FF2B5EF4-FFF2-40B4-BE49-F238E27FC236}">
-                  <a16:creationId xmlns:a16="http://schemas.microsoft.com/office/drawing/2014/main" id="{73C362DA-0C3F-30A9-ECA2-0FCB175E8523}"/>
-                </a:ext>
-              </a:extLst>
-            </p:cNvPr>
-            <p:cNvPicPr preferRelativeResize="0"/>
-            <p:nvPr/>
-          </p:nvPicPr>
-          <p:blipFill rotWithShape="1">
-            <a:blip r:embed="rId3">
-              <a:alphaModFix/>
-            </a:blip>
-            <a:srcRect l="74798" r="17642"/>
-            <a:stretch/>
-          </p:blipFill>
-          <p:spPr>
-            <a:xfrm>
-              <a:off x="5821680" y="-4473"/>
-              <a:ext cx="6370320" cy="1794510"/>
-            </a:xfrm>
-            <a:prstGeom prst="rect">
-              <a:avLst/>
-            </a:prstGeom>
-            <a:noFill/>
-            <a:ln>
-              <a:noFill/>
-            </a:ln>
-          </p:spPr>
-        </p:pic>
-      </p:grpSp>
-      <p:sp>
-        <p:nvSpPr>
-          <p:cNvPr id="8" name="Text Placeholder 7">
-            <a:extLst>
-              <a:ext uri="{FF2B5EF4-FFF2-40B4-BE49-F238E27FC236}">
-                <a16:creationId xmlns:a16="http://schemas.microsoft.com/office/drawing/2014/main" id="{D9F81F88-06F2-4CEF-1834-8BE8A4D65206}"/>
-              </a:ext>
-            </a:extLst>
-          </p:cNvPr>
-          <p:cNvSpPr>
-            <a:spLocks noGrp="1"/>
-          </p:cNvSpPr>
-          <p:nvPr>
-            <p:ph type="body" idx="2"/>
-          </p:nvPr>
-        </p:nvSpPr>
-        <p:spPr>
-          <a:xfrm>
-            <a:off x="1032220" y="1307144"/>
-            <a:ext cx="9702586" cy="5200127"/>
-          </a:xfrm>
-        </p:spPr>
-        <p:txBody>
-          <a:bodyPr>
-            <a:normAutofit/>
-          </a:bodyPr>
-          <a:lstStyle/>
-          <a:p>
-            <a:pPr marL="228600" indent="0">
-              <a:lnSpc>
-                <a:spcPct val="150000"/>
-              </a:lnSpc>
-            </a:pPr>
-            <a:r>
-              <a:rPr lang="en-PH" sz="1800" b="1" dirty="0">
-                <a:solidFill>
-                  <a:schemeClr val="accent2"/>
-                </a:solidFill>
-                <a:latin typeface="Roboto"/>
-                <a:ea typeface="Roboto"/>
-                <a:cs typeface="Roboto"/>
-                <a:sym typeface="Roboto"/>
-              </a:rPr>
-              <a:t>IV. Working with Waits &amp; Synchronization</a:t>
-            </a:r>
-          </a:p>
-          <a:p>
-            <a:pPr marL="1085850" lvl="1" indent="-400050">
-              <a:lnSpc>
-                <a:spcPct val="150000"/>
-              </a:lnSpc>
-              <a:buFont typeface="+mj-lt"/>
-              <a:buAutoNum type="romanLcPeriod"/>
-            </a:pPr>
-            <a:r>
-              <a:rPr lang="en-PH" dirty="0">
-                <a:latin typeface="Roboto" panose="02000000000000000000" pitchFamily="2" charset="0"/>
-                <a:ea typeface="Roboto" panose="02000000000000000000" pitchFamily="2" charset="0"/>
-                <a:cs typeface="Roboto" panose="02000000000000000000" pitchFamily="2" charset="0"/>
-              </a:rPr>
-              <a:t>Synchronization in WebDriver</a:t>
-            </a:r>
-          </a:p>
-          <a:p>
-            <a:pPr marL="1085850" lvl="1" indent="-400050">
-              <a:lnSpc>
-                <a:spcPct val="150000"/>
-              </a:lnSpc>
-              <a:buFont typeface="+mj-lt"/>
-              <a:buAutoNum type="romanLcPeriod"/>
-            </a:pPr>
-            <a:r>
-              <a:rPr lang="en-PH" dirty="0">
-                <a:latin typeface="Roboto" panose="02000000000000000000" pitchFamily="2" charset="0"/>
-                <a:ea typeface="Roboto" panose="02000000000000000000" pitchFamily="2" charset="0"/>
-                <a:cs typeface="Roboto" panose="02000000000000000000" pitchFamily="2" charset="0"/>
-              </a:rPr>
-              <a:t>Handling Dynamic Content</a:t>
-            </a:r>
-          </a:p>
-          <a:p>
-            <a:pPr marL="228600" indent="0">
-              <a:lnSpc>
-                <a:spcPct val="150000"/>
-              </a:lnSpc>
-            </a:pPr>
-            <a:r>
-              <a:rPr lang="en-PH" b="1" dirty="0">
-                <a:solidFill>
-                  <a:schemeClr val="accent2"/>
-                </a:solidFill>
-                <a:latin typeface="Roboto"/>
-                <a:ea typeface="Roboto"/>
-                <a:cs typeface="Roboto"/>
-                <a:sym typeface="Roboto"/>
-              </a:rPr>
-              <a:t>V</a:t>
-            </a:r>
-            <a:r>
-              <a:rPr lang="en-PH" sz="1600" b="1" dirty="0">
-                <a:solidFill>
-                  <a:schemeClr val="accent2"/>
-                </a:solidFill>
-                <a:latin typeface="Roboto"/>
-                <a:ea typeface="Roboto"/>
-                <a:cs typeface="Roboto"/>
-                <a:sym typeface="Roboto"/>
-              </a:rPr>
-              <a:t>. </a:t>
-            </a:r>
-            <a:r>
-              <a:rPr lang="en-US" sz="1600" b="1" dirty="0">
-                <a:solidFill>
-                  <a:schemeClr val="accent2"/>
-                </a:solidFill>
-                <a:latin typeface="Roboto"/>
-                <a:ea typeface="Roboto"/>
-                <a:cs typeface="Roboto"/>
-                <a:sym typeface="Roboto"/>
-              </a:rPr>
-              <a:t>Organizing Tests and Assertions</a:t>
-            </a:r>
-          </a:p>
-          <a:p>
-            <a:pPr marL="1085850" lvl="1" indent="-400050">
-              <a:lnSpc>
-                <a:spcPct val="150000"/>
-              </a:lnSpc>
-              <a:buFont typeface="+mj-lt"/>
-              <a:buAutoNum type="romanLcPeriod"/>
-            </a:pPr>
-            <a:r>
-              <a:rPr lang="en-US" dirty="0" err="1">
-                <a:latin typeface="Roboto" panose="02000000000000000000" pitchFamily="2" charset="0"/>
-                <a:ea typeface="Roboto" panose="02000000000000000000" pitchFamily="2" charset="0"/>
-                <a:cs typeface="Roboto" panose="02000000000000000000" pitchFamily="2" charset="0"/>
-                <a:sym typeface="Roboto"/>
-              </a:rPr>
-              <a:t>NUnit</a:t>
-            </a:r>
-            <a:r>
-              <a:rPr lang="en-US" dirty="0">
-                <a:latin typeface="Roboto" panose="02000000000000000000" pitchFamily="2" charset="0"/>
-                <a:ea typeface="Roboto" panose="02000000000000000000" pitchFamily="2" charset="0"/>
-                <a:cs typeface="Roboto" panose="02000000000000000000" pitchFamily="2" charset="0"/>
-                <a:sym typeface="Roboto"/>
-              </a:rPr>
-              <a:t> Test Frameworks</a:t>
-            </a:r>
-          </a:p>
-          <a:p>
-            <a:pPr marL="1085850" lvl="1" indent="-400050">
-              <a:lnSpc>
-                <a:spcPct val="150000"/>
-              </a:lnSpc>
-              <a:buFont typeface="+mj-lt"/>
-              <a:buAutoNum type="romanLcPeriod"/>
-            </a:pPr>
-            <a:r>
-              <a:rPr lang="en-US" dirty="0">
-                <a:latin typeface="Roboto" panose="02000000000000000000" pitchFamily="2" charset="0"/>
-                <a:ea typeface="Roboto" panose="02000000000000000000" pitchFamily="2" charset="0"/>
-                <a:cs typeface="Roboto" panose="02000000000000000000" pitchFamily="2" charset="0"/>
-                <a:sym typeface="Roboto"/>
-              </a:rPr>
-              <a:t>Test Case Design</a:t>
-            </a:r>
-          </a:p>
-          <a:p>
-            <a:pPr marL="228600" indent="0">
-              <a:lnSpc>
-                <a:spcPct val="150000"/>
-              </a:lnSpc>
-            </a:pPr>
-            <a:r>
-              <a:rPr lang="en-PH" sz="1600" b="1" dirty="0">
-                <a:solidFill>
-                  <a:schemeClr val="accent2"/>
-                </a:solidFill>
-                <a:latin typeface="Roboto"/>
-                <a:ea typeface="Roboto"/>
-                <a:cs typeface="Roboto"/>
-                <a:sym typeface="Roboto"/>
-              </a:rPr>
-              <a:t>VI. </a:t>
-            </a:r>
-            <a:r>
-              <a:rPr lang="en-US" sz="1600" b="1" dirty="0">
-                <a:solidFill>
-                  <a:schemeClr val="accent2"/>
-                </a:solidFill>
-                <a:latin typeface="Roboto"/>
-                <a:ea typeface="Roboto"/>
-                <a:cs typeface="Roboto"/>
-                <a:sym typeface="Roboto"/>
-              </a:rPr>
-              <a:t>Advanced WebDriver Techniques</a:t>
-            </a:r>
-          </a:p>
-          <a:p>
-            <a:pPr marL="1085850" lvl="1" indent="-400050">
-              <a:lnSpc>
-                <a:spcPct val="150000"/>
-              </a:lnSpc>
-              <a:buFont typeface="+mj-lt"/>
-              <a:buAutoNum type="romanLcPeriod"/>
-            </a:pPr>
-            <a:r>
-              <a:rPr lang="en-US" dirty="0">
-                <a:latin typeface="Roboto" panose="02000000000000000000" pitchFamily="2" charset="0"/>
-                <a:ea typeface="Roboto" panose="02000000000000000000" pitchFamily="2" charset="0"/>
-                <a:cs typeface="Roboto" panose="02000000000000000000" pitchFamily="2" charset="0"/>
-                <a:sym typeface="Roboto"/>
-              </a:rPr>
-              <a:t>Handling Complex Web Elements</a:t>
-            </a:r>
-          </a:p>
-          <a:p>
-            <a:pPr marL="1085850" lvl="1" indent="-400050">
-              <a:lnSpc>
-                <a:spcPct val="150000"/>
-              </a:lnSpc>
-              <a:buFont typeface="+mj-lt"/>
-              <a:buAutoNum type="romanLcPeriod"/>
-            </a:pPr>
-            <a:r>
-              <a:rPr lang="en-US" dirty="0">
-                <a:latin typeface="Roboto" panose="02000000000000000000" pitchFamily="2" charset="0"/>
-                <a:ea typeface="Roboto" panose="02000000000000000000" pitchFamily="2" charset="0"/>
-                <a:cs typeface="Roboto" panose="02000000000000000000" pitchFamily="2" charset="0"/>
-                <a:sym typeface="Roboto"/>
-              </a:rPr>
-              <a:t>Actions Class</a:t>
-            </a:r>
-          </a:p>
-          <a:p>
-            <a:pPr marL="228600" indent="0">
-              <a:lnSpc>
-                <a:spcPct val="150000"/>
-              </a:lnSpc>
-            </a:pPr>
-            <a:endParaRPr lang="en-US" dirty="0">
-              <a:latin typeface="Roboto" panose="02000000000000000000" pitchFamily="2" charset="0"/>
-              <a:ea typeface="Roboto" panose="02000000000000000000" pitchFamily="2" charset="0"/>
-              <a:cs typeface="Roboto" panose="02000000000000000000" pitchFamily="2" charset="0"/>
-              <a:sym typeface="Roboto"/>
-            </a:endParaRPr>
-          </a:p>
-          <a:p>
-            <a:pPr marL="1085850" lvl="1" indent="-400050">
-              <a:lnSpc>
-                <a:spcPct val="150000"/>
-              </a:lnSpc>
-              <a:buFont typeface="+mj-lt"/>
-              <a:buAutoNum type="romanLcPeriod"/>
-            </a:pPr>
-            <a:endParaRPr lang="en-US" dirty="0">
-              <a:latin typeface="Roboto" panose="02000000000000000000" pitchFamily="2" charset="0"/>
-              <a:ea typeface="Roboto" panose="02000000000000000000" pitchFamily="2" charset="0"/>
-              <a:cs typeface="Roboto" panose="02000000000000000000" pitchFamily="2" charset="0"/>
-              <a:sym typeface="Roboto"/>
-            </a:endParaRPr>
-          </a:p>
-          <a:p>
-            <a:pPr marL="228600" indent="0">
-              <a:lnSpc>
-                <a:spcPct val="150000"/>
-              </a:lnSpc>
-            </a:pPr>
-            <a:endParaRPr lang="en-PH" sz="1600" b="1" dirty="0">
-              <a:solidFill>
-                <a:schemeClr val="accent2"/>
-              </a:solidFill>
-              <a:latin typeface="Roboto"/>
-              <a:ea typeface="Roboto"/>
-              <a:cs typeface="Roboto"/>
-              <a:sym typeface="Roboto"/>
-            </a:endParaRPr>
-          </a:p>
-          <a:p>
-            <a:pPr marL="228600" indent="0">
-              <a:lnSpc>
-                <a:spcPct val="150000"/>
-              </a:lnSpc>
-            </a:pPr>
-            <a:endParaRPr lang="en-PH" dirty="0">
-              <a:latin typeface="Roboto" panose="02000000000000000000" pitchFamily="2" charset="0"/>
-              <a:ea typeface="Roboto" panose="02000000000000000000" pitchFamily="2" charset="0"/>
-              <a:cs typeface="Roboto" panose="02000000000000000000" pitchFamily="2" charset="0"/>
-            </a:endParaRPr>
-          </a:p>
-        </p:txBody>
-      </p:sp>
-    </p:spTree>
-    <p:extLst>
-      <p:ext uri="{BB962C8B-B14F-4D97-AF65-F5344CB8AC3E}">
-        <p14:creationId xmlns:p14="http://schemas.microsoft.com/office/powerpoint/2010/main" val="2681103357"/>
-      </p:ext>
-    </p:extLst>
-  </p:cSld>
-  <p:clrMapOvr>
-    <a:masterClrMapping/>
-  </p:clrMapOvr>
-</p:sld>
-</file>
-
-<file path=ppt/slides/slide6.xml><?xml version="1.0" encoding="utf-8"?>
-<p:sld xmlns:a="http://schemas.openxmlformats.org/drawingml/2006/main" xmlns:r="http://schemas.openxmlformats.org/officeDocument/2006/relationships" xmlns:p="http://schemas.openxmlformats.org/presentationml/2006/main">
-  <p:cSld>
-    <p:spTree>
-      <p:nvGrpSpPr>
-        <p:cNvPr id="1" name="Shape 105">
-          <a:extLst>
-            <a:ext uri="{FF2B5EF4-FFF2-40B4-BE49-F238E27FC236}">
-              <a16:creationId xmlns:a16="http://schemas.microsoft.com/office/drawing/2014/main" id="{F3F628B8-5E95-D577-037A-BEE0EE37C731}"/>
-            </a:ext>
-          </a:extLst>
-        </p:cNvPr>
-        <p:cNvGrpSpPr/>
-        <p:nvPr/>
-      </p:nvGrpSpPr>
-      <p:grpSpPr>
-        <a:xfrm>
-          <a:off x="0" y="0"/>
-          <a:ext cx="0" cy="0"/>
-          <a:chOff x="0" y="0"/>
-          <a:chExt cx="0" cy="0"/>
-        </a:xfrm>
-      </p:grpSpPr>
-      <p:grpSp>
-        <p:nvGrpSpPr>
-          <p:cNvPr id="106" name="Google Shape;106;p3">
-            <a:extLst>
-              <a:ext uri="{FF2B5EF4-FFF2-40B4-BE49-F238E27FC236}">
-                <a16:creationId xmlns:a16="http://schemas.microsoft.com/office/drawing/2014/main" id="{0F6D8E9D-90C3-C269-379B-3429B363DD75}"/>
-              </a:ext>
-            </a:extLst>
-          </p:cNvPr>
-          <p:cNvGrpSpPr/>
-          <p:nvPr/>
-        </p:nvGrpSpPr>
-        <p:grpSpPr>
-          <a:xfrm>
-            <a:off x="1" y="-4473"/>
-            <a:ext cx="12191999" cy="1798983"/>
-            <a:chOff x="1" y="-4473"/>
-            <a:chExt cx="12191999" cy="1798983"/>
-          </a:xfrm>
-        </p:grpSpPr>
-        <p:pic>
-          <p:nvPicPr>
-            <p:cNvPr id="107" name="Google Shape;107;p3">
-              <a:extLst>
-                <a:ext uri="{FF2B5EF4-FFF2-40B4-BE49-F238E27FC236}">
-                  <a16:creationId xmlns:a16="http://schemas.microsoft.com/office/drawing/2014/main" id="{589FC3D1-ED3B-0404-3314-DB807BA2B8C7}"/>
-                </a:ext>
-              </a:extLst>
-            </p:cNvPr>
-            <p:cNvPicPr preferRelativeResize="0"/>
-            <p:nvPr/>
-          </p:nvPicPr>
-          <p:blipFill rotWithShape="1">
-            <a:blip r:embed="rId3">
-              <a:alphaModFix/>
-            </a:blip>
-            <a:srcRect r="17643"/>
-            <a:stretch/>
-          </p:blipFill>
-          <p:spPr>
-            <a:xfrm>
-              <a:off x="1" y="0"/>
-              <a:ext cx="6410035" cy="1794510"/>
-            </a:xfrm>
-            <a:prstGeom prst="rect">
-              <a:avLst/>
-            </a:prstGeom>
-            <a:noFill/>
-            <a:ln>
-              <a:noFill/>
-            </a:ln>
-          </p:spPr>
-        </p:pic>
-        <p:pic>
-          <p:nvPicPr>
-            <p:cNvPr id="108" name="Google Shape;108;p3">
-              <a:extLst>
-                <a:ext uri="{FF2B5EF4-FFF2-40B4-BE49-F238E27FC236}">
-                  <a16:creationId xmlns:a16="http://schemas.microsoft.com/office/drawing/2014/main" id="{BA9F1772-F2F8-C9D4-53E4-9055350A4213}"/>
-                </a:ext>
-              </a:extLst>
-            </p:cNvPr>
-            <p:cNvPicPr preferRelativeResize="0"/>
-            <p:nvPr/>
-          </p:nvPicPr>
-          <p:blipFill rotWithShape="1">
-            <a:blip r:embed="rId3">
-              <a:alphaModFix/>
-            </a:blip>
-            <a:srcRect l="74798" r="17642"/>
-            <a:stretch/>
-          </p:blipFill>
-          <p:spPr>
-            <a:xfrm>
-              <a:off x="5821680" y="-4473"/>
-              <a:ext cx="6370320" cy="1794510"/>
-            </a:xfrm>
-            <a:prstGeom prst="rect">
-              <a:avLst/>
-            </a:prstGeom>
-            <a:noFill/>
-            <a:ln>
-              <a:noFill/>
-            </a:ln>
-          </p:spPr>
-        </p:pic>
-      </p:grpSp>
-      <p:sp>
-        <p:nvSpPr>
-          <p:cNvPr id="8" name="Text Placeholder 7">
-            <a:extLst>
-              <a:ext uri="{FF2B5EF4-FFF2-40B4-BE49-F238E27FC236}">
-                <a16:creationId xmlns:a16="http://schemas.microsoft.com/office/drawing/2014/main" id="{AFEEC6C8-F1DE-2DDE-674F-B9B600C3CAD4}"/>
-              </a:ext>
-            </a:extLst>
-          </p:cNvPr>
-          <p:cNvSpPr>
-            <a:spLocks noGrp="1"/>
-          </p:cNvSpPr>
-          <p:nvPr>
-            <p:ph type="body" idx="2"/>
-          </p:nvPr>
-        </p:nvSpPr>
-        <p:spPr>
-          <a:xfrm>
-            <a:off x="1032220" y="1307144"/>
-            <a:ext cx="9702586" cy="5200127"/>
-          </a:xfrm>
-        </p:spPr>
-        <p:txBody>
-          <a:bodyPr>
-            <a:normAutofit/>
-          </a:bodyPr>
-          <a:lstStyle/>
-          <a:p>
-            <a:pPr marL="228600" indent="0">
-              <a:lnSpc>
-                <a:spcPct val="150000"/>
-              </a:lnSpc>
-            </a:pPr>
-            <a:r>
-              <a:rPr lang="en-PH" sz="1800" b="1" dirty="0">
-                <a:solidFill>
-                  <a:schemeClr val="accent2"/>
-                </a:solidFill>
-                <a:latin typeface="Roboto"/>
-                <a:ea typeface="Roboto"/>
-                <a:cs typeface="Roboto"/>
-                <a:sym typeface="Roboto"/>
-              </a:rPr>
-              <a:t>VII. Data-Driven Testing</a:t>
-            </a:r>
-          </a:p>
-          <a:p>
-            <a:pPr marL="1085850" lvl="1" indent="-400050">
-              <a:lnSpc>
-                <a:spcPct val="150000"/>
-              </a:lnSpc>
-              <a:buFont typeface="+mj-lt"/>
-              <a:buAutoNum type="romanLcPeriod"/>
-            </a:pPr>
-            <a:r>
-              <a:rPr lang="en-PH" dirty="0">
-                <a:latin typeface="Roboto" panose="02000000000000000000" pitchFamily="2" charset="0"/>
-                <a:ea typeface="Roboto" panose="02000000000000000000" pitchFamily="2" charset="0"/>
-                <a:cs typeface="Roboto" panose="02000000000000000000" pitchFamily="2" charset="0"/>
-              </a:rPr>
-              <a:t>Introduction to Data-Driven Testing</a:t>
-            </a:r>
-          </a:p>
-          <a:p>
-            <a:pPr marL="1085850" lvl="1" indent="-400050">
-              <a:lnSpc>
-                <a:spcPct val="150000"/>
-              </a:lnSpc>
-              <a:buFont typeface="+mj-lt"/>
-              <a:buAutoNum type="romanLcPeriod"/>
-            </a:pPr>
-            <a:r>
-              <a:rPr lang="en-PH" dirty="0">
-                <a:latin typeface="Roboto" panose="02000000000000000000" pitchFamily="2" charset="0"/>
-                <a:ea typeface="Roboto" panose="02000000000000000000" pitchFamily="2" charset="0"/>
-                <a:cs typeface="Roboto" panose="02000000000000000000" pitchFamily="2" charset="0"/>
-              </a:rPr>
-              <a:t>Working with Data Sources</a:t>
-            </a:r>
-          </a:p>
-          <a:p>
-            <a:pPr marL="228600" indent="0">
-              <a:lnSpc>
-                <a:spcPct val="150000"/>
-              </a:lnSpc>
-            </a:pPr>
-            <a:r>
-              <a:rPr lang="en-PH" b="1" dirty="0">
-                <a:solidFill>
-                  <a:schemeClr val="accent2"/>
-                </a:solidFill>
-                <a:latin typeface="Roboto"/>
-                <a:ea typeface="Roboto"/>
-                <a:cs typeface="Roboto"/>
-                <a:sym typeface="Roboto"/>
-              </a:rPr>
-              <a:t>VIII</a:t>
-            </a:r>
-            <a:r>
-              <a:rPr lang="en-PH" sz="1600" b="1" dirty="0">
-                <a:solidFill>
-                  <a:schemeClr val="accent2"/>
-                </a:solidFill>
-                <a:latin typeface="Roboto"/>
-                <a:ea typeface="Roboto"/>
-                <a:cs typeface="Roboto"/>
-                <a:sym typeface="Roboto"/>
-              </a:rPr>
-              <a:t>. </a:t>
-            </a:r>
-            <a:r>
-              <a:rPr lang="en-US" sz="1600" b="1" dirty="0">
-                <a:solidFill>
-                  <a:schemeClr val="accent2"/>
-                </a:solidFill>
-                <a:latin typeface="Roboto"/>
-                <a:ea typeface="Roboto"/>
-                <a:cs typeface="Roboto"/>
-                <a:sym typeface="Roboto"/>
-              </a:rPr>
-              <a:t>Page Object Model (POM) Design Pattern</a:t>
-            </a:r>
-          </a:p>
-          <a:p>
-            <a:pPr marL="1085850" lvl="1" indent="-400050">
-              <a:lnSpc>
-                <a:spcPct val="150000"/>
-              </a:lnSpc>
-              <a:buFont typeface="+mj-lt"/>
-              <a:buAutoNum type="romanLcPeriod"/>
-            </a:pPr>
-            <a:r>
-              <a:rPr lang="en-US" dirty="0">
-                <a:latin typeface="Roboto" panose="02000000000000000000" pitchFamily="2" charset="0"/>
-                <a:ea typeface="Roboto" panose="02000000000000000000" pitchFamily="2" charset="0"/>
-                <a:cs typeface="Roboto" panose="02000000000000000000" pitchFamily="2" charset="0"/>
-                <a:sym typeface="Roboto"/>
-              </a:rPr>
-              <a:t>Introduction to POM</a:t>
-            </a:r>
-          </a:p>
-          <a:p>
-            <a:pPr marL="1085850" lvl="1" indent="-400050">
-              <a:lnSpc>
-                <a:spcPct val="150000"/>
-              </a:lnSpc>
-              <a:buFont typeface="+mj-lt"/>
-              <a:buAutoNum type="romanLcPeriod"/>
-            </a:pPr>
-            <a:r>
-              <a:rPr lang="en-US" dirty="0">
-                <a:latin typeface="Roboto" panose="02000000000000000000" pitchFamily="2" charset="0"/>
-                <a:ea typeface="Roboto" panose="02000000000000000000" pitchFamily="2" charset="0"/>
-                <a:cs typeface="Roboto" panose="02000000000000000000" pitchFamily="2" charset="0"/>
-                <a:sym typeface="Roboto"/>
-              </a:rPr>
-              <a:t>Implementing POM in C#</a:t>
-            </a:r>
-          </a:p>
-          <a:p>
-            <a:pPr marL="228600" indent="0">
-              <a:lnSpc>
-                <a:spcPct val="150000"/>
-              </a:lnSpc>
-            </a:pPr>
-            <a:r>
-              <a:rPr lang="en-PH" sz="1600" b="1" dirty="0">
-                <a:solidFill>
-                  <a:schemeClr val="accent2"/>
-                </a:solidFill>
-                <a:latin typeface="Roboto"/>
-                <a:ea typeface="Roboto"/>
-                <a:cs typeface="Roboto"/>
-                <a:sym typeface="Roboto"/>
-              </a:rPr>
-              <a:t>IX. </a:t>
-            </a:r>
-            <a:r>
-              <a:rPr lang="en-US" sz="1600" b="1" dirty="0">
-                <a:solidFill>
-                  <a:schemeClr val="accent2"/>
-                </a:solidFill>
-                <a:latin typeface="Roboto"/>
-                <a:ea typeface="Roboto"/>
-                <a:cs typeface="Roboto"/>
-                <a:sym typeface="Roboto"/>
-              </a:rPr>
-              <a:t>Handling Dynamic Elements &amp; Advanced Locators</a:t>
-            </a:r>
-          </a:p>
-          <a:p>
-            <a:pPr marL="1085850" lvl="1" indent="-400050">
-              <a:lnSpc>
-                <a:spcPct val="150000"/>
-              </a:lnSpc>
-              <a:buFont typeface="+mj-lt"/>
-              <a:buAutoNum type="romanLcPeriod"/>
-            </a:pPr>
-            <a:r>
-              <a:rPr lang="en-US" dirty="0">
-                <a:latin typeface="Roboto" panose="02000000000000000000" pitchFamily="2" charset="0"/>
-                <a:ea typeface="Roboto" panose="02000000000000000000" pitchFamily="2" charset="0"/>
-                <a:cs typeface="Roboto" panose="02000000000000000000" pitchFamily="2" charset="0"/>
-                <a:sym typeface="Roboto"/>
-              </a:rPr>
-              <a:t>Handling Dynamic Web Elements</a:t>
-            </a:r>
-          </a:p>
-          <a:p>
-            <a:pPr marL="1085850" lvl="1" indent="-400050">
-              <a:lnSpc>
-                <a:spcPct val="150000"/>
-              </a:lnSpc>
-              <a:buFont typeface="+mj-lt"/>
-              <a:buAutoNum type="romanLcPeriod"/>
-            </a:pPr>
-            <a:r>
-              <a:rPr lang="en-US" dirty="0">
-                <a:latin typeface="Roboto" panose="02000000000000000000" pitchFamily="2" charset="0"/>
-                <a:ea typeface="Roboto" panose="02000000000000000000" pitchFamily="2" charset="0"/>
-                <a:cs typeface="Roboto" panose="02000000000000000000" pitchFamily="2" charset="0"/>
-                <a:sym typeface="Roboto"/>
-              </a:rPr>
-              <a:t>Working with Multiple Elements and Lists</a:t>
-            </a:r>
-          </a:p>
-          <a:p>
-            <a:pPr marL="228600" indent="0">
-              <a:lnSpc>
-                <a:spcPct val="150000"/>
-              </a:lnSpc>
-            </a:pPr>
-            <a:endParaRPr lang="en-US" dirty="0">
-              <a:latin typeface="Roboto" panose="02000000000000000000" pitchFamily="2" charset="0"/>
-              <a:ea typeface="Roboto" panose="02000000000000000000" pitchFamily="2" charset="0"/>
-              <a:cs typeface="Roboto" panose="02000000000000000000" pitchFamily="2" charset="0"/>
-              <a:sym typeface="Roboto"/>
-            </a:endParaRPr>
-          </a:p>
-          <a:p>
-            <a:pPr marL="1085850" lvl="1" indent="-400050">
-              <a:lnSpc>
-                <a:spcPct val="150000"/>
-              </a:lnSpc>
-              <a:buFont typeface="+mj-lt"/>
-              <a:buAutoNum type="romanLcPeriod"/>
-            </a:pPr>
-            <a:endParaRPr lang="en-US" dirty="0">
-              <a:latin typeface="Roboto" panose="02000000000000000000" pitchFamily="2" charset="0"/>
-              <a:ea typeface="Roboto" panose="02000000000000000000" pitchFamily="2" charset="0"/>
-              <a:cs typeface="Roboto" panose="02000000000000000000" pitchFamily="2" charset="0"/>
-              <a:sym typeface="Roboto"/>
-            </a:endParaRPr>
-          </a:p>
-          <a:p>
-            <a:pPr marL="228600" indent="0">
-              <a:lnSpc>
-                <a:spcPct val="150000"/>
-              </a:lnSpc>
-            </a:pPr>
-            <a:endParaRPr lang="en-PH" sz="1600" b="1" dirty="0">
-              <a:solidFill>
-                <a:schemeClr val="accent2"/>
-              </a:solidFill>
-              <a:latin typeface="Roboto"/>
-              <a:ea typeface="Roboto"/>
-              <a:cs typeface="Roboto"/>
-              <a:sym typeface="Roboto"/>
-            </a:endParaRPr>
-          </a:p>
-          <a:p>
-            <a:pPr marL="228600" indent="0">
-              <a:lnSpc>
-                <a:spcPct val="150000"/>
-              </a:lnSpc>
-            </a:pPr>
-            <a:endParaRPr lang="en-PH" dirty="0">
-              <a:latin typeface="Roboto" panose="02000000000000000000" pitchFamily="2" charset="0"/>
-              <a:ea typeface="Roboto" panose="02000000000000000000" pitchFamily="2" charset="0"/>
-              <a:cs typeface="Roboto" panose="02000000000000000000" pitchFamily="2" charset="0"/>
-            </a:endParaRPr>
-          </a:p>
-        </p:txBody>
-      </p:sp>
-    </p:spTree>
-    <p:extLst>
-      <p:ext uri="{BB962C8B-B14F-4D97-AF65-F5344CB8AC3E}">
-        <p14:creationId xmlns:p14="http://schemas.microsoft.com/office/powerpoint/2010/main" val="354982319"/>
-      </p:ext>
-    </p:extLst>
-  </p:cSld>
-  <p:clrMapOvr>
-    <a:masterClrMapping/>
-  </p:clrMapOvr>
-</p:sld>
-</file>
-
-<file path=ppt/slides/slide7.xml><?xml version="1.0" encoding="utf-8"?>
-<p:sld xmlns:a="http://schemas.openxmlformats.org/drawingml/2006/main" xmlns:r="http://schemas.openxmlformats.org/officeDocument/2006/relationships" xmlns:p="http://schemas.openxmlformats.org/presentationml/2006/main">
-  <p:cSld>
-    <p:spTree>
-      <p:nvGrpSpPr>
-        <p:cNvPr id="1" name="Shape 105">
-          <a:extLst>
-            <a:ext uri="{FF2B5EF4-FFF2-40B4-BE49-F238E27FC236}">
-              <a16:creationId xmlns:a16="http://schemas.microsoft.com/office/drawing/2014/main" id="{50A42F57-4A7E-3988-78A4-13B4AFA6F885}"/>
-            </a:ext>
-          </a:extLst>
-        </p:cNvPr>
-        <p:cNvGrpSpPr/>
-        <p:nvPr/>
-      </p:nvGrpSpPr>
-      <p:grpSpPr>
-        <a:xfrm>
-          <a:off x="0" y="0"/>
-          <a:ext cx="0" cy="0"/>
-          <a:chOff x="0" y="0"/>
-          <a:chExt cx="0" cy="0"/>
-        </a:xfrm>
-      </p:grpSpPr>
-      <p:grpSp>
-        <p:nvGrpSpPr>
-          <p:cNvPr id="106" name="Google Shape;106;p3">
-            <a:extLst>
-              <a:ext uri="{FF2B5EF4-FFF2-40B4-BE49-F238E27FC236}">
-                <a16:creationId xmlns:a16="http://schemas.microsoft.com/office/drawing/2014/main" id="{D99E5916-499D-21A8-5839-93AD9D6C6DB6}"/>
-              </a:ext>
-            </a:extLst>
-          </p:cNvPr>
-          <p:cNvGrpSpPr/>
-          <p:nvPr/>
-        </p:nvGrpSpPr>
-        <p:grpSpPr>
-          <a:xfrm>
-            <a:off x="1" y="-4473"/>
-            <a:ext cx="12191999" cy="1798983"/>
-            <a:chOff x="1" y="-4473"/>
-            <a:chExt cx="12191999" cy="1798983"/>
-          </a:xfrm>
-        </p:grpSpPr>
-        <p:pic>
-          <p:nvPicPr>
-            <p:cNvPr id="107" name="Google Shape;107;p3">
-              <a:extLst>
-                <a:ext uri="{FF2B5EF4-FFF2-40B4-BE49-F238E27FC236}">
-                  <a16:creationId xmlns:a16="http://schemas.microsoft.com/office/drawing/2014/main" id="{9D50070B-BBC7-22DE-BD02-3404A1C52724}"/>
-                </a:ext>
-              </a:extLst>
-            </p:cNvPr>
-            <p:cNvPicPr preferRelativeResize="0"/>
-            <p:nvPr/>
-          </p:nvPicPr>
-          <p:blipFill rotWithShape="1">
-            <a:blip r:embed="rId3">
-              <a:alphaModFix/>
-            </a:blip>
-            <a:srcRect r="17643"/>
-            <a:stretch/>
-          </p:blipFill>
-          <p:spPr>
-            <a:xfrm>
-              <a:off x="1" y="0"/>
-              <a:ext cx="6410035" cy="1794510"/>
-            </a:xfrm>
-            <a:prstGeom prst="rect">
-              <a:avLst/>
-            </a:prstGeom>
-            <a:noFill/>
-            <a:ln>
-              <a:noFill/>
-            </a:ln>
-          </p:spPr>
-        </p:pic>
-        <p:pic>
-          <p:nvPicPr>
-            <p:cNvPr id="108" name="Google Shape;108;p3">
-              <a:extLst>
-                <a:ext uri="{FF2B5EF4-FFF2-40B4-BE49-F238E27FC236}">
-                  <a16:creationId xmlns:a16="http://schemas.microsoft.com/office/drawing/2014/main" id="{373759A6-BCB8-A6DD-C2B9-BA3837DA4394}"/>
-                </a:ext>
-              </a:extLst>
-            </p:cNvPr>
-            <p:cNvPicPr preferRelativeResize="0"/>
-            <p:nvPr/>
-          </p:nvPicPr>
-          <p:blipFill rotWithShape="1">
-            <a:blip r:embed="rId3">
-              <a:alphaModFix/>
-            </a:blip>
-            <a:srcRect l="74798" r="17642"/>
-            <a:stretch/>
-          </p:blipFill>
-          <p:spPr>
-            <a:xfrm>
-              <a:off x="5821680" y="-4473"/>
-              <a:ext cx="6370320" cy="1794510"/>
-            </a:xfrm>
-            <a:prstGeom prst="rect">
-              <a:avLst/>
-            </a:prstGeom>
-            <a:noFill/>
-            <a:ln>
-              <a:noFill/>
-            </a:ln>
-          </p:spPr>
-        </p:pic>
-      </p:grpSp>
-      <p:sp>
-        <p:nvSpPr>
-          <p:cNvPr id="8" name="Text Placeholder 7">
-            <a:extLst>
-              <a:ext uri="{FF2B5EF4-FFF2-40B4-BE49-F238E27FC236}">
-                <a16:creationId xmlns:a16="http://schemas.microsoft.com/office/drawing/2014/main" id="{16DEE0C5-F5B3-5D4A-B7E3-6BC6CA79C494}"/>
-              </a:ext>
-            </a:extLst>
-          </p:cNvPr>
-          <p:cNvSpPr>
-            <a:spLocks noGrp="1"/>
-          </p:cNvSpPr>
-          <p:nvPr>
-            <p:ph type="body" idx="2"/>
-          </p:nvPr>
-        </p:nvSpPr>
-        <p:spPr>
-          <a:xfrm>
-            <a:off x="1032220" y="1307144"/>
-            <a:ext cx="9702586" cy="5200127"/>
-          </a:xfrm>
-        </p:spPr>
-        <p:txBody>
-          <a:bodyPr>
-            <a:normAutofit/>
-          </a:bodyPr>
-          <a:lstStyle/>
-          <a:p>
-            <a:pPr marL="228600" indent="0">
-              <a:lnSpc>
-                <a:spcPct val="150000"/>
-              </a:lnSpc>
-            </a:pPr>
-            <a:r>
-              <a:rPr lang="en-PH" sz="1800" b="1" dirty="0">
-                <a:solidFill>
-                  <a:schemeClr val="accent2"/>
-                </a:solidFill>
-                <a:latin typeface="Roboto"/>
-                <a:ea typeface="Roboto"/>
-                <a:cs typeface="Roboto"/>
-                <a:sym typeface="Roboto"/>
-              </a:rPr>
-              <a:t>X. </a:t>
-            </a:r>
-            <a:r>
-              <a:rPr lang="en-US" sz="1800" b="1" dirty="0">
-                <a:solidFill>
-                  <a:schemeClr val="accent2"/>
-                </a:solidFill>
-                <a:latin typeface="Roboto"/>
-                <a:ea typeface="Roboto"/>
-                <a:cs typeface="Roboto"/>
-                <a:sym typeface="Roboto"/>
-              </a:rPr>
-              <a:t>Running Selenium Tests in Parallel</a:t>
-            </a:r>
-            <a:endParaRPr lang="en-PH" sz="1800" b="1" dirty="0">
-              <a:solidFill>
-                <a:schemeClr val="accent2"/>
-              </a:solidFill>
-              <a:latin typeface="Roboto"/>
-              <a:ea typeface="Roboto"/>
-              <a:cs typeface="Roboto"/>
-              <a:sym typeface="Roboto"/>
-            </a:endParaRPr>
-          </a:p>
-          <a:p>
-            <a:pPr marL="1085850" lvl="1" indent="-400050">
-              <a:lnSpc>
-                <a:spcPct val="150000"/>
-              </a:lnSpc>
-              <a:buFont typeface="+mj-lt"/>
-              <a:buAutoNum type="romanLcPeriod"/>
-            </a:pPr>
-            <a:r>
-              <a:rPr lang="en-PH" dirty="0">
-                <a:latin typeface="Roboto" panose="02000000000000000000" pitchFamily="2" charset="0"/>
-                <a:ea typeface="Roboto" panose="02000000000000000000" pitchFamily="2" charset="0"/>
-                <a:cs typeface="Roboto" panose="02000000000000000000" pitchFamily="2" charset="0"/>
-              </a:rPr>
-              <a:t>Parallel Test Execution</a:t>
-            </a:r>
-          </a:p>
-          <a:p>
-            <a:pPr marL="228600" indent="0">
-              <a:lnSpc>
-                <a:spcPct val="150000"/>
-              </a:lnSpc>
-            </a:pPr>
-            <a:r>
-              <a:rPr lang="en-PH" b="1" dirty="0">
-                <a:solidFill>
-                  <a:schemeClr val="accent2"/>
-                </a:solidFill>
-                <a:latin typeface="Roboto"/>
-                <a:ea typeface="Roboto"/>
-                <a:cs typeface="Roboto"/>
-                <a:sym typeface="Roboto"/>
-              </a:rPr>
-              <a:t>X</a:t>
-            </a:r>
-            <a:r>
-              <a:rPr lang="en-PH" sz="1600" b="1" dirty="0">
-                <a:solidFill>
-                  <a:schemeClr val="accent2"/>
-                </a:solidFill>
-                <a:latin typeface="Roboto"/>
-                <a:ea typeface="Roboto"/>
-                <a:cs typeface="Roboto"/>
-                <a:sym typeface="Roboto"/>
-              </a:rPr>
-              <a:t>I. </a:t>
-            </a:r>
-            <a:r>
-              <a:rPr lang="en-US" sz="1600" b="1" dirty="0">
-                <a:solidFill>
-                  <a:schemeClr val="accent2"/>
-                </a:solidFill>
-                <a:latin typeface="Roboto"/>
-                <a:ea typeface="Roboto"/>
-                <a:cs typeface="Roboto"/>
-                <a:sym typeface="Roboto"/>
-              </a:rPr>
-              <a:t>Integrating with CI/CD Pipeline</a:t>
-            </a:r>
-          </a:p>
-          <a:p>
-            <a:pPr marL="1085850" lvl="1" indent="-400050">
-              <a:lnSpc>
-                <a:spcPct val="150000"/>
-              </a:lnSpc>
-              <a:buFont typeface="+mj-lt"/>
-              <a:buAutoNum type="romanLcPeriod"/>
-            </a:pPr>
-            <a:r>
-              <a:rPr lang="en-US" dirty="0">
-                <a:latin typeface="Roboto" panose="02000000000000000000" pitchFamily="2" charset="0"/>
-                <a:ea typeface="Roboto" panose="02000000000000000000" pitchFamily="2" charset="0"/>
-                <a:cs typeface="Roboto" panose="02000000000000000000" pitchFamily="2" charset="0"/>
-                <a:sym typeface="Roboto"/>
-              </a:rPr>
-              <a:t>Continuous Integration (CI) Basics</a:t>
-            </a:r>
-          </a:p>
-          <a:p>
-            <a:pPr marL="228600" indent="0">
-              <a:lnSpc>
-                <a:spcPct val="150000"/>
-              </a:lnSpc>
-            </a:pPr>
-            <a:r>
-              <a:rPr lang="en-PH" sz="1600" b="1" dirty="0">
-                <a:solidFill>
-                  <a:schemeClr val="accent2"/>
-                </a:solidFill>
-                <a:latin typeface="Roboto"/>
-                <a:ea typeface="Roboto"/>
-                <a:cs typeface="Roboto"/>
-                <a:sym typeface="Roboto"/>
-              </a:rPr>
-              <a:t>XII. </a:t>
-            </a:r>
-            <a:r>
-              <a:rPr lang="en-US" sz="1600" b="1" dirty="0">
-                <a:solidFill>
-                  <a:schemeClr val="accent2"/>
-                </a:solidFill>
-                <a:latin typeface="Roboto"/>
-                <a:ea typeface="Roboto"/>
-                <a:cs typeface="Roboto"/>
-                <a:sym typeface="Roboto"/>
-              </a:rPr>
-              <a:t>Reporting &amp; Debugging</a:t>
-            </a:r>
-          </a:p>
-          <a:p>
-            <a:pPr marL="1085850" lvl="1" indent="-400050">
-              <a:lnSpc>
-                <a:spcPct val="150000"/>
-              </a:lnSpc>
-              <a:buFont typeface="+mj-lt"/>
-              <a:buAutoNum type="romanLcPeriod"/>
-            </a:pPr>
-            <a:r>
-              <a:rPr lang="en-US" dirty="0">
-                <a:latin typeface="Roboto" panose="02000000000000000000" pitchFamily="2" charset="0"/>
-                <a:ea typeface="Roboto" panose="02000000000000000000" pitchFamily="2" charset="0"/>
-                <a:cs typeface="Roboto" panose="02000000000000000000" pitchFamily="2" charset="0"/>
-                <a:sym typeface="Roboto"/>
-              </a:rPr>
-              <a:t>Test Reports</a:t>
-            </a:r>
-          </a:p>
-          <a:p>
-            <a:pPr marL="1085850" lvl="1" indent="-400050">
-              <a:lnSpc>
-                <a:spcPct val="150000"/>
-              </a:lnSpc>
-              <a:buFont typeface="+mj-lt"/>
-              <a:buAutoNum type="romanLcPeriod"/>
-            </a:pPr>
-            <a:r>
-              <a:rPr lang="en-US" dirty="0">
-                <a:latin typeface="Roboto" panose="02000000000000000000" pitchFamily="2" charset="0"/>
-                <a:ea typeface="Roboto" panose="02000000000000000000" pitchFamily="2" charset="0"/>
-                <a:cs typeface="Roboto" panose="02000000000000000000" pitchFamily="2" charset="0"/>
-                <a:sym typeface="Roboto"/>
-              </a:rPr>
-              <a:t>Debugging Automation Tests</a:t>
-            </a:r>
-          </a:p>
-          <a:p>
-            <a:pPr marL="228600" indent="0">
-              <a:lnSpc>
-                <a:spcPct val="150000"/>
-              </a:lnSpc>
-            </a:pPr>
-            <a:r>
-              <a:rPr lang="en-PH" sz="1600" b="1" dirty="0">
-                <a:solidFill>
-                  <a:schemeClr val="accent2"/>
-                </a:solidFill>
-                <a:latin typeface="Roboto"/>
-                <a:ea typeface="Roboto"/>
-                <a:cs typeface="Roboto"/>
-                <a:sym typeface="Roboto"/>
-              </a:rPr>
-              <a:t>XIII. </a:t>
-            </a:r>
-            <a:r>
-              <a:rPr lang="en-US" sz="1600" b="1" dirty="0">
-                <a:solidFill>
-                  <a:schemeClr val="accent2"/>
-                </a:solidFill>
-                <a:latin typeface="Roboto"/>
-                <a:ea typeface="Roboto"/>
-                <a:cs typeface="Roboto"/>
-                <a:sym typeface="Roboto"/>
-              </a:rPr>
-              <a:t>Best Practices &amp; Final Project</a:t>
-            </a:r>
-          </a:p>
-          <a:p>
-            <a:pPr marL="1085850" lvl="1" indent="-400050">
-              <a:lnSpc>
-                <a:spcPct val="150000"/>
-              </a:lnSpc>
-              <a:buFont typeface="+mj-lt"/>
-              <a:buAutoNum type="romanLcPeriod"/>
-            </a:pPr>
-            <a:r>
-              <a:rPr lang="en-US" dirty="0">
-                <a:latin typeface="Roboto" panose="02000000000000000000" pitchFamily="2" charset="0"/>
-                <a:ea typeface="Roboto" panose="02000000000000000000" pitchFamily="2" charset="0"/>
-                <a:cs typeface="Roboto" panose="02000000000000000000" pitchFamily="2" charset="0"/>
-                <a:sym typeface="Roboto"/>
-              </a:rPr>
-              <a:t>Best Practices in Selenium Automation</a:t>
-            </a:r>
-          </a:p>
-          <a:p>
-            <a:pPr marL="1085850" lvl="1" indent="-400050">
-              <a:lnSpc>
-                <a:spcPct val="150000"/>
-              </a:lnSpc>
-              <a:buFont typeface="+mj-lt"/>
-              <a:buAutoNum type="romanLcPeriod"/>
-            </a:pPr>
-            <a:r>
-              <a:rPr lang="en-US" dirty="0">
-                <a:latin typeface="Roboto" panose="02000000000000000000" pitchFamily="2" charset="0"/>
-                <a:ea typeface="Roboto" panose="02000000000000000000" pitchFamily="2" charset="0"/>
-                <a:cs typeface="Roboto" panose="02000000000000000000" pitchFamily="2" charset="0"/>
-                <a:sym typeface="Roboto"/>
-              </a:rPr>
-              <a:t>Final Project</a:t>
-            </a:r>
-          </a:p>
-          <a:p>
-            <a:pPr marL="228600" indent="0">
-              <a:lnSpc>
-                <a:spcPct val="150000"/>
-              </a:lnSpc>
-            </a:pPr>
-            <a:endParaRPr lang="en-US" sz="1600" b="1" dirty="0">
-              <a:solidFill>
-                <a:schemeClr val="accent2"/>
-              </a:solidFill>
-              <a:latin typeface="Roboto"/>
-              <a:ea typeface="Roboto"/>
-              <a:cs typeface="Roboto"/>
-              <a:sym typeface="Roboto"/>
-            </a:endParaRPr>
-          </a:p>
-          <a:p>
-            <a:pPr marL="228600" indent="0">
-              <a:lnSpc>
-                <a:spcPct val="150000"/>
-              </a:lnSpc>
-            </a:pPr>
-            <a:endParaRPr lang="en-US" dirty="0">
-              <a:latin typeface="Roboto" panose="02000000000000000000" pitchFamily="2" charset="0"/>
-              <a:ea typeface="Roboto" panose="02000000000000000000" pitchFamily="2" charset="0"/>
-              <a:cs typeface="Roboto" panose="02000000000000000000" pitchFamily="2" charset="0"/>
-              <a:sym typeface="Roboto"/>
-            </a:endParaRPr>
-          </a:p>
-          <a:p>
-            <a:pPr marL="228600" indent="0">
-              <a:lnSpc>
-                <a:spcPct val="150000"/>
-              </a:lnSpc>
-            </a:pPr>
-            <a:endParaRPr lang="en-US" dirty="0">
-              <a:latin typeface="Roboto" panose="02000000000000000000" pitchFamily="2" charset="0"/>
-              <a:ea typeface="Roboto" panose="02000000000000000000" pitchFamily="2" charset="0"/>
-              <a:cs typeface="Roboto" panose="02000000000000000000" pitchFamily="2" charset="0"/>
-              <a:sym typeface="Roboto"/>
-            </a:endParaRPr>
-          </a:p>
-          <a:p>
-            <a:pPr marL="1085850" lvl="1" indent="-400050">
-              <a:lnSpc>
-                <a:spcPct val="150000"/>
-              </a:lnSpc>
-              <a:buFont typeface="+mj-lt"/>
-              <a:buAutoNum type="romanLcPeriod"/>
-            </a:pPr>
-            <a:endParaRPr lang="en-US" dirty="0">
-              <a:latin typeface="Roboto" panose="02000000000000000000" pitchFamily="2" charset="0"/>
-              <a:ea typeface="Roboto" panose="02000000000000000000" pitchFamily="2" charset="0"/>
-              <a:cs typeface="Roboto" panose="02000000000000000000" pitchFamily="2" charset="0"/>
-              <a:sym typeface="Roboto"/>
-            </a:endParaRPr>
-          </a:p>
-          <a:p>
-            <a:pPr marL="228600" indent="0">
-              <a:lnSpc>
-                <a:spcPct val="150000"/>
-              </a:lnSpc>
-            </a:pPr>
-            <a:endParaRPr lang="en-PH" sz="1600" b="1" dirty="0">
-              <a:solidFill>
-                <a:schemeClr val="accent2"/>
-              </a:solidFill>
-              <a:latin typeface="Roboto"/>
-              <a:ea typeface="Roboto"/>
-              <a:cs typeface="Roboto"/>
-              <a:sym typeface="Roboto"/>
-            </a:endParaRPr>
-          </a:p>
-          <a:p>
-            <a:pPr marL="228600" indent="0">
-              <a:lnSpc>
-                <a:spcPct val="150000"/>
-              </a:lnSpc>
-            </a:pPr>
-            <a:endParaRPr lang="en-PH" dirty="0">
-              <a:latin typeface="Roboto" panose="02000000000000000000" pitchFamily="2" charset="0"/>
-              <a:ea typeface="Roboto" panose="02000000000000000000" pitchFamily="2" charset="0"/>
-              <a:cs typeface="Roboto" panose="02000000000000000000" pitchFamily="2" charset="0"/>
-            </a:endParaRPr>
-          </a:p>
-        </p:txBody>
-      </p:sp>
-    </p:spTree>
-    <p:extLst>
-      <p:ext uri="{BB962C8B-B14F-4D97-AF65-F5344CB8AC3E}">
-        <p14:creationId xmlns:p14="http://schemas.microsoft.com/office/powerpoint/2010/main" val="1111236418"/>
-      </p:ext>
-    </p:extLst>
-  </p:cSld>
-  <p:clrMapOvr>
-    <a:masterClrMapping/>
-  </p:clrMapOvr>
-</p:sld>
-</file>
-
-<file path=ppt/slides/slide8.xml><?xml version="1.0" encoding="utf-8"?>
-<p:sld xmlns:a="http://schemas.openxmlformats.org/drawingml/2006/main" xmlns:r="http://schemas.openxmlformats.org/officeDocument/2006/relationships" xmlns:p="http://schemas.openxmlformats.org/presentationml/2006/main">
-  <p:cSld>
-    <p:spTree>
-      <p:nvGrpSpPr>
         <p:cNvPr id="1" name="Shape 88">
           <a:extLst>
             <a:ext uri="{FF2B5EF4-FFF2-40B4-BE49-F238E27FC236}">
@@ -18241,7 +14989,7 @@
 </p:sld>
 </file>
 
-<file path=ppt/slides/slide9.xml><?xml version="1.0" encoding="utf-8"?>
+<file path=ppt/slides/slide5.xml><?xml version="1.0" encoding="utf-8"?>
 <p:sld xmlns:a="http://schemas.openxmlformats.org/drawingml/2006/main" xmlns:r="http://schemas.openxmlformats.org/officeDocument/2006/relationships" xmlns:p="http://schemas.openxmlformats.org/presentationml/2006/main">
   <p:cSld>
     <p:spTree>
@@ -19019,6 +15767,1004 @@
     <p:extLst>
       <p:ext uri="{BB962C8B-B14F-4D97-AF65-F5344CB8AC3E}">
         <p14:creationId xmlns:p14="http://schemas.microsoft.com/office/powerpoint/2010/main" val="4149628031"/>
+      </p:ext>
+    </p:extLst>
+  </p:cSld>
+  <p:clrMapOvr>
+    <a:masterClrMapping/>
+  </p:clrMapOvr>
+</p:sld>
+</file>
+
+<file path=ppt/slides/slide6.xml><?xml version="1.0" encoding="utf-8"?>
+<p:sld xmlns:a="http://schemas.openxmlformats.org/drawingml/2006/main" xmlns:r="http://schemas.openxmlformats.org/officeDocument/2006/relationships" xmlns:p="http://schemas.openxmlformats.org/presentationml/2006/main">
+  <p:cSld>
+    <p:spTree>
+      <p:nvGrpSpPr>
+        <p:cNvPr id="1" name="Shape 105">
+          <a:extLst>
+            <a:ext uri="{FF2B5EF4-FFF2-40B4-BE49-F238E27FC236}">
+              <a16:creationId xmlns:a16="http://schemas.microsoft.com/office/drawing/2014/main" id="{2D6DAF03-5BDB-FC15-5B8A-977ABA05652A}"/>
+            </a:ext>
+          </a:extLst>
+        </p:cNvPr>
+        <p:cNvGrpSpPr/>
+        <p:nvPr/>
+      </p:nvGrpSpPr>
+      <p:grpSpPr>
+        <a:xfrm>
+          <a:off x="0" y="0"/>
+          <a:ext cx="0" cy="0"/>
+          <a:chOff x="0" y="0"/>
+          <a:chExt cx="0" cy="0"/>
+        </a:xfrm>
+      </p:grpSpPr>
+      <p:grpSp>
+        <p:nvGrpSpPr>
+          <p:cNvPr id="106" name="Google Shape;106;p3">
+            <a:extLst>
+              <a:ext uri="{FF2B5EF4-FFF2-40B4-BE49-F238E27FC236}">
+                <a16:creationId xmlns:a16="http://schemas.microsoft.com/office/drawing/2014/main" id="{CF1A24C3-7F12-8BBA-A430-C0A8BFFD0E36}"/>
+              </a:ext>
+            </a:extLst>
+          </p:cNvPr>
+          <p:cNvGrpSpPr/>
+          <p:nvPr/>
+        </p:nvGrpSpPr>
+        <p:grpSpPr>
+          <a:xfrm>
+            <a:off x="1" y="-4473"/>
+            <a:ext cx="12191999" cy="1798983"/>
+            <a:chOff x="1" y="-4473"/>
+            <a:chExt cx="12191999" cy="1798983"/>
+          </a:xfrm>
+        </p:grpSpPr>
+        <p:pic>
+          <p:nvPicPr>
+            <p:cNvPr id="107" name="Google Shape;107;p3">
+              <a:extLst>
+                <a:ext uri="{FF2B5EF4-FFF2-40B4-BE49-F238E27FC236}">
+                  <a16:creationId xmlns:a16="http://schemas.microsoft.com/office/drawing/2014/main" id="{7677C0D8-A825-EB90-86DE-0908871792BB}"/>
+                </a:ext>
+              </a:extLst>
+            </p:cNvPr>
+            <p:cNvPicPr preferRelativeResize="0"/>
+            <p:nvPr/>
+          </p:nvPicPr>
+          <p:blipFill rotWithShape="1">
+            <a:blip r:embed="rId3">
+              <a:alphaModFix/>
+            </a:blip>
+            <a:srcRect r="17643"/>
+            <a:stretch/>
+          </p:blipFill>
+          <p:spPr>
+            <a:xfrm>
+              <a:off x="1" y="0"/>
+              <a:ext cx="6410035" cy="1794510"/>
+            </a:xfrm>
+            <a:prstGeom prst="rect">
+              <a:avLst/>
+            </a:prstGeom>
+            <a:noFill/>
+            <a:ln>
+              <a:noFill/>
+            </a:ln>
+          </p:spPr>
+        </p:pic>
+        <p:pic>
+          <p:nvPicPr>
+            <p:cNvPr id="108" name="Google Shape;108;p3">
+              <a:extLst>
+                <a:ext uri="{FF2B5EF4-FFF2-40B4-BE49-F238E27FC236}">
+                  <a16:creationId xmlns:a16="http://schemas.microsoft.com/office/drawing/2014/main" id="{BEAE153B-5121-4D02-E4AE-22A365134DFF}"/>
+                </a:ext>
+              </a:extLst>
+            </p:cNvPr>
+            <p:cNvPicPr preferRelativeResize="0"/>
+            <p:nvPr/>
+          </p:nvPicPr>
+          <p:blipFill rotWithShape="1">
+            <a:blip r:embed="rId3">
+              <a:alphaModFix/>
+            </a:blip>
+            <a:srcRect l="74798" r="17642"/>
+            <a:stretch/>
+          </p:blipFill>
+          <p:spPr>
+            <a:xfrm>
+              <a:off x="5821680" y="-4473"/>
+              <a:ext cx="6370320" cy="1794510"/>
+            </a:xfrm>
+            <a:prstGeom prst="rect">
+              <a:avLst/>
+            </a:prstGeom>
+            <a:noFill/>
+            <a:ln>
+              <a:noFill/>
+            </a:ln>
+          </p:spPr>
+        </p:pic>
+      </p:grpSp>
+      <p:sp>
+        <p:nvSpPr>
+          <p:cNvPr id="8" name="Text Placeholder 7">
+            <a:extLst>
+              <a:ext uri="{FF2B5EF4-FFF2-40B4-BE49-F238E27FC236}">
+                <a16:creationId xmlns:a16="http://schemas.microsoft.com/office/drawing/2014/main" id="{795B65CE-3807-9F8E-6BBF-CD346EDBF41A}"/>
+              </a:ext>
+            </a:extLst>
+          </p:cNvPr>
+          <p:cNvSpPr>
+            <a:spLocks noGrp="1"/>
+          </p:cNvSpPr>
+          <p:nvPr>
+            <p:ph type="body" idx="2"/>
+          </p:nvPr>
+        </p:nvSpPr>
+        <p:spPr>
+          <a:xfrm>
+            <a:off x="1032220" y="1307144"/>
+            <a:ext cx="9702586" cy="5200127"/>
+          </a:xfrm>
+        </p:spPr>
+        <p:txBody>
+          <a:bodyPr>
+            <a:normAutofit/>
+          </a:bodyPr>
+          <a:lstStyle/>
+          <a:p>
+            <a:pPr>
+              <a:lnSpc>
+                <a:spcPct val="150000"/>
+              </a:lnSpc>
+            </a:pPr>
+            <a:r>
+              <a:rPr lang="en-PH" sz="1800" b="1" dirty="0">
+                <a:solidFill>
+                  <a:schemeClr val="accent2"/>
+                </a:solidFill>
+                <a:latin typeface="Roboto"/>
+                <a:ea typeface="Roboto"/>
+                <a:cs typeface="Roboto"/>
+                <a:sym typeface="Roboto"/>
+              </a:rPr>
+              <a:t>Self Study Materials</a:t>
+            </a:r>
+          </a:p>
+          <a:p>
+            <a:pPr marL="514350" indent="-285750">
+              <a:lnSpc>
+                <a:spcPct val="150000"/>
+              </a:lnSpc>
+              <a:buFont typeface="Arial" panose="020B0604020202020204" pitchFamily="34" charset="0"/>
+              <a:buChar char="•"/>
+            </a:pPr>
+            <a:r>
+              <a:rPr lang="en-PH" dirty="0">
+                <a:latin typeface="Roboto" panose="02000000000000000000" pitchFamily="2" charset="0"/>
+                <a:ea typeface="Roboto" panose="02000000000000000000" pitchFamily="2" charset="0"/>
+                <a:cs typeface="Roboto" panose="02000000000000000000" pitchFamily="2" charset="0"/>
+                <a:hlinkClick r:id="rId4"/>
+              </a:rPr>
+              <a:t>https://www.youtube.com/watch?v=GhQdlIFylQ8</a:t>
+            </a:r>
+            <a:endParaRPr lang="en-PH" dirty="0">
+              <a:latin typeface="Roboto" panose="02000000000000000000" pitchFamily="2" charset="0"/>
+              <a:ea typeface="Roboto" panose="02000000000000000000" pitchFamily="2" charset="0"/>
+              <a:cs typeface="Roboto" panose="02000000000000000000" pitchFamily="2" charset="0"/>
+            </a:endParaRPr>
+          </a:p>
+          <a:p>
+            <a:pPr marL="514350" indent="-285750">
+              <a:lnSpc>
+                <a:spcPct val="150000"/>
+              </a:lnSpc>
+              <a:buFont typeface="Arial" panose="020B0604020202020204" pitchFamily="34" charset="0"/>
+              <a:buChar char="•"/>
+            </a:pPr>
+            <a:r>
+              <a:rPr lang="en-PH" dirty="0">
+                <a:latin typeface="Roboto" panose="02000000000000000000" pitchFamily="2" charset="0"/>
+                <a:ea typeface="Roboto" panose="02000000000000000000" pitchFamily="2" charset="0"/>
+                <a:cs typeface="Roboto" panose="02000000000000000000" pitchFamily="2" charset="0"/>
+                <a:hlinkClick r:id="rId5"/>
+              </a:rPr>
+              <a:t>https://www.youtube.com/watch?v=gfkTfcpWqAY</a:t>
+            </a:r>
+            <a:endParaRPr lang="en-PH" dirty="0">
+              <a:latin typeface="Roboto" panose="02000000000000000000" pitchFamily="2" charset="0"/>
+              <a:ea typeface="Roboto" panose="02000000000000000000" pitchFamily="2" charset="0"/>
+              <a:cs typeface="Roboto" panose="02000000000000000000" pitchFamily="2" charset="0"/>
+            </a:endParaRPr>
+          </a:p>
+          <a:p>
+            <a:pPr marL="514350" indent="-285750">
+              <a:lnSpc>
+                <a:spcPct val="150000"/>
+              </a:lnSpc>
+              <a:buFont typeface="Arial" panose="020B0604020202020204" pitchFamily="34" charset="0"/>
+              <a:buChar char="•"/>
+            </a:pPr>
+            <a:endParaRPr lang="en-PH" dirty="0">
+              <a:latin typeface="Roboto" panose="02000000000000000000" pitchFamily="2" charset="0"/>
+              <a:ea typeface="Roboto" panose="02000000000000000000" pitchFamily="2" charset="0"/>
+              <a:cs typeface="Roboto" panose="02000000000000000000" pitchFamily="2" charset="0"/>
+            </a:endParaRPr>
+          </a:p>
+        </p:txBody>
+      </p:sp>
+    </p:spTree>
+    <p:extLst>
+      <p:ext uri="{BB962C8B-B14F-4D97-AF65-F5344CB8AC3E}">
+        <p14:creationId xmlns:p14="http://schemas.microsoft.com/office/powerpoint/2010/main" val="4176255162"/>
+      </p:ext>
+    </p:extLst>
+  </p:cSld>
+  <p:clrMapOvr>
+    <a:masterClrMapping/>
+  </p:clrMapOvr>
+</p:sld>
+</file>
+
+<file path=ppt/slides/slide7.xml><?xml version="1.0" encoding="utf-8"?>
+<p:sld xmlns:a="http://schemas.openxmlformats.org/drawingml/2006/main" xmlns:r="http://schemas.openxmlformats.org/officeDocument/2006/relationships" xmlns:p="http://schemas.openxmlformats.org/presentationml/2006/main">
+  <p:cSld>
+    <p:spTree>
+      <p:nvGrpSpPr>
+        <p:cNvPr id="1" name="Shape 105">
+          <a:extLst>
+            <a:ext uri="{FF2B5EF4-FFF2-40B4-BE49-F238E27FC236}">
+              <a16:creationId xmlns:a16="http://schemas.microsoft.com/office/drawing/2014/main" id="{13C347E9-66DE-BFC0-4D89-AC015BE3F87B}"/>
+            </a:ext>
+          </a:extLst>
+        </p:cNvPr>
+        <p:cNvGrpSpPr/>
+        <p:nvPr/>
+      </p:nvGrpSpPr>
+      <p:grpSpPr>
+        <a:xfrm>
+          <a:off x="0" y="0"/>
+          <a:ext cx="0" cy="0"/>
+          <a:chOff x="0" y="0"/>
+          <a:chExt cx="0" cy="0"/>
+        </a:xfrm>
+      </p:grpSpPr>
+      <p:grpSp>
+        <p:nvGrpSpPr>
+          <p:cNvPr id="106" name="Google Shape;106;p3">
+            <a:extLst>
+              <a:ext uri="{FF2B5EF4-FFF2-40B4-BE49-F238E27FC236}">
+                <a16:creationId xmlns:a16="http://schemas.microsoft.com/office/drawing/2014/main" id="{664C9E7B-F7B1-25E0-4031-D7976971B98F}"/>
+              </a:ext>
+            </a:extLst>
+          </p:cNvPr>
+          <p:cNvGrpSpPr/>
+          <p:nvPr/>
+        </p:nvGrpSpPr>
+        <p:grpSpPr>
+          <a:xfrm>
+            <a:off x="1" y="-4473"/>
+            <a:ext cx="12191999" cy="1798983"/>
+            <a:chOff x="1" y="-4473"/>
+            <a:chExt cx="12191999" cy="1798983"/>
+          </a:xfrm>
+        </p:grpSpPr>
+        <p:pic>
+          <p:nvPicPr>
+            <p:cNvPr id="107" name="Google Shape;107;p3">
+              <a:extLst>
+                <a:ext uri="{FF2B5EF4-FFF2-40B4-BE49-F238E27FC236}">
+                  <a16:creationId xmlns:a16="http://schemas.microsoft.com/office/drawing/2014/main" id="{16789FAE-4A62-17E4-AD11-57D7009DD63D}"/>
+                </a:ext>
+              </a:extLst>
+            </p:cNvPr>
+            <p:cNvPicPr preferRelativeResize="0"/>
+            <p:nvPr/>
+          </p:nvPicPr>
+          <p:blipFill rotWithShape="1">
+            <a:blip r:embed="rId3">
+              <a:alphaModFix/>
+            </a:blip>
+            <a:srcRect r="17643"/>
+            <a:stretch/>
+          </p:blipFill>
+          <p:spPr>
+            <a:xfrm>
+              <a:off x="1" y="0"/>
+              <a:ext cx="6410035" cy="1794510"/>
+            </a:xfrm>
+            <a:prstGeom prst="rect">
+              <a:avLst/>
+            </a:prstGeom>
+            <a:noFill/>
+            <a:ln>
+              <a:noFill/>
+            </a:ln>
+          </p:spPr>
+        </p:pic>
+        <p:pic>
+          <p:nvPicPr>
+            <p:cNvPr id="108" name="Google Shape;108;p3">
+              <a:extLst>
+                <a:ext uri="{FF2B5EF4-FFF2-40B4-BE49-F238E27FC236}">
+                  <a16:creationId xmlns:a16="http://schemas.microsoft.com/office/drawing/2014/main" id="{219F8B5B-AF57-5FB4-1042-FC1D7A1EAC8C}"/>
+                </a:ext>
+              </a:extLst>
+            </p:cNvPr>
+            <p:cNvPicPr preferRelativeResize="0"/>
+            <p:nvPr/>
+          </p:nvPicPr>
+          <p:blipFill rotWithShape="1">
+            <a:blip r:embed="rId3">
+              <a:alphaModFix/>
+            </a:blip>
+            <a:srcRect l="74798" r="17642"/>
+            <a:stretch/>
+          </p:blipFill>
+          <p:spPr>
+            <a:xfrm>
+              <a:off x="5821680" y="-4473"/>
+              <a:ext cx="6370320" cy="1794510"/>
+            </a:xfrm>
+            <a:prstGeom prst="rect">
+              <a:avLst/>
+            </a:prstGeom>
+            <a:noFill/>
+            <a:ln>
+              <a:noFill/>
+            </a:ln>
+          </p:spPr>
+        </p:pic>
+      </p:grpSp>
+      <p:sp>
+        <p:nvSpPr>
+          <p:cNvPr id="8" name="Text Placeholder 7">
+            <a:extLst>
+              <a:ext uri="{FF2B5EF4-FFF2-40B4-BE49-F238E27FC236}">
+                <a16:creationId xmlns:a16="http://schemas.microsoft.com/office/drawing/2014/main" id="{425097C4-68D7-0CFD-9101-5E5A4720781F}"/>
+              </a:ext>
+            </a:extLst>
+          </p:cNvPr>
+          <p:cNvSpPr>
+            <a:spLocks noGrp="1"/>
+          </p:cNvSpPr>
+          <p:nvPr>
+            <p:ph type="body" idx="2"/>
+          </p:nvPr>
+        </p:nvSpPr>
+        <p:spPr>
+          <a:xfrm>
+            <a:off x="1032220" y="1307144"/>
+            <a:ext cx="9702586" cy="5200127"/>
+          </a:xfrm>
+        </p:spPr>
+        <p:txBody>
+          <a:bodyPr>
+            <a:normAutofit/>
+          </a:bodyPr>
+          <a:lstStyle/>
+          <a:p>
+            <a:pPr>
+              <a:lnSpc>
+                <a:spcPct val="150000"/>
+              </a:lnSpc>
+            </a:pPr>
+            <a:r>
+              <a:rPr lang="en-PH" sz="1800" b="1" dirty="0">
+                <a:solidFill>
+                  <a:schemeClr val="accent2"/>
+                </a:solidFill>
+                <a:latin typeface="Roboto"/>
+                <a:ea typeface="Roboto"/>
+                <a:cs typeface="Roboto"/>
+                <a:sym typeface="Roboto"/>
+              </a:rPr>
+              <a:t>Tools</a:t>
+            </a:r>
+          </a:p>
+          <a:p>
+            <a:pPr marL="514350" indent="-285750">
+              <a:lnSpc>
+                <a:spcPct val="150000"/>
+              </a:lnSpc>
+              <a:buFont typeface="Arial" panose="020B0604020202020204" pitchFamily="34" charset="0"/>
+              <a:buChar char="•"/>
+            </a:pPr>
+            <a:r>
+              <a:rPr lang="en-PH" dirty="0">
+                <a:latin typeface="Roboto" panose="02000000000000000000" pitchFamily="2" charset="0"/>
+                <a:ea typeface="Roboto" panose="02000000000000000000" pitchFamily="2" charset="0"/>
+                <a:cs typeface="Roboto" panose="02000000000000000000" pitchFamily="2" charset="0"/>
+              </a:rPr>
+              <a:t>For PC users, use Visual Studio Community Edition 2022 or latest</a:t>
+            </a:r>
+          </a:p>
+          <a:p>
+            <a:pPr marL="514350" indent="-285750">
+              <a:lnSpc>
+                <a:spcPct val="150000"/>
+              </a:lnSpc>
+              <a:buFont typeface="Arial" panose="020B0604020202020204" pitchFamily="34" charset="0"/>
+              <a:buChar char="•"/>
+            </a:pPr>
+            <a:r>
+              <a:rPr lang="en-PH" dirty="0">
+                <a:latin typeface="Roboto" panose="02000000000000000000" pitchFamily="2" charset="0"/>
+                <a:ea typeface="Roboto" panose="02000000000000000000" pitchFamily="2" charset="0"/>
+                <a:cs typeface="Roboto" panose="02000000000000000000" pitchFamily="2" charset="0"/>
+              </a:rPr>
+              <a:t>For MAC users, use Visual Studio Code with the following plugins</a:t>
+            </a:r>
+          </a:p>
+          <a:p>
+            <a:pPr marL="971550" lvl="1" indent="-285750">
+              <a:lnSpc>
+                <a:spcPct val="150000"/>
+              </a:lnSpc>
+              <a:buFont typeface="Arial" panose="020B0604020202020204" pitchFamily="34" charset="0"/>
+              <a:buChar char="•"/>
+            </a:pPr>
+            <a:r>
+              <a:rPr lang="en-PH" dirty="0">
+                <a:latin typeface="Roboto" panose="02000000000000000000" pitchFamily="2" charset="0"/>
+                <a:ea typeface="Roboto" panose="02000000000000000000" pitchFamily="2" charset="0"/>
+                <a:cs typeface="Roboto" panose="02000000000000000000" pitchFamily="2" charset="0"/>
+              </a:rPr>
+              <a:t>C# Plugin</a:t>
+            </a:r>
+          </a:p>
+          <a:p>
+            <a:pPr marL="971550" lvl="1" indent="-285750">
+              <a:lnSpc>
+                <a:spcPct val="150000"/>
+              </a:lnSpc>
+              <a:buFont typeface="Arial" panose="020B0604020202020204" pitchFamily="34" charset="0"/>
+              <a:buChar char="•"/>
+            </a:pPr>
+            <a:r>
+              <a:rPr lang="en-PH" dirty="0">
+                <a:latin typeface="Roboto" panose="02000000000000000000" pitchFamily="2" charset="0"/>
+                <a:ea typeface="Roboto" panose="02000000000000000000" pitchFamily="2" charset="0"/>
+                <a:cs typeface="Roboto" panose="02000000000000000000" pitchFamily="2" charset="0"/>
+              </a:rPr>
+              <a:t>C# Dev Kit Plugin</a:t>
+            </a:r>
+          </a:p>
+          <a:p>
+            <a:pPr marL="971550" lvl="1" indent="-285750">
+              <a:lnSpc>
+                <a:spcPct val="150000"/>
+              </a:lnSpc>
+              <a:buFont typeface="Arial" panose="020B0604020202020204" pitchFamily="34" charset="0"/>
+              <a:buChar char="•"/>
+            </a:pPr>
+            <a:r>
+              <a:rPr lang="en-PH" dirty="0">
+                <a:latin typeface="Roboto" panose="02000000000000000000" pitchFamily="2" charset="0"/>
+                <a:ea typeface="Roboto" panose="02000000000000000000" pitchFamily="2" charset="0"/>
+                <a:cs typeface="Roboto" panose="02000000000000000000" pitchFamily="2" charset="0"/>
+              </a:rPr>
+              <a:t>IntelliCode for C# Dev Kit Plugin</a:t>
+            </a:r>
+          </a:p>
+          <a:p>
+            <a:pPr marL="514350" indent="-285750">
+              <a:lnSpc>
+                <a:spcPct val="150000"/>
+              </a:lnSpc>
+              <a:buFont typeface="Arial" panose="020B0604020202020204" pitchFamily="34" charset="0"/>
+              <a:buChar char="•"/>
+            </a:pPr>
+            <a:r>
+              <a:rPr lang="en-PH" dirty="0">
+                <a:latin typeface="Roboto" panose="02000000000000000000" pitchFamily="2" charset="0"/>
+                <a:ea typeface="Roboto" panose="02000000000000000000" pitchFamily="2" charset="0"/>
+                <a:cs typeface="Roboto" panose="02000000000000000000" pitchFamily="2" charset="0"/>
+              </a:rPr>
+              <a:t>Personal GitHub Account</a:t>
+            </a:r>
+          </a:p>
+          <a:p>
+            <a:pPr marL="514350" indent="-285750">
+              <a:lnSpc>
+                <a:spcPct val="150000"/>
+              </a:lnSpc>
+              <a:buFont typeface="Arial" panose="020B0604020202020204" pitchFamily="34" charset="0"/>
+              <a:buChar char="•"/>
+            </a:pPr>
+            <a:r>
+              <a:rPr lang="en-PH" dirty="0">
+                <a:latin typeface="Roboto" panose="02000000000000000000" pitchFamily="2" charset="0"/>
+                <a:ea typeface="Roboto" panose="02000000000000000000" pitchFamily="2" charset="0"/>
+                <a:cs typeface="Roboto" panose="02000000000000000000" pitchFamily="2" charset="0"/>
+              </a:rPr>
+              <a:t>GitHub Desktop Application</a:t>
+            </a:r>
+          </a:p>
+        </p:txBody>
+      </p:sp>
+    </p:spTree>
+    <p:extLst>
+      <p:ext uri="{BB962C8B-B14F-4D97-AF65-F5344CB8AC3E}">
+        <p14:creationId xmlns:p14="http://schemas.microsoft.com/office/powerpoint/2010/main" val="228613590"/>
+      </p:ext>
+    </p:extLst>
+  </p:cSld>
+  <p:clrMapOvr>
+    <a:masterClrMapping/>
+  </p:clrMapOvr>
+</p:sld>
+</file>
+
+<file path=ppt/slides/slide8.xml><?xml version="1.0" encoding="utf-8"?>
+<p:sld xmlns:a="http://schemas.openxmlformats.org/drawingml/2006/main" xmlns:r="http://schemas.openxmlformats.org/officeDocument/2006/relationships" xmlns:p="http://schemas.openxmlformats.org/presentationml/2006/main">
+  <p:cSld>
+    <p:spTree>
+      <p:nvGrpSpPr>
+        <p:cNvPr id="1" name="Shape 88">
+          <a:extLst>
+            <a:ext uri="{FF2B5EF4-FFF2-40B4-BE49-F238E27FC236}">
+              <a16:creationId xmlns:a16="http://schemas.microsoft.com/office/drawing/2014/main" id="{AAF67807-0FF5-2D1B-7FA3-B7A53DD5BCCE}"/>
+            </a:ext>
+          </a:extLst>
+        </p:cNvPr>
+        <p:cNvGrpSpPr/>
+        <p:nvPr/>
+      </p:nvGrpSpPr>
+      <p:grpSpPr>
+        <a:xfrm>
+          <a:off x="0" y="0"/>
+          <a:ext cx="0" cy="0"/>
+          <a:chOff x="0" y="0"/>
+          <a:chExt cx="0" cy="0"/>
+        </a:xfrm>
+      </p:grpSpPr>
+      <p:sp>
+        <p:nvSpPr>
+          <p:cNvPr id="89" name="Google Shape;89;p1">
+            <a:extLst>
+              <a:ext uri="{FF2B5EF4-FFF2-40B4-BE49-F238E27FC236}">
+                <a16:creationId xmlns:a16="http://schemas.microsoft.com/office/drawing/2014/main" id="{C6DF9F92-3B3E-EC37-9F85-D075289039D7}"/>
+              </a:ext>
+            </a:extLst>
+          </p:cNvPr>
+          <p:cNvSpPr txBox="1">
+            <a:spLocks noGrp="1"/>
+          </p:cNvSpPr>
+          <p:nvPr>
+            <p:ph type="ctrTitle"/>
+          </p:nvPr>
+        </p:nvSpPr>
+        <p:spPr>
+          <a:xfrm>
+            <a:off x="1524000" y="1524699"/>
+            <a:ext cx="9144000" cy="2387600"/>
+          </a:xfrm>
+          <a:prstGeom prst="rect">
+            <a:avLst/>
+          </a:prstGeom>
+          <a:noFill/>
+          <a:ln>
+            <a:noFill/>
+          </a:ln>
+        </p:spPr>
+        <p:txBody>
+          <a:bodyPr spcFirstLastPara="1" wrap="square" lIns="91425" tIns="45700" rIns="91425" bIns="45700" anchor="b" anchorCtr="0">
+            <a:normAutofit/>
+          </a:bodyPr>
+          <a:lstStyle/>
+          <a:p>
+            <a:pPr marL="0" lvl="0" indent="0" algn="ctr" rtl="0">
+              <a:lnSpc>
+                <a:spcPct val="90000"/>
+              </a:lnSpc>
+              <a:spcBef>
+                <a:spcPts val="0"/>
+              </a:spcBef>
+              <a:spcAft>
+                <a:spcPts val="0"/>
+              </a:spcAft>
+              <a:buClr>
+                <a:schemeClr val="dk1"/>
+              </a:buClr>
+              <a:buSzPct val="100000"/>
+              <a:buFont typeface="Roboto"/>
+              <a:buNone/>
+            </a:pPr>
+            <a:br>
+              <a:rPr lang="en-PH" dirty="0">
+                <a:latin typeface="Roboto"/>
+                <a:ea typeface="Roboto"/>
+                <a:cs typeface="Roboto"/>
+                <a:sym typeface="Roboto"/>
+              </a:rPr>
+            </a:br>
+            <a:r>
+              <a:rPr lang="en-US" dirty="0">
+                <a:solidFill>
+                  <a:schemeClr val="accent2"/>
+                </a:solidFill>
+                <a:latin typeface="Roboto"/>
+                <a:ea typeface="Roboto"/>
+                <a:cs typeface="Roboto"/>
+                <a:sym typeface="Roboto"/>
+              </a:rPr>
+              <a:t>Guidelines</a:t>
+            </a:r>
+            <a:endParaRPr lang="en-PH" dirty="0">
+              <a:solidFill>
+                <a:schemeClr val="accent2"/>
+              </a:solidFill>
+              <a:latin typeface="Roboto"/>
+              <a:ea typeface="Roboto"/>
+              <a:cs typeface="Roboto"/>
+              <a:sym typeface="Roboto"/>
+            </a:endParaRPr>
+          </a:p>
+        </p:txBody>
+      </p:sp>
+      <p:grpSp>
+        <p:nvGrpSpPr>
+          <p:cNvPr id="91" name="Google Shape;91;p1">
+            <a:extLst>
+              <a:ext uri="{FF2B5EF4-FFF2-40B4-BE49-F238E27FC236}">
+                <a16:creationId xmlns:a16="http://schemas.microsoft.com/office/drawing/2014/main" id="{A566EF60-9177-E00E-C0C6-DFCDEB7A1863}"/>
+              </a:ext>
+            </a:extLst>
+          </p:cNvPr>
+          <p:cNvGrpSpPr/>
+          <p:nvPr/>
+        </p:nvGrpSpPr>
+        <p:grpSpPr>
+          <a:xfrm>
+            <a:off x="1" y="-4473"/>
+            <a:ext cx="12191999" cy="1798983"/>
+            <a:chOff x="1" y="-4473"/>
+            <a:chExt cx="12191999" cy="1798983"/>
+          </a:xfrm>
+        </p:grpSpPr>
+        <p:pic>
+          <p:nvPicPr>
+            <p:cNvPr id="92" name="Google Shape;92;p1">
+              <a:extLst>
+                <a:ext uri="{FF2B5EF4-FFF2-40B4-BE49-F238E27FC236}">
+                  <a16:creationId xmlns:a16="http://schemas.microsoft.com/office/drawing/2014/main" id="{947241A5-C708-B905-D98F-E25DD97E4D4C}"/>
+                </a:ext>
+              </a:extLst>
+            </p:cNvPr>
+            <p:cNvPicPr preferRelativeResize="0"/>
+            <p:nvPr/>
+          </p:nvPicPr>
+          <p:blipFill rotWithShape="1">
+            <a:blip r:embed="rId3">
+              <a:alphaModFix/>
+            </a:blip>
+            <a:srcRect r="17643"/>
+            <a:stretch/>
+          </p:blipFill>
+          <p:spPr>
+            <a:xfrm>
+              <a:off x="1" y="0"/>
+              <a:ext cx="6410035" cy="1794510"/>
+            </a:xfrm>
+            <a:prstGeom prst="rect">
+              <a:avLst/>
+            </a:prstGeom>
+            <a:noFill/>
+            <a:ln>
+              <a:noFill/>
+            </a:ln>
+          </p:spPr>
+        </p:pic>
+        <p:pic>
+          <p:nvPicPr>
+            <p:cNvPr id="93" name="Google Shape;93;p1">
+              <a:extLst>
+                <a:ext uri="{FF2B5EF4-FFF2-40B4-BE49-F238E27FC236}">
+                  <a16:creationId xmlns:a16="http://schemas.microsoft.com/office/drawing/2014/main" id="{C2A77CF9-6FED-36D8-69B0-C47AF536032E}"/>
+                </a:ext>
+              </a:extLst>
+            </p:cNvPr>
+            <p:cNvPicPr preferRelativeResize="0"/>
+            <p:nvPr/>
+          </p:nvPicPr>
+          <p:blipFill rotWithShape="1">
+            <a:blip r:embed="rId3">
+              <a:alphaModFix/>
+            </a:blip>
+            <a:srcRect l="74798" r="17642"/>
+            <a:stretch/>
+          </p:blipFill>
+          <p:spPr>
+            <a:xfrm>
+              <a:off x="5821680" y="-4473"/>
+              <a:ext cx="6370320" cy="1794510"/>
+            </a:xfrm>
+            <a:prstGeom prst="rect">
+              <a:avLst/>
+            </a:prstGeom>
+            <a:noFill/>
+            <a:ln>
+              <a:noFill/>
+            </a:ln>
+          </p:spPr>
+        </p:pic>
+      </p:grpSp>
+    </p:spTree>
+    <p:extLst>
+      <p:ext uri="{BB962C8B-B14F-4D97-AF65-F5344CB8AC3E}">
+        <p14:creationId xmlns:p14="http://schemas.microsoft.com/office/powerpoint/2010/main" val="261434923"/>
+      </p:ext>
+    </p:extLst>
+  </p:cSld>
+  <p:clrMapOvr>
+    <a:masterClrMapping/>
+  </p:clrMapOvr>
+</p:sld>
+</file>
+
+<file path=ppt/slides/slide9.xml><?xml version="1.0" encoding="utf-8"?>
+<p:sld xmlns:a="http://schemas.openxmlformats.org/drawingml/2006/main" xmlns:r="http://schemas.openxmlformats.org/officeDocument/2006/relationships" xmlns:p="http://schemas.openxmlformats.org/presentationml/2006/main">
+  <p:cSld>
+    <p:spTree>
+      <p:nvGrpSpPr>
+        <p:cNvPr id="1" name="Shape 105">
+          <a:extLst>
+            <a:ext uri="{FF2B5EF4-FFF2-40B4-BE49-F238E27FC236}">
+              <a16:creationId xmlns:a16="http://schemas.microsoft.com/office/drawing/2014/main" id="{D5DF55FC-C69B-EC06-FD0C-03EA30310BB1}"/>
+            </a:ext>
+          </a:extLst>
+        </p:cNvPr>
+        <p:cNvGrpSpPr/>
+        <p:nvPr/>
+      </p:nvGrpSpPr>
+      <p:grpSpPr>
+        <a:xfrm>
+          <a:off x="0" y="0"/>
+          <a:ext cx="0" cy="0"/>
+          <a:chOff x="0" y="0"/>
+          <a:chExt cx="0" cy="0"/>
+        </a:xfrm>
+      </p:grpSpPr>
+      <p:grpSp>
+        <p:nvGrpSpPr>
+          <p:cNvPr id="106" name="Google Shape;106;p3">
+            <a:extLst>
+              <a:ext uri="{FF2B5EF4-FFF2-40B4-BE49-F238E27FC236}">
+                <a16:creationId xmlns:a16="http://schemas.microsoft.com/office/drawing/2014/main" id="{D2ABE210-EC55-CD0C-D0B2-FBB5B61D1814}"/>
+              </a:ext>
+            </a:extLst>
+          </p:cNvPr>
+          <p:cNvGrpSpPr/>
+          <p:nvPr/>
+        </p:nvGrpSpPr>
+        <p:grpSpPr>
+          <a:xfrm>
+            <a:off x="1" y="-4473"/>
+            <a:ext cx="12191999" cy="1798983"/>
+            <a:chOff x="1" y="-4473"/>
+            <a:chExt cx="12191999" cy="1798983"/>
+          </a:xfrm>
+        </p:grpSpPr>
+        <p:pic>
+          <p:nvPicPr>
+            <p:cNvPr id="107" name="Google Shape;107;p3">
+              <a:extLst>
+                <a:ext uri="{FF2B5EF4-FFF2-40B4-BE49-F238E27FC236}">
+                  <a16:creationId xmlns:a16="http://schemas.microsoft.com/office/drawing/2014/main" id="{DBA252D4-7134-B61E-9966-F9758FEF8F63}"/>
+                </a:ext>
+              </a:extLst>
+            </p:cNvPr>
+            <p:cNvPicPr preferRelativeResize="0"/>
+            <p:nvPr/>
+          </p:nvPicPr>
+          <p:blipFill rotWithShape="1">
+            <a:blip r:embed="rId3">
+              <a:alphaModFix/>
+            </a:blip>
+            <a:srcRect r="17643"/>
+            <a:stretch/>
+          </p:blipFill>
+          <p:spPr>
+            <a:xfrm>
+              <a:off x="1" y="0"/>
+              <a:ext cx="6410035" cy="1794510"/>
+            </a:xfrm>
+            <a:prstGeom prst="rect">
+              <a:avLst/>
+            </a:prstGeom>
+            <a:noFill/>
+            <a:ln>
+              <a:noFill/>
+            </a:ln>
+          </p:spPr>
+        </p:pic>
+        <p:pic>
+          <p:nvPicPr>
+            <p:cNvPr id="108" name="Google Shape;108;p3">
+              <a:extLst>
+                <a:ext uri="{FF2B5EF4-FFF2-40B4-BE49-F238E27FC236}">
+                  <a16:creationId xmlns:a16="http://schemas.microsoft.com/office/drawing/2014/main" id="{2AD02BFF-B01B-C78A-BF2A-BE4CC44D4AC8}"/>
+                </a:ext>
+              </a:extLst>
+            </p:cNvPr>
+            <p:cNvPicPr preferRelativeResize="0"/>
+            <p:nvPr/>
+          </p:nvPicPr>
+          <p:blipFill rotWithShape="1">
+            <a:blip r:embed="rId3">
+              <a:alphaModFix/>
+            </a:blip>
+            <a:srcRect l="74798" r="17642"/>
+            <a:stretch/>
+          </p:blipFill>
+          <p:spPr>
+            <a:xfrm>
+              <a:off x="5821680" y="-4473"/>
+              <a:ext cx="6370320" cy="1794510"/>
+            </a:xfrm>
+            <a:prstGeom prst="rect">
+              <a:avLst/>
+            </a:prstGeom>
+            <a:noFill/>
+            <a:ln>
+              <a:noFill/>
+            </a:ln>
+          </p:spPr>
+        </p:pic>
+      </p:grpSp>
+      <p:sp>
+        <p:nvSpPr>
+          <p:cNvPr id="8" name="Text Placeholder 7">
+            <a:extLst>
+              <a:ext uri="{FF2B5EF4-FFF2-40B4-BE49-F238E27FC236}">
+                <a16:creationId xmlns:a16="http://schemas.microsoft.com/office/drawing/2014/main" id="{151AD2A5-A48C-D406-24ED-A81305F4F3D9}"/>
+              </a:ext>
+            </a:extLst>
+          </p:cNvPr>
+          <p:cNvSpPr>
+            <a:spLocks noGrp="1"/>
+          </p:cNvSpPr>
+          <p:nvPr>
+            <p:ph type="body" idx="2"/>
+          </p:nvPr>
+        </p:nvSpPr>
+        <p:spPr>
+          <a:xfrm>
+            <a:off x="1032220" y="1307144"/>
+            <a:ext cx="9702586" cy="5200127"/>
+          </a:xfrm>
+        </p:spPr>
+        <p:txBody>
+          <a:bodyPr>
+            <a:normAutofit/>
+          </a:bodyPr>
+          <a:lstStyle/>
+          <a:p>
+            <a:pPr>
+              <a:lnSpc>
+                <a:spcPct val="150000"/>
+              </a:lnSpc>
+            </a:pPr>
+            <a:r>
+              <a:rPr lang="en-PH" sz="1800" b="1" dirty="0">
+                <a:solidFill>
+                  <a:schemeClr val="accent2"/>
+                </a:solidFill>
+                <a:latin typeface="Roboto"/>
+                <a:ea typeface="Roboto"/>
+                <a:cs typeface="Roboto"/>
+                <a:sym typeface="Roboto"/>
+              </a:rPr>
+              <a:t>Guidelines</a:t>
+            </a:r>
+          </a:p>
+          <a:p>
+            <a:pPr marL="514350" indent="-285750">
+              <a:lnSpc>
+                <a:spcPct val="150000"/>
+              </a:lnSpc>
+              <a:buFont typeface="Arial" panose="020B0604020202020204" pitchFamily="34" charset="0"/>
+              <a:buChar char="•"/>
+            </a:pPr>
+            <a:r>
+              <a:rPr lang="en-PH" dirty="0">
+                <a:latin typeface="Roboto" panose="02000000000000000000" pitchFamily="2" charset="0"/>
+                <a:ea typeface="Roboto" panose="02000000000000000000" pitchFamily="2" charset="0"/>
+                <a:cs typeface="Roboto" panose="02000000000000000000" pitchFamily="2" charset="0"/>
+              </a:rPr>
+              <a:t>Everyone should utilize GitHub Co-pilot and/or ChatGPT</a:t>
+            </a:r>
+          </a:p>
+          <a:p>
+            <a:pPr marL="514350" indent="-285750">
+              <a:lnSpc>
+                <a:spcPct val="150000"/>
+              </a:lnSpc>
+              <a:buFont typeface="Arial" panose="020B0604020202020204" pitchFamily="34" charset="0"/>
+              <a:buChar char="•"/>
+            </a:pPr>
+            <a:r>
+              <a:rPr lang="en-PH" dirty="0">
+                <a:latin typeface="Roboto" panose="02000000000000000000" pitchFamily="2" charset="0"/>
+                <a:ea typeface="Roboto" panose="02000000000000000000" pitchFamily="2" charset="0"/>
+                <a:cs typeface="Roboto" panose="02000000000000000000" pitchFamily="2" charset="0"/>
+              </a:rPr>
+              <a:t>Presentation material, recording and demo codes will be available after each sessions</a:t>
+            </a:r>
+          </a:p>
+          <a:p>
+            <a:pPr marL="514350" indent="-285750">
+              <a:lnSpc>
+                <a:spcPct val="150000"/>
+              </a:lnSpc>
+              <a:buFont typeface="Arial" panose="020B0604020202020204" pitchFamily="34" charset="0"/>
+              <a:buChar char="•"/>
+            </a:pPr>
+            <a:r>
+              <a:rPr lang="en-PH" dirty="0">
+                <a:latin typeface="Roboto" panose="02000000000000000000" pitchFamily="2" charset="0"/>
+                <a:ea typeface="Roboto" panose="02000000000000000000" pitchFamily="2" charset="0"/>
+                <a:cs typeface="Roboto" panose="02000000000000000000" pitchFamily="2" charset="0"/>
+              </a:rPr>
+              <a:t>Questions and clarification can be raised anytime during and after sessions</a:t>
+            </a:r>
+          </a:p>
+          <a:p>
+            <a:pPr marL="514350" indent="-285750">
+              <a:lnSpc>
+                <a:spcPct val="150000"/>
+              </a:lnSpc>
+              <a:buFont typeface="Arial" panose="020B0604020202020204" pitchFamily="34" charset="0"/>
+              <a:buChar char="•"/>
+            </a:pPr>
+            <a:r>
+              <a:rPr lang="en-PH" dirty="0">
+                <a:latin typeface="Roboto" panose="02000000000000000000" pitchFamily="2" charset="0"/>
+                <a:ea typeface="Roboto" panose="02000000000000000000" pitchFamily="2" charset="0"/>
+                <a:cs typeface="Roboto" panose="02000000000000000000" pitchFamily="2" charset="0"/>
+              </a:rPr>
+              <a:t>Push all hands-on activity codes and final project to personal GitHub Repos</a:t>
+            </a:r>
+          </a:p>
+          <a:p>
+            <a:pPr marL="514350" indent="-285750">
+              <a:lnSpc>
+                <a:spcPct val="150000"/>
+              </a:lnSpc>
+              <a:buFont typeface="Arial" panose="020B0604020202020204" pitchFamily="34" charset="0"/>
+              <a:buChar char="•"/>
+            </a:pPr>
+            <a:r>
+              <a:rPr lang="en-PH" dirty="0">
+                <a:latin typeface="Roboto" panose="02000000000000000000" pitchFamily="2" charset="0"/>
+                <a:ea typeface="Roboto" panose="02000000000000000000" pitchFamily="2" charset="0"/>
+                <a:cs typeface="Roboto" panose="02000000000000000000" pitchFamily="2" charset="0"/>
+              </a:rPr>
+              <a:t>Overall results will send after completion of all requirements </a:t>
+            </a:r>
+          </a:p>
+          <a:p>
+            <a:pPr marL="514350" indent="-285750">
+              <a:lnSpc>
+                <a:spcPct val="150000"/>
+              </a:lnSpc>
+              <a:buFont typeface="Arial" panose="020B0604020202020204" pitchFamily="34" charset="0"/>
+              <a:buChar char="•"/>
+            </a:pPr>
+            <a:endParaRPr lang="en-PH" dirty="0">
+              <a:latin typeface="Roboto" panose="02000000000000000000" pitchFamily="2" charset="0"/>
+              <a:ea typeface="Roboto" panose="02000000000000000000" pitchFamily="2" charset="0"/>
+              <a:cs typeface="Roboto" panose="02000000000000000000" pitchFamily="2" charset="0"/>
+            </a:endParaRPr>
+          </a:p>
+        </p:txBody>
+      </p:sp>
+    </p:spTree>
+    <p:extLst>
+      <p:ext uri="{BB962C8B-B14F-4D97-AF65-F5344CB8AC3E}">
+        <p14:creationId xmlns:p14="http://schemas.microsoft.com/office/powerpoint/2010/main" val="1754782304"/>
       </p:ext>
     </p:extLst>
   </p:cSld>
